--- a/PM1.pptx
+++ b/PM1.pptx
@@ -2,18 +2,25 @@
 <file path=ppt/presentation.xml><?xml version="1.0" encoding="utf-8"?>
 <p:presentation xmlns:a="http://schemas.openxmlformats.org/drawingml/2006/main" xmlns:r="http://schemas.openxmlformats.org/officeDocument/2006/relationships" xmlns:p="http://schemas.openxmlformats.org/presentationml/2006/main" saveSubsetFonts="1">
   <p:sldMasterIdLst>
-    <p:sldMasterId id="2147483648" r:id="rId1"/>
+    <p:sldMasterId id="2147483660" r:id="rId1"/>
   </p:sldMasterIdLst>
   <p:sldIdLst>
     <p:sldId id="256" r:id="rId2"/>
+    <p:sldId id="257" r:id="rId3"/>
+    <p:sldId id="258" r:id="rId4"/>
+    <p:sldId id="259" r:id="rId5"/>
+    <p:sldId id="260" r:id="rId6"/>
+    <p:sldId id="261" r:id="rId7"/>
+    <p:sldId id="262" r:id="rId8"/>
+    <p:sldId id="263" r:id="rId9"/>
   </p:sldIdLst>
   <p:sldSz cx="12192000" cy="6858000"/>
   <p:notesSz cx="6858000" cy="9144000"/>
   <p:defaultTextStyle>
     <a:defPPr>
-      <a:defRPr lang="es-MX"/>
+      <a:defRPr lang="en-US"/>
     </a:defPPr>
-    <a:lvl1pPr marL="0" algn="l" defTabSz="914400" rtl="0" eaLnBrk="1" latinLnBrk="0" hangingPunct="1">
+    <a:lvl1pPr marL="0" algn="l" defTabSz="457200" rtl="0" eaLnBrk="1" latinLnBrk="0" hangingPunct="1">
       <a:defRPr sz="1800" kern="1200">
         <a:solidFill>
           <a:schemeClr val="tx1"/>
@@ -23,7 +30,7 @@
         <a:cs typeface="+mn-cs"/>
       </a:defRPr>
     </a:lvl1pPr>
-    <a:lvl2pPr marL="457200" algn="l" defTabSz="914400" rtl="0" eaLnBrk="1" latinLnBrk="0" hangingPunct="1">
+    <a:lvl2pPr marL="457200" algn="l" defTabSz="457200" rtl="0" eaLnBrk="1" latinLnBrk="0" hangingPunct="1">
       <a:defRPr sz="1800" kern="1200">
         <a:solidFill>
           <a:schemeClr val="tx1"/>
@@ -33,7 +40,7 @@
         <a:cs typeface="+mn-cs"/>
       </a:defRPr>
     </a:lvl2pPr>
-    <a:lvl3pPr marL="914400" algn="l" defTabSz="914400" rtl="0" eaLnBrk="1" latinLnBrk="0" hangingPunct="1">
+    <a:lvl3pPr marL="914400" algn="l" defTabSz="457200" rtl="0" eaLnBrk="1" latinLnBrk="0" hangingPunct="1">
       <a:defRPr sz="1800" kern="1200">
         <a:solidFill>
           <a:schemeClr val="tx1"/>
@@ -43,7 +50,7 @@
         <a:cs typeface="+mn-cs"/>
       </a:defRPr>
     </a:lvl3pPr>
-    <a:lvl4pPr marL="1371600" algn="l" defTabSz="914400" rtl="0" eaLnBrk="1" latinLnBrk="0" hangingPunct="1">
+    <a:lvl4pPr marL="1371600" algn="l" defTabSz="457200" rtl="0" eaLnBrk="1" latinLnBrk="0" hangingPunct="1">
       <a:defRPr sz="1800" kern="1200">
         <a:solidFill>
           <a:schemeClr val="tx1"/>
@@ -53,7 +60,7 @@
         <a:cs typeface="+mn-cs"/>
       </a:defRPr>
     </a:lvl4pPr>
-    <a:lvl5pPr marL="1828800" algn="l" defTabSz="914400" rtl="0" eaLnBrk="1" latinLnBrk="0" hangingPunct="1">
+    <a:lvl5pPr marL="1828800" algn="l" defTabSz="457200" rtl="0" eaLnBrk="1" latinLnBrk="0" hangingPunct="1">
       <a:defRPr sz="1800" kern="1200">
         <a:solidFill>
           <a:schemeClr val="tx1"/>
@@ -63,7 +70,7 @@
         <a:cs typeface="+mn-cs"/>
       </a:defRPr>
     </a:lvl5pPr>
-    <a:lvl6pPr marL="2286000" algn="l" defTabSz="914400" rtl="0" eaLnBrk="1" latinLnBrk="0" hangingPunct="1">
+    <a:lvl6pPr marL="2286000" algn="l" defTabSz="457200" rtl="0" eaLnBrk="1" latinLnBrk="0" hangingPunct="1">
       <a:defRPr sz="1800" kern="1200">
         <a:solidFill>
           <a:schemeClr val="tx1"/>
@@ -73,7 +80,7 @@
         <a:cs typeface="+mn-cs"/>
       </a:defRPr>
     </a:lvl6pPr>
-    <a:lvl7pPr marL="2743200" algn="l" defTabSz="914400" rtl="0" eaLnBrk="1" latinLnBrk="0" hangingPunct="1">
+    <a:lvl7pPr marL="2743200" algn="l" defTabSz="457200" rtl="0" eaLnBrk="1" latinLnBrk="0" hangingPunct="1">
       <a:defRPr sz="1800" kern="1200">
         <a:solidFill>
           <a:schemeClr val="tx1"/>
@@ -83,7 +90,7 @@
         <a:cs typeface="+mn-cs"/>
       </a:defRPr>
     </a:lvl7pPr>
-    <a:lvl8pPr marL="3200400" algn="l" defTabSz="914400" rtl="0" eaLnBrk="1" latinLnBrk="0" hangingPunct="1">
+    <a:lvl8pPr marL="3200400" algn="l" defTabSz="457200" rtl="0" eaLnBrk="1" latinLnBrk="0" hangingPunct="1">
       <a:defRPr sz="1800" kern="1200">
         <a:solidFill>
           <a:schemeClr val="tx1"/>
@@ -93,7 +100,7 @@
         <a:cs typeface="+mn-cs"/>
       </a:defRPr>
     </a:lvl8pPr>
-    <a:lvl9pPr marL="3657600" algn="l" defTabSz="914400" rtl="0" eaLnBrk="1" latinLnBrk="0" hangingPunct="1">
+    <a:lvl9pPr marL="3657600" algn="l" defTabSz="457200" rtl="0" eaLnBrk="1" latinLnBrk="0" hangingPunct="1">
       <a:defRPr sz="1800" kern="1200">
         <a:solidFill>
           <a:schemeClr val="tx1"/>
@@ -104,11 +111,194 @@
       </a:defRPr>
     </a:lvl9pPr>
   </p:defaultTextStyle>
+  <p:extLst>
+    <p:ext uri="{EFAFB233-063F-42B5-8137-9DF3F51BA10A}">
+      <p15:sldGuideLst xmlns:p15="http://schemas.microsoft.com/office/powerpoint/2012/main"/>
+    </p:ext>
+  </p:extLst>
 </p:presentation>
 </file>
 
 <file path=ppt/changesInfos/changesInfo1.xml><?xml version="1.0" encoding="utf-8"?>
 <pc:chgInfo xmlns:a="http://schemas.openxmlformats.org/drawingml/2006/main" xmlns:r="http://schemas.openxmlformats.org/officeDocument/2006/relationships" xmlns:ac="http://schemas.microsoft.com/office/drawing/2013/main/command" xmlns:pc="http://schemas.microsoft.com/office/powerpoint/2013/main/command">
+  <pc:docChgLst>
+    <pc:chgData name="JAVIER ALEJANDRO PRECIADO RODRIGUEZ" userId="99c69099-2671-48a8-960c-05a040ef0d22" providerId="ADAL" clId="{EE13D464-7EF4-4D6C-8B93-0606D5CD4877}"/>
+    <pc:docChg chg="addSld modSld">
+      <pc:chgData name="JAVIER ALEJANDRO PRECIADO RODRIGUEZ" userId="99c69099-2671-48a8-960c-05a040ef0d22" providerId="ADAL" clId="{EE13D464-7EF4-4D6C-8B93-0606D5CD4877}" dt="2019-09-30T17:21:37.603" v="31"/>
+      <pc:docMkLst>
+        <pc:docMk/>
+      </pc:docMkLst>
+      <pc:sldChg chg="modSp add">
+        <pc:chgData name="JAVIER ALEJANDRO PRECIADO RODRIGUEZ" userId="99c69099-2671-48a8-960c-05a040ef0d22" providerId="ADAL" clId="{EE13D464-7EF4-4D6C-8B93-0606D5CD4877}" dt="2019-09-30T17:20:41.877" v="30"/>
+        <pc:sldMkLst>
+          <pc:docMk/>
+          <pc:sldMk cId="3525617992" sldId="257"/>
+        </pc:sldMkLst>
+        <pc:spChg chg="mod">
+          <ac:chgData name="JAVIER ALEJANDRO PRECIADO RODRIGUEZ" userId="99c69099-2671-48a8-960c-05a040ef0d22" providerId="ADAL" clId="{EE13D464-7EF4-4D6C-8B93-0606D5CD4877}" dt="2019-09-30T17:20:41.877" v="30"/>
+          <ac:spMkLst>
+            <pc:docMk/>
+            <pc:sldMk cId="3525617992" sldId="257"/>
+            <ac:spMk id="3" creationId="{85BDEE52-F376-4558-B8EF-7C749FF465E4}"/>
+          </ac:spMkLst>
+        </pc:spChg>
+      </pc:sldChg>
+      <pc:sldChg chg="addSp modSp add">
+        <pc:chgData name="JAVIER ALEJANDRO PRECIADO RODRIGUEZ" userId="99c69099-2671-48a8-960c-05a040ef0d22" providerId="ADAL" clId="{EE13D464-7EF4-4D6C-8B93-0606D5CD4877}" dt="2019-09-30T17:21:37.603" v="31"/>
+        <pc:sldMkLst>
+          <pc:docMk/>
+          <pc:sldMk cId="38734962" sldId="258"/>
+        </pc:sldMkLst>
+        <pc:spChg chg="mod">
+          <ac:chgData name="JAVIER ALEJANDRO PRECIADO RODRIGUEZ" userId="99c69099-2671-48a8-960c-05a040ef0d22" providerId="ADAL" clId="{EE13D464-7EF4-4D6C-8B93-0606D5CD4877}" dt="2019-09-30T17:21:37.603" v="31"/>
+          <ac:spMkLst>
+            <pc:docMk/>
+            <pc:sldMk cId="38734962" sldId="258"/>
+            <ac:spMk id="3" creationId="{65BDE1F9-B61E-416E-AE85-6A66532944D9}"/>
+          </ac:spMkLst>
+        </pc:spChg>
+        <pc:graphicFrameChg chg="add">
+          <ac:chgData name="JAVIER ALEJANDRO PRECIADO RODRIGUEZ" userId="99c69099-2671-48a8-960c-05a040ef0d22" providerId="ADAL" clId="{EE13D464-7EF4-4D6C-8B93-0606D5CD4877}" dt="2019-09-30T17:05:51.392" v="14"/>
+          <ac:graphicFrameMkLst>
+            <pc:docMk/>
+            <pc:sldMk cId="38734962" sldId="258"/>
+            <ac:graphicFrameMk id="4" creationId="{4BC9A48E-8063-4319-B22C-05F2DB1FDE9A}"/>
+          </ac:graphicFrameMkLst>
+        </pc:graphicFrameChg>
+      </pc:sldChg>
+      <pc:sldChg chg="addSp delSp modSp add">
+        <pc:chgData name="JAVIER ALEJANDRO PRECIADO RODRIGUEZ" userId="99c69099-2671-48a8-960c-05a040ef0d22" providerId="ADAL" clId="{EE13D464-7EF4-4D6C-8B93-0606D5CD4877}" dt="2019-09-30T17:11:13.095" v="19" actId="12385"/>
+        <pc:sldMkLst>
+          <pc:docMk/>
+          <pc:sldMk cId="748067722" sldId="259"/>
+        </pc:sldMkLst>
+        <pc:spChg chg="mod">
+          <ac:chgData name="JAVIER ALEJANDRO PRECIADO RODRIGUEZ" userId="99c69099-2671-48a8-960c-05a040ef0d22" providerId="ADAL" clId="{EE13D464-7EF4-4D6C-8B93-0606D5CD4877}" dt="2019-09-30T17:05:44.070" v="12"/>
+          <ac:spMkLst>
+            <pc:docMk/>
+            <pc:sldMk cId="748067722" sldId="259"/>
+            <ac:spMk id="3" creationId="{2A489509-C635-408E-951C-B476A2A2CD9C}"/>
+          </ac:spMkLst>
+        </pc:spChg>
+        <pc:graphicFrameChg chg="add del mod">
+          <ac:chgData name="JAVIER ALEJANDRO PRECIADO RODRIGUEZ" userId="99c69099-2671-48a8-960c-05a040ef0d22" providerId="ADAL" clId="{EE13D464-7EF4-4D6C-8B93-0606D5CD4877}" dt="2019-09-30T17:05:49.620" v="13"/>
+          <ac:graphicFrameMkLst>
+            <pc:docMk/>
+            <pc:sldMk cId="748067722" sldId="259"/>
+            <ac:graphicFrameMk id="5" creationId="{98D279AF-E585-490B-B8EB-8D5C9714C9FD}"/>
+          </ac:graphicFrameMkLst>
+        </pc:graphicFrameChg>
+        <pc:graphicFrameChg chg="add mod">
+          <ac:chgData name="JAVIER ALEJANDRO PRECIADO RODRIGUEZ" userId="99c69099-2671-48a8-960c-05a040ef0d22" providerId="ADAL" clId="{EE13D464-7EF4-4D6C-8B93-0606D5CD4877}" dt="2019-09-30T17:11:13.095" v="19" actId="12385"/>
+          <ac:graphicFrameMkLst>
+            <pc:docMk/>
+            <pc:sldMk cId="748067722" sldId="259"/>
+            <ac:graphicFrameMk id="8" creationId="{FCFDF168-9DF2-411A-A1F2-21DCC01C0CF6}"/>
+          </ac:graphicFrameMkLst>
+        </pc:graphicFrameChg>
+        <pc:picChg chg="add">
+          <ac:chgData name="JAVIER ALEJANDRO PRECIADO RODRIGUEZ" userId="99c69099-2671-48a8-960c-05a040ef0d22" providerId="ADAL" clId="{EE13D464-7EF4-4D6C-8B93-0606D5CD4877}" dt="2019-09-30T17:00:01.591" v="7"/>
+          <ac:picMkLst>
+            <pc:docMk/>
+            <pc:sldMk cId="748067722" sldId="259"/>
+            <ac:picMk id="4" creationId="{D1C7AB53-8D33-42F8-A7B1-24C8C5604CD8}"/>
+          </ac:picMkLst>
+        </pc:picChg>
+        <pc:picChg chg="add">
+          <ac:chgData name="JAVIER ALEJANDRO PRECIADO RODRIGUEZ" userId="99c69099-2671-48a8-960c-05a040ef0d22" providerId="ADAL" clId="{EE13D464-7EF4-4D6C-8B93-0606D5CD4877}" dt="2019-09-30T17:06:45.002" v="15"/>
+          <ac:picMkLst>
+            <pc:docMk/>
+            <pc:sldMk cId="748067722" sldId="259"/>
+            <ac:picMk id="6" creationId="{A7CD3364-1949-4093-B134-DDE1AFC05416}"/>
+          </ac:picMkLst>
+        </pc:picChg>
+        <pc:picChg chg="add">
+          <ac:chgData name="JAVIER ALEJANDRO PRECIADO RODRIGUEZ" userId="99c69099-2671-48a8-960c-05a040ef0d22" providerId="ADAL" clId="{EE13D464-7EF4-4D6C-8B93-0606D5CD4877}" dt="2019-09-30T17:09:36.164" v="16"/>
+          <ac:picMkLst>
+            <pc:docMk/>
+            <pc:sldMk cId="748067722" sldId="259"/>
+            <ac:picMk id="7" creationId="{BACEFA16-1C38-4264-AD76-5B440E7C039B}"/>
+          </ac:picMkLst>
+        </pc:picChg>
+        <pc:cxnChg chg="add mod">
+          <ac:chgData name="JAVIER ALEJANDRO PRECIADO RODRIGUEZ" userId="99c69099-2671-48a8-960c-05a040ef0d22" providerId="ADAL" clId="{EE13D464-7EF4-4D6C-8B93-0606D5CD4877}" dt="2019-09-30T17:10:51.551" v="18" actId="11529"/>
+          <ac:cxnSpMkLst>
+            <pc:docMk/>
+            <pc:sldMk cId="748067722" sldId="259"/>
+            <ac:cxnSpMk id="10" creationId="{1385F9E0-605D-40D8-B3F5-DFAF996DF9B4}"/>
+          </ac:cxnSpMkLst>
+        </pc:cxnChg>
+      </pc:sldChg>
+      <pc:sldChg chg="modSp add">
+        <pc:chgData name="JAVIER ALEJANDRO PRECIADO RODRIGUEZ" userId="99c69099-2671-48a8-960c-05a040ef0d22" providerId="ADAL" clId="{EE13D464-7EF4-4D6C-8B93-0606D5CD4877}" dt="2019-09-30T17:11:59.694" v="21"/>
+        <pc:sldMkLst>
+          <pc:docMk/>
+          <pc:sldMk cId="2566445455" sldId="260"/>
+        </pc:sldMkLst>
+        <pc:spChg chg="mod">
+          <ac:chgData name="JAVIER ALEJANDRO PRECIADO RODRIGUEZ" userId="99c69099-2671-48a8-960c-05a040ef0d22" providerId="ADAL" clId="{EE13D464-7EF4-4D6C-8B93-0606D5CD4877}" dt="2019-09-30T17:11:59.694" v="21"/>
+          <ac:spMkLst>
+            <pc:docMk/>
+            <pc:sldMk cId="2566445455" sldId="260"/>
+            <ac:spMk id="3" creationId="{18EA4234-EAA0-4C10-8F87-9EFC409E6C6C}"/>
+          </ac:spMkLst>
+        </pc:spChg>
+      </pc:sldChg>
+      <pc:sldChg chg="modSp add">
+        <pc:chgData name="JAVIER ALEJANDRO PRECIADO RODRIGUEZ" userId="99c69099-2671-48a8-960c-05a040ef0d22" providerId="ADAL" clId="{EE13D464-7EF4-4D6C-8B93-0606D5CD4877}" dt="2019-09-30T17:13:02.885" v="23"/>
+        <pc:sldMkLst>
+          <pc:docMk/>
+          <pc:sldMk cId="3667737633" sldId="261"/>
+        </pc:sldMkLst>
+        <pc:spChg chg="mod">
+          <ac:chgData name="JAVIER ALEJANDRO PRECIADO RODRIGUEZ" userId="99c69099-2671-48a8-960c-05a040ef0d22" providerId="ADAL" clId="{EE13D464-7EF4-4D6C-8B93-0606D5CD4877}" dt="2019-09-30T17:13:02.885" v="23"/>
+          <ac:spMkLst>
+            <pc:docMk/>
+            <pc:sldMk cId="3667737633" sldId="261"/>
+            <ac:spMk id="3" creationId="{1D999922-A1CD-41A1-B9A4-98875778D1CF}"/>
+          </ac:spMkLst>
+        </pc:spChg>
+      </pc:sldChg>
+      <pc:sldChg chg="addSp modSp add">
+        <pc:chgData name="JAVIER ALEJANDRO PRECIADO RODRIGUEZ" userId="99c69099-2671-48a8-960c-05a040ef0d22" providerId="ADAL" clId="{EE13D464-7EF4-4D6C-8B93-0606D5CD4877}" dt="2019-09-30T17:15:03.352" v="26"/>
+        <pc:sldMkLst>
+          <pc:docMk/>
+          <pc:sldMk cId="3920018135" sldId="262"/>
+        </pc:sldMkLst>
+        <pc:spChg chg="mod">
+          <ac:chgData name="JAVIER ALEJANDRO PRECIADO RODRIGUEZ" userId="99c69099-2671-48a8-960c-05a040ef0d22" providerId="ADAL" clId="{EE13D464-7EF4-4D6C-8B93-0606D5CD4877}" dt="2019-09-30T17:14:22.066" v="25"/>
+          <ac:spMkLst>
+            <pc:docMk/>
+            <pc:sldMk cId="3920018135" sldId="262"/>
+            <ac:spMk id="2" creationId="{C24CFFAD-A1B1-4420-BA20-08410BB89ED0}"/>
+          </ac:spMkLst>
+        </pc:spChg>
+        <pc:picChg chg="add">
+          <ac:chgData name="JAVIER ALEJANDRO PRECIADO RODRIGUEZ" userId="99c69099-2671-48a8-960c-05a040ef0d22" providerId="ADAL" clId="{EE13D464-7EF4-4D6C-8B93-0606D5CD4877}" dt="2019-09-30T17:15:03.352" v="26"/>
+          <ac:picMkLst>
+            <pc:docMk/>
+            <pc:sldMk cId="3920018135" sldId="262"/>
+            <ac:picMk id="4" creationId="{FB227480-A001-4335-B836-A9B1B7CF401C}"/>
+          </ac:picMkLst>
+        </pc:picChg>
+      </pc:sldChg>
+      <pc:sldChg chg="modSp add">
+        <pc:chgData name="JAVIER ALEJANDRO PRECIADO RODRIGUEZ" userId="99c69099-2671-48a8-960c-05a040ef0d22" providerId="ADAL" clId="{EE13D464-7EF4-4D6C-8B93-0606D5CD4877}" dt="2019-09-30T17:16:37.790" v="28"/>
+        <pc:sldMkLst>
+          <pc:docMk/>
+          <pc:sldMk cId="3826928259" sldId="263"/>
+        </pc:sldMkLst>
+        <pc:spChg chg="mod">
+          <ac:chgData name="JAVIER ALEJANDRO PRECIADO RODRIGUEZ" userId="99c69099-2671-48a8-960c-05a040ef0d22" providerId="ADAL" clId="{EE13D464-7EF4-4D6C-8B93-0606D5CD4877}" dt="2019-09-30T17:16:37.790" v="28"/>
+          <ac:spMkLst>
+            <pc:docMk/>
+            <pc:sldMk cId="3826928259" sldId="263"/>
+            <ac:spMk id="3" creationId="{F48C1912-3E9C-473C-AED3-FED3E4248979}"/>
+          </ac:spMkLst>
+        </pc:spChg>
+      </pc:sldChg>
+    </pc:docChg>
+  </pc:docChgLst>
   <pc:docChgLst>
     <pc:chgData name="JAVIER ALEJANDRO PRECIADO RODRIGUEZ" userId="99c69099-2671-48a8-960c-05a040ef0d22" providerId="ADAL" clId="{E510B84D-82D5-4E67-BFC7-5452947271DF}"/>
     <pc:docChg chg="addSld modSld">
@@ -147,13 +337,7 @@
       </p:grpSpPr>
       <p:sp>
         <p:nvSpPr>
-          <p:cNvPr id="2" name="Título 1">
-            <a:extLst>
-              <a:ext uri="{FF2B5EF4-FFF2-40B4-BE49-F238E27FC236}">
-                <a16:creationId xmlns:a16="http://schemas.microsoft.com/office/drawing/2014/main" id="{9651D079-ECA5-43B2-843A-AE40D42E4E93}"/>
-              </a:ext>
-            </a:extLst>
-          </p:cNvPr>
+          <p:cNvPr id="2" name="Title 1"/>
           <p:cNvSpPr>
             <a:spLocks noGrp="1"/>
           </p:cNvSpPr>
@@ -163,15 +347,17 @@
         </p:nvSpPr>
         <p:spPr>
           <a:xfrm>
-            <a:off x="1524000" y="1122363"/>
-            <a:ext cx="9144000" cy="2387600"/>
+            <a:off x="2417779" y="802298"/>
+            <a:ext cx="8637073" cy="2541431"/>
           </a:xfrm>
         </p:spPr>
         <p:txBody>
-          <a:bodyPr anchor="b"/>
+          <a:bodyPr bIns="0" anchor="b">
+            <a:normAutofit/>
+          </a:bodyPr>
           <a:lstStyle>
-            <a:lvl1pPr algn="ctr">
-              <a:defRPr sz="6000"/>
+            <a:lvl1pPr algn="l">
+              <a:defRPr sz="6600"/>
             </a:lvl1pPr>
           </a:lstStyle>
           <a:p>
@@ -179,19 +365,13 @@
               <a:rPr lang="es-ES"/>
               <a:t>Haga clic para modificar el estilo de título del patrón</a:t>
             </a:r>
-            <a:endParaRPr lang="es-MX"/>
-          </a:p>
-        </p:txBody>
-      </p:sp>
-      <p:sp>
-        <p:nvSpPr>
-          <p:cNvPr id="3" name="Subtítulo 2">
-            <a:extLst>
-              <a:ext uri="{FF2B5EF4-FFF2-40B4-BE49-F238E27FC236}">
-                <a16:creationId xmlns:a16="http://schemas.microsoft.com/office/drawing/2014/main" id="{892165B8-80B6-4E6E-A613-39439948F5B4}"/>
-              </a:ext>
-            </a:extLst>
-          </p:cNvPr>
+            <a:endParaRPr lang="en-US" dirty="0"/>
+          </a:p>
+        </p:txBody>
+      </p:sp>
+      <p:sp>
+        <p:nvSpPr>
+          <p:cNvPr id="3" name="Subtitle 2"/>
           <p:cNvSpPr>
             <a:spLocks noGrp="1"/>
           </p:cNvSpPr>
@@ -201,20 +381,26 @@
         </p:nvSpPr>
         <p:spPr>
           <a:xfrm>
-            <a:off x="1524000" y="3602038"/>
-            <a:ext cx="9144000" cy="1655762"/>
+            <a:off x="2417780" y="3531204"/>
+            <a:ext cx="8637072" cy="977621"/>
           </a:xfrm>
         </p:spPr>
         <p:txBody>
-          <a:bodyPr/>
+          <a:bodyPr tIns="91440" bIns="91440">
+            <a:normAutofit/>
+          </a:bodyPr>
           <a:lstStyle>
-            <a:lvl1pPr marL="0" indent="0" algn="ctr">
-              <a:buNone/>
-              <a:defRPr sz="2400"/>
+            <a:lvl1pPr marL="0" indent="0" algn="l">
+              <a:buNone/>
+              <a:defRPr sz="1800" b="0" cap="all" baseline="0">
+                <a:solidFill>
+                  <a:schemeClr val="tx1"/>
+                </a:solidFill>
+              </a:defRPr>
             </a:lvl1pPr>
             <a:lvl2pPr marL="457200" indent="0" algn="ctr">
               <a:buNone/>
-              <a:defRPr sz="2000"/>
+              <a:defRPr sz="1800"/>
             </a:lvl2pPr>
             <a:lvl3pPr marL="914400" indent="0" algn="ctr">
               <a:buNone/>
@@ -250,19 +436,13 @@
               <a:rPr lang="es-ES"/>
               <a:t>Haga clic para modificar el estilo de subtítulo del patrón</a:t>
             </a:r>
-            <a:endParaRPr lang="es-MX"/>
-          </a:p>
-        </p:txBody>
-      </p:sp>
-      <p:sp>
-        <p:nvSpPr>
-          <p:cNvPr id="4" name="Marcador de fecha 3">
-            <a:extLst>
-              <a:ext uri="{FF2B5EF4-FFF2-40B4-BE49-F238E27FC236}">
-                <a16:creationId xmlns:a16="http://schemas.microsoft.com/office/drawing/2014/main" id="{9CE895F6-0F68-4A79-B37D-625E04D7CE8F}"/>
-              </a:ext>
-            </a:extLst>
-          </p:cNvPr>
+            <a:endParaRPr lang="en-US" dirty="0"/>
+          </a:p>
+        </p:txBody>
+      </p:sp>
+      <p:sp>
+        <p:nvSpPr>
+          <p:cNvPr id="4" name="Date Placeholder 3"/>
           <p:cNvSpPr>
             <a:spLocks noGrp="1"/>
           </p:cNvSpPr>
@@ -285,13 +465,7 @@
       </p:sp>
       <p:sp>
         <p:nvSpPr>
-          <p:cNvPr id="5" name="Marcador de pie de página 4">
-            <a:extLst>
-              <a:ext uri="{FF2B5EF4-FFF2-40B4-BE49-F238E27FC236}">
-                <a16:creationId xmlns:a16="http://schemas.microsoft.com/office/drawing/2014/main" id="{ACEC9956-4FB6-41C3-9934-ABE5015035F8}"/>
-              </a:ext>
-            </a:extLst>
-          </p:cNvPr>
+          <p:cNvPr id="5" name="Footer Placeholder 4"/>
           <p:cNvSpPr>
             <a:spLocks noGrp="1"/>
           </p:cNvSpPr>
@@ -299,7 +473,12 @@
             <p:ph type="ftr" sz="quarter" idx="11"/>
           </p:nvPr>
         </p:nvSpPr>
-        <p:spPr/>
+        <p:spPr>
+          <a:xfrm>
+            <a:off x="2416500" y="329307"/>
+            <a:ext cx="4973915" cy="309201"/>
+          </a:xfrm>
+        </p:spPr>
         <p:txBody>
           <a:bodyPr/>
           <a:lstStyle/>
@@ -310,13 +489,7 @@
       </p:sp>
       <p:sp>
         <p:nvSpPr>
-          <p:cNvPr id="6" name="Marcador de número de diapositiva 5">
-            <a:extLst>
-              <a:ext uri="{FF2B5EF4-FFF2-40B4-BE49-F238E27FC236}">
-                <a16:creationId xmlns:a16="http://schemas.microsoft.com/office/drawing/2014/main" id="{CE3CAA9A-D3EE-4C77-9542-BB8878B03845}"/>
-              </a:ext>
-            </a:extLst>
-          </p:cNvPr>
+          <p:cNvPr id="6" name="Slide Number Placeholder 5"/>
           <p:cNvSpPr>
             <a:spLocks noGrp="1"/>
           </p:cNvSpPr>
@@ -324,7 +497,12 @@
             <p:ph type="sldNum" sz="quarter" idx="12"/>
           </p:nvPr>
         </p:nvSpPr>
-        <p:spPr/>
+        <p:spPr>
+          <a:xfrm>
+            <a:off x="1437664" y="798973"/>
+            <a:ext cx="811019" cy="503578"/>
+          </a:xfrm>
+        </p:spPr>
         <p:txBody>
           <a:bodyPr/>
           <a:lstStyle/>
@@ -337,10 +515,41 @@
           </a:p>
         </p:txBody>
       </p:sp>
+      <p:cxnSp>
+        <p:nvCxnSpPr>
+          <p:cNvPr id="15" name="Straight Connector 14"/>
+          <p:cNvCxnSpPr/>
+          <p:nvPr/>
+        </p:nvCxnSpPr>
+        <p:spPr>
+          <a:xfrm>
+            <a:off x="2417780" y="3528542"/>
+            <a:ext cx="8637072" cy="0"/>
+          </a:xfrm>
+          <a:prstGeom prst="line">
+            <a:avLst/>
+          </a:prstGeom>
+          <a:ln w="31750"/>
+        </p:spPr>
+        <p:style>
+          <a:lnRef idx="3">
+            <a:schemeClr val="accent1"/>
+          </a:lnRef>
+          <a:fillRef idx="0">
+            <a:schemeClr val="accent1"/>
+          </a:fillRef>
+          <a:effectRef idx="2">
+            <a:schemeClr val="accent1"/>
+          </a:effectRef>
+          <a:fontRef idx="minor">
+            <a:schemeClr val="tx1"/>
+          </a:fontRef>
+        </p:style>
+      </p:cxnSp>
     </p:spTree>
     <p:extLst>
       <p:ext uri="{BB962C8B-B14F-4D97-AF65-F5344CB8AC3E}">
-        <p14:creationId xmlns:p14="http://schemas.microsoft.com/office/powerpoint/2010/main" val="1677958456"/>
+        <p14:creationId xmlns:p14="http://schemas.microsoft.com/office/powerpoint/2010/main" val="3261508145"/>
       </p:ext>
     </p:extLst>
   </p:cSld>
@@ -369,13 +578,7 @@
       </p:grpSpPr>
       <p:sp>
         <p:nvSpPr>
-          <p:cNvPr id="2" name="Título 1">
-            <a:extLst>
-              <a:ext uri="{FF2B5EF4-FFF2-40B4-BE49-F238E27FC236}">
-                <a16:creationId xmlns:a16="http://schemas.microsoft.com/office/drawing/2014/main" id="{77A39A00-B7D5-47F2-BBB9-EDEEDEF3ED75}"/>
-              </a:ext>
-            </a:extLst>
-          </p:cNvPr>
+          <p:cNvPr id="2" name="Title 1"/>
           <p:cNvSpPr>
             <a:spLocks noGrp="1"/>
           </p:cNvSpPr>
@@ -392,19 +595,13 @@
               <a:rPr lang="es-ES"/>
               <a:t>Haga clic para modificar el estilo de título del patrón</a:t>
             </a:r>
-            <a:endParaRPr lang="es-MX"/>
-          </a:p>
-        </p:txBody>
-      </p:sp>
-      <p:sp>
-        <p:nvSpPr>
-          <p:cNvPr id="3" name="Marcador de texto vertical 2">
-            <a:extLst>
-              <a:ext uri="{FF2B5EF4-FFF2-40B4-BE49-F238E27FC236}">
-                <a16:creationId xmlns:a16="http://schemas.microsoft.com/office/drawing/2014/main" id="{FA3CC4FD-B16F-473A-9109-B0CBDF944565}"/>
-              </a:ext>
-            </a:extLst>
-          </p:cNvPr>
+            <a:endParaRPr lang="en-US" dirty="0"/>
+          </a:p>
+        </p:txBody>
+      </p:sp>
+      <p:sp>
+        <p:nvSpPr>
+          <p:cNvPr id="3" name="Vertical Text Placeholder 2"/>
           <p:cNvSpPr>
             <a:spLocks noGrp="1"/>
           </p:cNvSpPr>
@@ -450,19 +647,13 @@
               <a:rPr lang="es-ES"/>
               <a:t>Quinto nivel</a:t>
             </a:r>
-            <a:endParaRPr lang="es-MX"/>
-          </a:p>
-        </p:txBody>
-      </p:sp>
-      <p:sp>
-        <p:nvSpPr>
-          <p:cNvPr id="4" name="Marcador de fecha 3">
-            <a:extLst>
-              <a:ext uri="{FF2B5EF4-FFF2-40B4-BE49-F238E27FC236}">
-                <a16:creationId xmlns:a16="http://schemas.microsoft.com/office/drawing/2014/main" id="{F1E8EC61-3893-4714-A320-3035656E8EFE}"/>
-              </a:ext>
-            </a:extLst>
-          </p:cNvPr>
+            <a:endParaRPr lang="en-US" dirty="0"/>
+          </a:p>
+        </p:txBody>
+      </p:sp>
+      <p:sp>
+        <p:nvSpPr>
+          <p:cNvPr id="4" name="Date Placeholder 3"/>
           <p:cNvSpPr>
             <a:spLocks noGrp="1"/>
           </p:cNvSpPr>
@@ -485,13 +676,7 @@
       </p:sp>
       <p:sp>
         <p:nvSpPr>
-          <p:cNvPr id="5" name="Marcador de pie de página 4">
-            <a:extLst>
-              <a:ext uri="{FF2B5EF4-FFF2-40B4-BE49-F238E27FC236}">
-                <a16:creationId xmlns:a16="http://schemas.microsoft.com/office/drawing/2014/main" id="{36392896-3795-42DA-A2E3-FA2EFA27961B}"/>
-              </a:ext>
-            </a:extLst>
-          </p:cNvPr>
+          <p:cNvPr id="5" name="Footer Placeholder 4"/>
           <p:cNvSpPr>
             <a:spLocks noGrp="1"/>
           </p:cNvSpPr>
@@ -510,13 +695,7 @@
       </p:sp>
       <p:sp>
         <p:nvSpPr>
-          <p:cNvPr id="6" name="Marcador de número de diapositiva 5">
-            <a:extLst>
-              <a:ext uri="{FF2B5EF4-FFF2-40B4-BE49-F238E27FC236}">
-                <a16:creationId xmlns:a16="http://schemas.microsoft.com/office/drawing/2014/main" id="{DA0DBEED-8FB6-47DB-BC93-CFA47DE5DB6D}"/>
-              </a:ext>
-            </a:extLst>
-          </p:cNvPr>
+          <p:cNvPr id="6" name="Slide Number Placeholder 5"/>
           <p:cNvSpPr>
             <a:spLocks noGrp="1"/>
           </p:cNvSpPr>
@@ -537,10 +716,41 @@
           </a:p>
         </p:txBody>
       </p:sp>
+      <p:cxnSp>
+        <p:nvCxnSpPr>
+          <p:cNvPr id="26" name="Straight Connector 25"/>
+          <p:cNvCxnSpPr/>
+          <p:nvPr/>
+        </p:nvCxnSpPr>
+        <p:spPr>
+          <a:xfrm>
+            <a:off x="1453896" y="1847088"/>
+            <a:ext cx="9607522" cy="0"/>
+          </a:xfrm>
+          <a:prstGeom prst="line">
+            <a:avLst/>
+          </a:prstGeom>
+          <a:ln w="31750"/>
+        </p:spPr>
+        <p:style>
+          <a:lnRef idx="3">
+            <a:schemeClr val="accent1"/>
+          </a:lnRef>
+          <a:fillRef idx="0">
+            <a:schemeClr val="accent1"/>
+          </a:fillRef>
+          <a:effectRef idx="2">
+            <a:schemeClr val="accent1"/>
+          </a:effectRef>
+          <a:fontRef idx="minor">
+            <a:schemeClr val="tx1"/>
+          </a:fontRef>
+        </p:style>
+      </p:cxnSp>
     </p:spTree>
     <p:extLst>
       <p:ext uri="{BB962C8B-B14F-4D97-AF65-F5344CB8AC3E}">
-        <p14:creationId xmlns:p14="http://schemas.microsoft.com/office/powerpoint/2010/main" val="1811829269"/>
+        <p14:creationId xmlns:p14="http://schemas.microsoft.com/office/powerpoint/2010/main" val="470892426"/>
       </p:ext>
     </p:extLst>
   </p:cSld>
@@ -569,13 +779,7 @@
       </p:grpSpPr>
       <p:sp>
         <p:nvSpPr>
-          <p:cNvPr id="2" name="Título vertical 1">
-            <a:extLst>
-              <a:ext uri="{FF2B5EF4-FFF2-40B4-BE49-F238E27FC236}">
-                <a16:creationId xmlns:a16="http://schemas.microsoft.com/office/drawing/2014/main" id="{1373CA06-39E7-491A-896F-79D261673076}"/>
-              </a:ext>
-            </a:extLst>
-          </p:cNvPr>
+          <p:cNvPr id="2" name="Vertical Title 1"/>
           <p:cNvSpPr>
             <a:spLocks noGrp="1"/>
           </p:cNvSpPr>
@@ -585,31 +789,29 @@
         </p:nvSpPr>
         <p:spPr>
           <a:xfrm>
-            <a:off x="8724900" y="365125"/>
-            <a:ext cx="2628900" cy="5811838"/>
+            <a:off x="9439111" y="798973"/>
+            <a:ext cx="1615742" cy="4659889"/>
           </a:xfrm>
         </p:spPr>
         <p:txBody>
           <a:bodyPr vert="eaVert"/>
-          <a:lstStyle/>
+          <a:lstStyle>
+            <a:lvl1pPr algn="l">
+              <a:defRPr/>
+            </a:lvl1pPr>
+          </a:lstStyle>
           <a:p>
             <a:r>
               <a:rPr lang="es-ES"/>
               <a:t>Haga clic para modificar el estilo de título del patrón</a:t>
             </a:r>
-            <a:endParaRPr lang="es-MX"/>
-          </a:p>
-        </p:txBody>
-      </p:sp>
-      <p:sp>
-        <p:nvSpPr>
-          <p:cNvPr id="3" name="Marcador de texto vertical 2">
-            <a:extLst>
-              <a:ext uri="{FF2B5EF4-FFF2-40B4-BE49-F238E27FC236}">
-                <a16:creationId xmlns:a16="http://schemas.microsoft.com/office/drawing/2014/main" id="{792E4A67-7259-446B-86EC-FA6C9FE5A751}"/>
-              </a:ext>
-            </a:extLst>
-          </p:cNvPr>
+            <a:endParaRPr lang="en-US" dirty="0"/>
+          </a:p>
+        </p:txBody>
+      </p:sp>
+      <p:sp>
+        <p:nvSpPr>
+          <p:cNvPr id="3" name="Vertical Text Placeholder 2"/>
           <p:cNvSpPr>
             <a:spLocks noGrp="1"/>
           </p:cNvSpPr>
@@ -619,8 +821,8 @@
         </p:nvSpPr>
         <p:spPr>
           <a:xfrm>
-            <a:off x="838200" y="365125"/>
-            <a:ext cx="7734300" cy="5811838"/>
+            <a:off x="1444672" y="798973"/>
+            <a:ext cx="7828830" cy="4659889"/>
           </a:xfrm>
         </p:spPr>
         <p:txBody>
@@ -660,19 +862,13 @@
               <a:rPr lang="es-ES"/>
               <a:t>Quinto nivel</a:t>
             </a:r>
-            <a:endParaRPr lang="es-MX"/>
-          </a:p>
-        </p:txBody>
-      </p:sp>
-      <p:sp>
-        <p:nvSpPr>
-          <p:cNvPr id="4" name="Marcador de fecha 3">
-            <a:extLst>
-              <a:ext uri="{FF2B5EF4-FFF2-40B4-BE49-F238E27FC236}">
-                <a16:creationId xmlns:a16="http://schemas.microsoft.com/office/drawing/2014/main" id="{CFEC7F24-E9F5-4EBB-B010-FC25544FD3DE}"/>
-              </a:ext>
-            </a:extLst>
-          </p:cNvPr>
+            <a:endParaRPr lang="en-US" dirty="0"/>
+          </a:p>
+        </p:txBody>
+      </p:sp>
+      <p:sp>
+        <p:nvSpPr>
+          <p:cNvPr id="4" name="Date Placeholder 3"/>
           <p:cNvSpPr>
             <a:spLocks noGrp="1"/>
           </p:cNvSpPr>
@@ -695,13 +891,7 @@
       </p:sp>
       <p:sp>
         <p:nvSpPr>
-          <p:cNvPr id="5" name="Marcador de pie de página 4">
-            <a:extLst>
-              <a:ext uri="{FF2B5EF4-FFF2-40B4-BE49-F238E27FC236}">
-                <a16:creationId xmlns:a16="http://schemas.microsoft.com/office/drawing/2014/main" id="{27F088EA-03F0-46B3-8B51-71DD315B4861}"/>
-              </a:ext>
-            </a:extLst>
-          </p:cNvPr>
+          <p:cNvPr id="5" name="Footer Placeholder 4"/>
           <p:cNvSpPr>
             <a:spLocks noGrp="1"/>
           </p:cNvSpPr>
@@ -720,13 +910,7 @@
       </p:sp>
       <p:sp>
         <p:nvSpPr>
-          <p:cNvPr id="6" name="Marcador de número de diapositiva 5">
-            <a:extLst>
-              <a:ext uri="{FF2B5EF4-FFF2-40B4-BE49-F238E27FC236}">
-                <a16:creationId xmlns:a16="http://schemas.microsoft.com/office/drawing/2014/main" id="{F6E7EC06-26D6-46F6-AC73-8C254AB26532}"/>
-              </a:ext>
-            </a:extLst>
-          </p:cNvPr>
+          <p:cNvPr id="6" name="Slide Number Placeholder 5"/>
           <p:cNvSpPr>
             <a:spLocks noGrp="1"/>
           </p:cNvSpPr>
@@ -747,10 +931,41 @@
           </a:p>
         </p:txBody>
       </p:sp>
+      <p:cxnSp>
+        <p:nvCxnSpPr>
+          <p:cNvPr id="15" name="Straight Connector 14"/>
+          <p:cNvCxnSpPr/>
+          <p:nvPr/>
+        </p:nvCxnSpPr>
+        <p:spPr>
+          <a:xfrm>
+            <a:off x="9439111" y="798973"/>
+            <a:ext cx="0" cy="4659889"/>
+          </a:xfrm>
+          <a:prstGeom prst="line">
+            <a:avLst/>
+          </a:prstGeom>
+          <a:ln w="31750"/>
+        </p:spPr>
+        <p:style>
+          <a:lnRef idx="3">
+            <a:schemeClr val="accent1"/>
+          </a:lnRef>
+          <a:fillRef idx="0">
+            <a:schemeClr val="accent1"/>
+          </a:fillRef>
+          <a:effectRef idx="2">
+            <a:schemeClr val="accent1"/>
+          </a:effectRef>
+          <a:fontRef idx="minor">
+            <a:schemeClr val="tx1"/>
+          </a:fontRef>
+        </p:style>
+      </p:cxnSp>
     </p:spTree>
     <p:extLst>
       <p:ext uri="{BB962C8B-B14F-4D97-AF65-F5344CB8AC3E}">
-        <p14:creationId xmlns:p14="http://schemas.microsoft.com/office/powerpoint/2010/main" val="2500818305"/>
+        <p14:creationId xmlns:p14="http://schemas.microsoft.com/office/powerpoint/2010/main" val="2008944723"/>
       </p:ext>
     </p:extLst>
   </p:cSld>
@@ -779,13 +994,7 @@
       </p:grpSpPr>
       <p:sp>
         <p:nvSpPr>
-          <p:cNvPr id="2" name="Título 1">
-            <a:extLst>
-              <a:ext uri="{FF2B5EF4-FFF2-40B4-BE49-F238E27FC236}">
-                <a16:creationId xmlns:a16="http://schemas.microsoft.com/office/drawing/2014/main" id="{DB8038E1-C30E-45C0-A185-FCF3BEAC0108}"/>
-              </a:ext>
-            </a:extLst>
-          </p:cNvPr>
+          <p:cNvPr id="2" name="Title 1"/>
           <p:cNvSpPr>
             <a:spLocks noGrp="1"/>
           </p:cNvSpPr>
@@ -802,19 +1011,13 @@
               <a:rPr lang="es-ES"/>
               <a:t>Haga clic para modificar el estilo de título del patrón</a:t>
             </a:r>
-            <a:endParaRPr lang="es-MX"/>
-          </a:p>
-        </p:txBody>
-      </p:sp>
-      <p:sp>
-        <p:nvSpPr>
-          <p:cNvPr id="3" name="Marcador de contenido 2">
-            <a:extLst>
-              <a:ext uri="{FF2B5EF4-FFF2-40B4-BE49-F238E27FC236}">
-                <a16:creationId xmlns:a16="http://schemas.microsoft.com/office/drawing/2014/main" id="{AEC32F2B-DBF6-4DFF-B64B-09E6A6C74AEC}"/>
-              </a:ext>
-            </a:extLst>
-          </p:cNvPr>
+            <a:endParaRPr lang="en-US" dirty="0"/>
+          </a:p>
+        </p:txBody>
+      </p:sp>
+      <p:sp>
+        <p:nvSpPr>
+          <p:cNvPr id="3" name="Content Placeholder 2"/>
           <p:cNvSpPr>
             <a:spLocks noGrp="1"/>
           </p:cNvSpPr>
@@ -824,7 +1027,7 @@
         </p:nvSpPr>
         <p:spPr/>
         <p:txBody>
-          <a:bodyPr/>
+          <a:bodyPr anchor="t"/>
           <a:lstStyle/>
           <a:p>
             <a:pPr lvl="0"/>
@@ -860,19 +1063,13 @@
               <a:rPr lang="es-ES"/>
               <a:t>Quinto nivel</a:t>
             </a:r>
-            <a:endParaRPr lang="es-MX"/>
-          </a:p>
-        </p:txBody>
-      </p:sp>
-      <p:sp>
-        <p:nvSpPr>
-          <p:cNvPr id="4" name="Marcador de fecha 3">
-            <a:extLst>
-              <a:ext uri="{FF2B5EF4-FFF2-40B4-BE49-F238E27FC236}">
-                <a16:creationId xmlns:a16="http://schemas.microsoft.com/office/drawing/2014/main" id="{88EA7A94-BD8D-48D2-99D3-994E1D04AB54}"/>
-              </a:ext>
-            </a:extLst>
-          </p:cNvPr>
+            <a:endParaRPr lang="en-US" dirty="0"/>
+          </a:p>
+        </p:txBody>
+      </p:sp>
+      <p:sp>
+        <p:nvSpPr>
+          <p:cNvPr id="4" name="Date Placeholder 3"/>
           <p:cNvSpPr>
             <a:spLocks noGrp="1"/>
           </p:cNvSpPr>
@@ -895,13 +1092,7 @@
       </p:sp>
       <p:sp>
         <p:nvSpPr>
-          <p:cNvPr id="5" name="Marcador de pie de página 4">
-            <a:extLst>
-              <a:ext uri="{FF2B5EF4-FFF2-40B4-BE49-F238E27FC236}">
-                <a16:creationId xmlns:a16="http://schemas.microsoft.com/office/drawing/2014/main" id="{B4E438E5-734C-4C0D-A94F-4BCED2279354}"/>
-              </a:ext>
-            </a:extLst>
-          </p:cNvPr>
+          <p:cNvPr id="5" name="Footer Placeholder 4"/>
           <p:cNvSpPr>
             <a:spLocks noGrp="1"/>
           </p:cNvSpPr>
@@ -920,13 +1111,7 @@
       </p:sp>
       <p:sp>
         <p:nvSpPr>
-          <p:cNvPr id="6" name="Marcador de número de diapositiva 5">
-            <a:extLst>
-              <a:ext uri="{FF2B5EF4-FFF2-40B4-BE49-F238E27FC236}">
-                <a16:creationId xmlns:a16="http://schemas.microsoft.com/office/drawing/2014/main" id="{AFE1A592-43D9-433C-AF6F-720601988872}"/>
-              </a:ext>
-            </a:extLst>
-          </p:cNvPr>
+          <p:cNvPr id="6" name="Slide Number Placeholder 5"/>
           <p:cNvSpPr>
             <a:spLocks noGrp="1"/>
           </p:cNvSpPr>
@@ -947,10 +1132,41 @@
           </a:p>
         </p:txBody>
       </p:sp>
+      <p:cxnSp>
+        <p:nvCxnSpPr>
+          <p:cNvPr id="33" name="Straight Connector 32"/>
+          <p:cNvCxnSpPr/>
+          <p:nvPr/>
+        </p:nvCxnSpPr>
+        <p:spPr>
+          <a:xfrm>
+            <a:off x="1453896" y="1847088"/>
+            <a:ext cx="9607522" cy="0"/>
+          </a:xfrm>
+          <a:prstGeom prst="line">
+            <a:avLst/>
+          </a:prstGeom>
+          <a:ln w="31750"/>
+        </p:spPr>
+        <p:style>
+          <a:lnRef idx="3">
+            <a:schemeClr val="accent1"/>
+          </a:lnRef>
+          <a:fillRef idx="0">
+            <a:schemeClr val="accent1"/>
+          </a:fillRef>
+          <a:effectRef idx="2">
+            <a:schemeClr val="accent1"/>
+          </a:effectRef>
+          <a:fontRef idx="minor">
+            <a:schemeClr val="tx1"/>
+          </a:fontRef>
+        </p:style>
+      </p:cxnSp>
     </p:spTree>
     <p:extLst>
       <p:ext uri="{BB962C8B-B14F-4D97-AF65-F5344CB8AC3E}">
-        <p14:creationId xmlns:p14="http://schemas.microsoft.com/office/powerpoint/2010/main" val="2690837226"/>
+        <p14:creationId xmlns:p14="http://schemas.microsoft.com/office/powerpoint/2010/main" val="1658075111"/>
       </p:ext>
     </p:extLst>
   </p:cSld>
@@ -979,13 +1195,7 @@
       </p:grpSpPr>
       <p:sp>
         <p:nvSpPr>
-          <p:cNvPr id="2" name="Título 1">
-            <a:extLst>
-              <a:ext uri="{FF2B5EF4-FFF2-40B4-BE49-F238E27FC236}">
-                <a16:creationId xmlns:a16="http://schemas.microsoft.com/office/drawing/2014/main" id="{24FB49B0-CC23-4DB1-AF1D-33844EC276EF}"/>
-              </a:ext>
-            </a:extLst>
-          </p:cNvPr>
+          <p:cNvPr id="2" name="Title 1"/>
           <p:cNvSpPr>
             <a:spLocks noGrp="1"/>
           </p:cNvSpPr>
@@ -995,15 +1205,17 @@
         </p:nvSpPr>
         <p:spPr>
           <a:xfrm>
-            <a:off x="831850" y="1709738"/>
-            <a:ext cx="10515600" cy="2852737"/>
+            <a:off x="1454239" y="1756130"/>
+            <a:ext cx="8643154" cy="1887950"/>
           </a:xfrm>
         </p:spPr>
         <p:txBody>
-          <a:bodyPr anchor="b"/>
+          <a:bodyPr anchor="b">
+            <a:normAutofit/>
+          </a:bodyPr>
           <a:lstStyle>
-            <a:lvl1pPr>
-              <a:defRPr sz="6000"/>
+            <a:lvl1pPr algn="l">
+              <a:defRPr sz="3600"/>
             </a:lvl1pPr>
           </a:lstStyle>
           <a:p>
@@ -1011,19 +1223,13 @@
               <a:rPr lang="es-ES"/>
               <a:t>Haga clic para modificar el estilo de título del patrón</a:t>
             </a:r>
-            <a:endParaRPr lang="es-MX"/>
-          </a:p>
-        </p:txBody>
-      </p:sp>
-      <p:sp>
-        <p:nvSpPr>
-          <p:cNvPr id="3" name="Marcador de texto 2">
-            <a:extLst>
-              <a:ext uri="{FF2B5EF4-FFF2-40B4-BE49-F238E27FC236}">
-                <a16:creationId xmlns:a16="http://schemas.microsoft.com/office/drawing/2014/main" id="{B050F13A-5D51-4E90-A4B2-1E63E6947A12}"/>
-              </a:ext>
-            </a:extLst>
-          </p:cNvPr>
+            <a:endParaRPr lang="en-US" dirty="0"/>
+          </a:p>
+        </p:txBody>
+      </p:sp>
+      <p:sp>
+        <p:nvSpPr>
+          <p:cNvPr id="3" name="Text Placeholder 2"/>
           <p:cNvSpPr>
             <a:spLocks noGrp="1"/>
           </p:cNvSpPr>
@@ -1033,26 +1239,26 @@
         </p:nvSpPr>
         <p:spPr>
           <a:xfrm>
-            <a:off x="831850" y="4589463"/>
-            <a:ext cx="10515600" cy="1500187"/>
+            <a:off x="1454239" y="3806195"/>
+            <a:ext cx="8630446" cy="1012929"/>
           </a:xfrm>
         </p:spPr>
         <p:txBody>
-          <a:bodyPr/>
+          <a:bodyPr tIns="91440">
+            <a:normAutofit/>
+          </a:bodyPr>
           <a:lstStyle>
-            <a:lvl1pPr marL="0" indent="0">
-              <a:buNone/>
-              <a:defRPr sz="2400">
+            <a:lvl1pPr marL="0" indent="0" algn="l">
+              <a:buNone/>
+              <a:defRPr sz="1800">
                 <a:solidFill>
-                  <a:schemeClr val="tx1">
-                    <a:tint val="75000"/>
-                  </a:schemeClr>
+                  <a:schemeClr val="tx1"/>
                 </a:solidFill>
               </a:defRPr>
             </a:lvl1pPr>
             <a:lvl2pPr marL="457200" indent="0">
               <a:buNone/>
-              <a:defRPr sz="2000">
+              <a:defRPr sz="1800">
                 <a:solidFill>
                   <a:schemeClr val="tx1">
                     <a:tint val="75000"/>
@@ -1142,13 +1348,7 @@
       </p:sp>
       <p:sp>
         <p:nvSpPr>
-          <p:cNvPr id="4" name="Marcador de fecha 3">
-            <a:extLst>
-              <a:ext uri="{FF2B5EF4-FFF2-40B4-BE49-F238E27FC236}">
-                <a16:creationId xmlns:a16="http://schemas.microsoft.com/office/drawing/2014/main" id="{FEF167AD-976A-4CA9-924A-EFC063D9A78D}"/>
-              </a:ext>
-            </a:extLst>
-          </p:cNvPr>
+          <p:cNvPr id="4" name="Date Placeholder 3"/>
           <p:cNvSpPr>
             <a:spLocks noGrp="1"/>
           </p:cNvSpPr>
@@ -1171,13 +1371,7 @@
       </p:sp>
       <p:sp>
         <p:nvSpPr>
-          <p:cNvPr id="5" name="Marcador de pie de página 4">
-            <a:extLst>
-              <a:ext uri="{FF2B5EF4-FFF2-40B4-BE49-F238E27FC236}">
-                <a16:creationId xmlns:a16="http://schemas.microsoft.com/office/drawing/2014/main" id="{1D6C754C-14C0-4AE2-A4CA-7A11F78E09EA}"/>
-              </a:ext>
-            </a:extLst>
-          </p:cNvPr>
+          <p:cNvPr id="5" name="Footer Placeholder 4"/>
           <p:cNvSpPr>
             <a:spLocks noGrp="1"/>
           </p:cNvSpPr>
@@ -1196,13 +1390,7 @@
       </p:sp>
       <p:sp>
         <p:nvSpPr>
-          <p:cNvPr id="6" name="Marcador de número de diapositiva 5">
-            <a:extLst>
-              <a:ext uri="{FF2B5EF4-FFF2-40B4-BE49-F238E27FC236}">
-                <a16:creationId xmlns:a16="http://schemas.microsoft.com/office/drawing/2014/main" id="{CD909518-26B2-46C7-8923-7D64F2D00F0D}"/>
-              </a:ext>
-            </a:extLst>
-          </p:cNvPr>
+          <p:cNvPr id="6" name="Slide Number Placeholder 5"/>
           <p:cNvSpPr>
             <a:spLocks noGrp="1"/>
           </p:cNvSpPr>
@@ -1223,10 +1411,41 @@
           </a:p>
         </p:txBody>
       </p:sp>
+      <p:cxnSp>
+        <p:nvCxnSpPr>
+          <p:cNvPr id="15" name="Straight Connector 14"/>
+          <p:cNvCxnSpPr/>
+          <p:nvPr/>
+        </p:nvCxnSpPr>
+        <p:spPr>
+          <a:xfrm>
+            <a:off x="1454239" y="3804985"/>
+            <a:ext cx="8630446" cy="0"/>
+          </a:xfrm>
+          <a:prstGeom prst="line">
+            <a:avLst/>
+          </a:prstGeom>
+          <a:ln w="31750"/>
+        </p:spPr>
+        <p:style>
+          <a:lnRef idx="3">
+            <a:schemeClr val="accent1"/>
+          </a:lnRef>
+          <a:fillRef idx="0">
+            <a:schemeClr val="accent1"/>
+          </a:fillRef>
+          <a:effectRef idx="2">
+            <a:schemeClr val="accent1"/>
+          </a:effectRef>
+          <a:fontRef idx="minor">
+            <a:schemeClr val="tx1"/>
+          </a:fontRef>
+        </p:style>
+      </p:cxnSp>
     </p:spTree>
     <p:extLst>
       <p:ext uri="{BB962C8B-B14F-4D97-AF65-F5344CB8AC3E}">
-        <p14:creationId xmlns:p14="http://schemas.microsoft.com/office/powerpoint/2010/main" val="340018289"/>
+        <p14:creationId xmlns:p14="http://schemas.microsoft.com/office/powerpoint/2010/main" val="1920429126"/>
       </p:ext>
     </p:extLst>
   </p:cSld>
@@ -1255,13 +1474,7 @@
       </p:grpSpPr>
       <p:sp>
         <p:nvSpPr>
-          <p:cNvPr id="2" name="Título 1">
-            <a:extLst>
-              <a:ext uri="{FF2B5EF4-FFF2-40B4-BE49-F238E27FC236}">
-                <a16:creationId xmlns:a16="http://schemas.microsoft.com/office/drawing/2014/main" id="{60AEB36B-23F6-4ED6-83DA-FB9C369A1558}"/>
-              </a:ext>
-            </a:extLst>
-          </p:cNvPr>
+          <p:cNvPr id="2" name="Title 1"/>
           <p:cNvSpPr>
             <a:spLocks noGrp="1"/>
           </p:cNvSpPr>
@@ -1269,7 +1482,12 @@
             <p:ph type="title"/>
           </p:nvPr>
         </p:nvSpPr>
-        <p:spPr/>
+        <p:spPr>
+          <a:xfrm>
+            <a:off x="1449217" y="804889"/>
+            <a:ext cx="9605635" cy="1059305"/>
+          </a:xfrm>
+        </p:spPr>
         <p:txBody>
           <a:bodyPr/>
           <a:lstStyle/>
@@ -1278,19 +1496,13 @@
               <a:rPr lang="es-ES"/>
               <a:t>Haga clic para modificar el estilo de título del patrón</a:t>
             </a:r>
-            <a:endParaRPr lang="es-MX"/>
-          </a:p>
-        </p:txBody>
-      </p:sp>
-      <p:sp>
-        <p:nvSpPr>
-          <p:cNvPr id="3" name="Marcador de contenido 2">
-            <a:extLst>
-              <a:ext uri="{FF2B5EF4-FFF2-40B4-BE49-F238E27FC236}">
-                <a16:creationId xmlns:a16="http://schemas.microsoft.com/office/drawing/2014/main" id="{8CEDAF2E-D51D-4A8B-B792-4C839647CBA2}"/>
-              </a:ext>
-            </a:extLst>
-          </p:cNvPr>
+            <a:endParaRPr lang="en-US" dirty="0"/>
+          </a:p>
+        </p:txBody>
+      </p:sp>
+      <p:sp>
+        <p:nvSpPr>
+          <p:cNvPr id="3" name="Content Placeholder 2"/>
           <p:cNvSpPr>
             <a:spLocks noGrp="1"/>
           </p:cNvSpPr>
@@ -1300,8 +1512,8 @@
         </p:nvSpPr>
         <p:spPr>
           <a:xfrm>
-            <a:off x="838200" y="1825625"/>
-            <a:ext cx="5181600" cy="4351338"/>
+            <a:off x="1447331" y="2010878"/>
+            <a:ext cx="4645152" cy="3448595"/>
           </a:xfrm>
         </p:spPr>
         <p:txBody>
@@ -1341,19 +1553,13 @@
               <a:rPr lang="es-ES"/>
               <a:t>Quinto nivel</a:t>
             </a:r>
-            <a:endParaRPr lang="es-MX"/>
-          </a:p>
-        </p:txBody>
-      </p:sp>
-      <p:sp>
-        <p:nvSpPr>
-          <p:cNvPr id="4" name="Marcador de contenido 3">
-            <a:extLst>
-              <a:ext uri="{FF2B5EF4-FFF2-40B4-BE49-F238E27FC236}">
-                <a16:creationId xmlns:a16="http://schemas.microsoft.com/office/drawing/2014/main" id="{480410BD-CB2F-4940-9F0B-3A63A32A11A3}"/>
-              </a:ext>
-            </a:extLst>
-          </p:cNvPr>
+            <a:endParaRPr lang="en-US" dirty="0"/>
+          </a:p>
+        </p:txBody>
+      </p:sp>
+      <p:sp>
+        <p:nvSpPr>
+          <p:cNvPr id="4" name="Content Placeholder 3"/>
           <p:cNvSpPr>
             <a:spLocks noGrp="1"/>
           </p:cNvSpPr>
@@ -1363,8 +1569,8 @@
         </p:nvSpPr>
         <p:spPr>
           <a:xfrm>
-            <a:off x="6172200" y="1825625"/>
-            <a:ext cx="5181600" cy="4351338"/>
+            <a:off x="6413771" y="2017343"/>
+            <a:ext cx="4645152" cy="3441520"/>
           </a:xfrm>
         </p:spPr>
         <p:txBody>
@@ -1404,19 +1610,13 @@
               <a:rPr lang="es-ES"/>
               <a:t>Quinto nivel</a:t>
             </a:r>
-            <a:endParaRPr lang="es-MX"/>
-          </a:p>
-        </p:txBody>
-      </p:sp>
-      <p:sp>
-        <p:nvSpPr>
-          <p:cNvPr id="5" name="Marcador de fecha 4">
-            <a:extLst>
-              <a:ext uri="{FF2B5EF4-FFF2-40B4-BE49-F238E27FC236}">
-                <a16:creationId xmlns:a16="http://schemas.microsoft.com/office/drawing/2014/main" id="{4FFB7E3A-5ED3-4CAF-8008-9D8606595A96}"/>
-              </a:ext>
-            </a:extLst>
-          </p:cNvPr>
+            <a:endParaRPr lang="en-US" dirty="0"/>
+          </a:p>
+        </p:txBody>
+      </p:sp>
+      <p:sp>
+        <p:nvSpPr>
+          <p:cNvPr id="5" name="Date Placeholder 4"/>
           <p:cNvSpPr>
             <a:spLocks noGrp="1"/>
           </p:cNvSpPr>
@@ -1439,13 +1639,7 @@
       </p:sp>
       <p:sp>
         <p:nvSpPr>
-          <p:cNvPr id="6" name="Marcador de pie de página 5">
-            <a:extLst>
-              <a:ext uri="{FF2B5EF4-FFF2-40B4-BE49-F238E27FC236}">
-                <a16:creationId xmlns:a16="http://schemas.microsoft.com/office/drawing/2014/main" id="{333E38B4-A7BC-44CF-A4B9-D269B810D50F}"/>
-              </a:ext>
-            </a:extLst>
-          </p:cNvPr>
+          <p:cNvPr id="6" name="Footer Placeholder 5"/>
           <p:cNvSpPr>
             <a:spLocks noGrp="1"/>
           </p:cNvSpPr>
@@ -1464,13 +1658,7 @@
       </p:sp>
       <p:sp>
         <p:nvSpPr>
-          <p:cNvPr id="7" name="Marcador de número de diapositiva 6">
-            <a:extLst>
-              <a:ext uri="{FF2B5EF4-FFF2-40B4-BE49-F238E27FC236}">
-                <a16:creationId xmlns:a16="http://schemas.microsoft.com/office/drawing/2014/main" id="{26CCD883-CB90-4149-82EC-D25D7B1F98EF}"/>
-              </a:ext>
-            </a:extLst>
-          </p:cNvPr>
+          <p:cNvPr id="7" name="Slide Number Placeholder 6"/>
           <p:cNvSpPr>
             <a:spLocks noGrp="1"/>
           </p:cNvSpPr>
@@ -1491,10 +1679,41 @@
           </a:p>
         </p:txBody>
       </p:sp>
+      <p:cxnSp>
+        <p:nvCxnSpPr>
+          <p:cNvPr id="35" name="Straight Connector 34"/>
+          <p:cNvCxnSpPr/>
+          <p:nvPr/>
+        </p:nvCxnSpPr>
+        <p:spPr>
+          <a:xfrm>
+            <a:off x="1453896" y="1847088"/>
+            <a:ext cx="9607522" cy="0"/>
+          </a:xfrm>
+          <a:prstGeom prst="line">
+            <a:avLst/>
+          </a:prstGeom>
+          <a:ln w="31750"/>
+        </p:spPr>
+        <p:style>
+          <a:lnRef idx="3">
+            <a:schemeClr val="accent1"/>
+          </a:lnRef>
+          <a:fillRef idx="0">
+            <a:schemeClr val="accent1"/>
+          </a:fillRef>
+          <a:effectRef idx="2">
+            <a:schemeClr val="accent1"/>
+          </a:effectRef>
+          <a:fontRef idx="minor">
+            <a:schemeClr val="tx1"/>
+          </a:fontRef>
+        </p:style>
+      </p:cxnSp>
     </p:spTree>
     <p:extLst>
       <p:ext uri="{BB962C8B-B14F-4D97-AF65-F5344CB8AC3E}">
-        <p14:creationId xmlns:p14="http://schemas.microsoft.com/office/powerpoint/2010/main" val="3438422125"/>
+        <p14:creationId xmlns:p14="http://schemas.microsoft.com/office/powerpoint/2010/main" val="1410840193"/>
       </p:ext>
     </p:extLst>
   </p:cSld>
@@ -1523,13 +1742,7 @@
       </p:grpSpPr>
       <p:sp>
         <p:nvSpPr>
-          <p:cNvPr id="2" name="Título 1">
-            <a:extLst>
-              <a:ext uri="{FF2B5EF4-FFF2-40B4-BE49-F238E27FC236}">
-                <a16:creationId xmlns:a16="http://schemas.microsoft.com/office/drawing/2014/main" id="{205B2C9A-AD4E-414A-B8DF-F12CADFB4A30}"/>
-              </a:ext>
-            </a:extLst>
-          </p:cNvPr>
+          <p:cNvPr id="2" name="Title 1"/>
           <p:cNvSpPr>
             <a:spLocks noGrp="1"/>
           </p:cNvSpPr>
@@ -1539,8 +1752,8 @@
         </p:nvSpPr>
         <p:spPr>
           <a:xfrm>
-            <a:off x="839788" y="365125"/>
-            <a:ext cx="10515600" cy="1325563"/>
+            <a:off x="1447191" y="804163"/>
+            <a:ext cx="9607661" cy="1056319"/>
           </a:xfrm>
         </p:spPr>
         <p:txBody>
@@ -1551,19 +1764,13 @@
               <a:rPr lang="es-ES"/>
               <a:t>Haga clic para modificar el estilo de título del patrón</a:t>
             </a:r>
-            <a:endParaRPr lang="es-MX"/>
-          </a:p>
-        </p:txBody>
-      </p:sp>
-      <p:sp>
-        <p:nvSpPr>
-          <p:cNvPr id="3" name="Marcador de texto 2">
-            <a:extLst>
-              <a:ext uri="{FF2B5EF4-FFF2-40B4-BE49-F238E27FC236}">
-                <a16:creationId xmlns:a16="http://schemas.microsoft.com/office/drawing/2014/main" id="{D8CEB6EE-98E6-4E25-8112-9E18E12575A7}"/>
-              </a:ext>
-            </a:extLst>
-          </p:cNvPr>
+            <a:endParaRPr lang="en-US" dirty="0"/>
+          </a:p>
+        </p:txBody>
+      </p:sp>
+      <p:sp>
+        <p:nvSpPr>
+          <p:cNvPr id="3" name="Text Placeholder 2"/>
           <p:cNvSpPr>
             <a:spLocks noGrp="1"/>
           </p:cNvSpPr>
@@ -1573,16 +1780,25 @@
         </p:nvSpPr>
         <p:spPr>
           <a:xfrm>
-            <a:off x="839788" y="1681163"/>
-            <a:ext cx="5157787" cy="823912"/>
+            <a:off x="1447191" y="2019549"/>
+            <a:ext cx="4645152" cy="801943"/>
           </a:xfrm>
         </p:spPr>
         <p:txBody>
-          <a:bodyPr anchor="b"/>
+          <a:bodyPr anchor="b">
+            <a:normAutofit/>
+          </a:bodyPr>
           <a:lstStyle>
             <a:lvl1pPr marL="0" indent="0">
-              <a:buNone/>
-              <a:defRPr sz="2400" b="1"/>
+              <a:lnSpc>
+                <a:spcPct val="100000"/>
+              </a:lnSpc>
+              <a:buNone/>
+              <a:defRPr sz="2200" b="0" cap="all" baseline="0">
+                <a:solidFill>
+                  <a:schemeClr val="accent1"/>
+                </a:solidFill>
+              </a:defRPr>
             </a:lvl1pPr>
             <a:lvl2pPr marL="457200" indent="0">
               <a:buNone/>
@@ -1628,13 +1844,7 @@
       </p:sp>
       <p:sp>
         <p:nvSpPr>
-          <p:cNvPr id="4" name="Marcador de contenido 3">
-            <a:extLst>
-              <a:ext uri="{FF2B5EF4-FFF2-40B4-BE49-F238E27FC236}">
-                <a16:creationId xmlns:a16="http://schemas.microsoft.com/office/drawing/2014/main" id="{CD237CCE-BE79-4EB8-A825-8D4BC446F982}"/>
-              </a:ext>
-            </a:extLst>
-          </p:cNvPr>
+          <p:cNvPr id="4" name="Content Placeholder 3"/>
           <p:cNvSpPr>
             <a:spLocks noGrp="1"/>
           </p:cNvSpPr>
@@ -1644,8 +1854,8 @@
         </p:nvSpPr>
         <p:spPr>
           <a:xfrm>
-            <a:off x="839788" y="2505075"/>
-            <a:ext cx="5157787" cy="3684588"/>
+            <a:off x="1447191" y="2824269"/>
+            <a:ext cx="4645152" cy="2644457"/>
           </a:xfrm>
         </p:spPr>
         <p:txBody>
@@ -1685,19 +1895,13 @@
               <a:rPr lang="es-ES"/>
               <a:t>Quinto nivel</a:t>
             </a:r>
-            <a:endParaRPr lang="es-MX"/>
-          </a:p>
-        </p:txBody>
-      </p:sp>
-      <p:sp>
-        <p:nvSpPr>
-          <p:cNvPr id="5" name="Marcador de texto 4">
-            <a:extLst>
-              <a:ext uri="{FF2B5EF4-FFF2-40B4-BE49-F238E27FC236}">
-                <a16:creationId xmlns:a16="http://schemas.microsoft.com/office/drawing/2014/main" id="{8EB91D7D-ECC5-49FD-B9EE-CBD8EFB0D25B}"/>
-              </a:ext>
-            </a:extLst>
-          </p:cNvPr>
+            <a:endParaRPr lang="en-US" dirty="0"/>
+          </a:p>
+        </p:txBody>
+      </p:sp>
+      <p:sp>
+        <p:nvSpPr>
+          <p:cNvPr id="5" name="Text Placeholder 4"/>
           <p:cNvSpPr>
             <a:spLocks noGrp="1"/>
           </p:cNvSpPr>
@@ -1707,16 +1911,25 @@
         </p:nvSpPr>
         <p:spPr>
           <a:xfrm>
-            <a:off x="6172200" y="1681163"/>
-            <a:ext cx="5183188" cy="823912"/>
+            <a:off x="6412362" y="2023003"/>
+            <a:ext cx="4645152" cy="802237"/>
           </a:xfrm>
         </p:spPr>
         <p:txBody>
-          <a:bodyPr anchor="b"/>
+          <a:bodyPr anchor="b">
+            <a:normAutofit/>
+          </a:bodyPr>
           <a:lstStyle>
             <a:lvl1pPr marL="0" indent="0">
-              <a:buNone/>
-              <a:defRPr sz="2400" b="1"/>
+              <a:lnSpc>
+                <a:spcPct val="100000"/>
+              </a:lnSpc>
+              <a:buNone/>
+              <a:defRPr sz="2200" b="0" cap="all" baseline="0">
+                <a:solidFill>
+                  <a:schemeClr val="accent1"/>
+                </a:solidFill>
+              </a:defRPr>
             </a:lvl1pPr>
             <a:lvl2pPr marL="457200" indent="0">
               <a:buNone/>
@@ -1762,13 +1975,7 @@
       </p:sp>
       <p:sp>
         <p:nvSpPr>
-          <p:cNvPr id="6" name="Marcador de contenido 5">
-            <a:extLst>
-              <a:ext uri="{FF2B5EF4-FFF2-40B4-BE49-F238E27FC236}">
-                <a16:creationId xmlns:a16="http://schemas.microsoft.com/office/drawing/2014/main" id="{483F0C32-AD82-4933-9605-6CB2421F221A}"/>
-              </a:ext>
-            </a:extLst>
-          </p:cNvPr>
+          <p:cNvPr id="6" name="Content Placeholder 5"/>
           <p:cNvSpPr>
             <a:spLocks noGrp="1"/>
           </p:cNvSpPr>
@@ -1778,8 +1985,8 @@
         </p:nvSpPr>
         <p:spPr>
           <a:xfrm>
-            <a:off x="6172200" y="2505075"/>
-            <a:ext cx="5183188" cy="3684588"/>
+            <a:off x="6412362" y="2821491"/>
+            <a:ext cx="4645152" cy="2637371"/>
           </a:xfrm>
         </p:spPr>
         <p:txBody>
@@ -1819,19 +2026,13 @@
               <a:rPr lang="es-ES"/>
               <a:t>Quinto nivel</a:t>
             </a:r>
-            <a:endParaRPr lang="es-MX"/>
-          </a:p>
-        </p:txBody>
-      </p:sp>
-      <p:sp>
-        <p:nvSpPr>
-          <p:cNvPr id="7" name="Marcador de fecha 6">
-            <a:extLst>
-              <a:ext uri="{FF2B5EF4-FFF2-40B4-BE49-F238E27FC236}">
-                <a16:creationId xmlns:a16="http://schemas.microsoft.com/office/drawing/2014/main" id="{FC91B892-F660-4980-8831-8A0AFE4B8A88}"/>
-              </a:ext>
-            </a:extLst>
-          </p:cNvPr>
+            <a:endParaRPr lang="en-US" dirty="0"/>
+          </a:p>
+        </p:txBody>
+      </p:sp>
+      <p:sp>
+        <p:nvSpPr>
+          <p:cNvPr id="7" name="Date Placeholder 6"/>
           <p:cNvSpPr>
             <a:spLocks noGrp="1"/>
           </p:cNvSpPr>
@@ -1854,13 +2055,7 @@
       </p:sp>
       <p:sp>
         <p:nvSpPr>
-          <p:cNvPr id="8" name="Marcador de pie de página 7">
-            <a:extLst>
-              <a:ext uri="{FF2B5EF4-FFF2-40B4-BE49-F238E27FC236}">
-                <a16:creationId xmlns:a16="http://schemas.microsoft.com/office/drawing/2014/main" id="{FCC8C6CA-E04E-4B49-B4D4-0BD652F00F89}"/>
-              </a:ext>
-            </a:extLst>
-          </p:cNvPr>
+          <p:cNvPr id="8" name="Footer Placeholder 7"/>
           <p:cNvSpPr>
             <a:spLocks noGrp="1"/>
           </p:cNvSpPr>
@@ -1879,13 +2074,7 @@
       </p:sp>
       <p:sp>
         <p:nvSpPr>
-          <p:cNvPr id="9" name="Marcador de número de diapositiva 8">
-            <a:extLst>
-              <a:ext uri="{FF2B5EF4-FFF2-40B4-BE49-F238E27FC236}">
-                <a16:creationId xmlns:a16="http://schemas.microsoft.com/office/drawing/2014/main" id="{4C5CAB5B-C30E-468F-8773-B89A3CB7E0B8}"/>
-              </a:ext>
-            </a:extLst>
-          </p:cNvPr>
+          <p:cNvPr id="9" name="Slide Number Placeholder 8"/>
           <p:cNvSpPr>
             <a:spLocks noGrp="1"/>
           </p:cNvSpPr>
@@ -1906,10 +2095,41 @@
           </a:p>
         </p:txBody>
       </p:sp>
+      <p:cxnSp>
+        <p:nvCxnSpPr>
+          <p:cNvPr id="29" name="Straight Connector 28"/>
+          <p:cNvCxnSpPr/>
+          <p:nvPr/>
+        </p:nvCxnSpPr>
+        <p:spPr>
+          <a:xfrm>
+            <a:off x="1453896" y="1847088"/>
+            <a:ext cx="9607522" cy="0"/>
+          </a:xfrm>
+          <a:prstGeom prst="line">
+            <a:avLst/>
+          </a:prstGeom>
+          <a:ln w="31750"/>
+        </p:spPr>
+        <p:style>
+          <a:lnRef idx="3">
+            <a:schemeClr val="accent1"/>
+          </a:lnRef>
+          <a:fillRef idx="0">
+            <a:schemeClr val="accent1"/>
+          </a:fillRef>
+          <a:effectRef idx="2">
+            <a:schemeClr val="accent1"/>
+          </a:effectRef>
+          <a:fontRef idx="minor">
+            <a:schemeClr val="tx1"/>
+          </a:fontRef>
+        </p:style>
+      </p:cxnSp>
     </p:spTree>
     <p:extLst>
       <p:ext uri="{BB962C8B-B14F-4D97-AF65-F5344CB8AC3E}">
-        <p14:creationId xmlns:p14="http://schemas.microsoft.com/office/powerpoint/2010/main" val="4241287891"/>
+        <p14:creationId xmlns:p14="http://schemas.microsoft.com/office/powerpoint/2010/main" val="2433481575"/>
       </p:ext>
     </p:extLst>
   </p:cSld>
@@ -1938,13 +2158,7 @@
       </p:grpSpPr>
       <p:sp>
         <p:nvSpPr>
-          <p:cNvPr id="2" name="Título 1">
-            <a:extLst>
-              <a:ext uri="{FF2B5EF4-FFF2-40B4-BE49-F238E27FC236}">
-                <a16:creationId xmlns:a16="http://schemas.microsoft.com/office/drawing/2014/main" id="{C4F98894-EC7D-496C-AF72-72AB40CC0EB9}"/>
-              </a:ext>
-            </a:extLst>
-          </p:cNvPr>
+          <p:cNvPr id="2" name="Title 1"/>
           <p:cNvSpPr>
             <a:spLocks noGrp="1"/>
           </p:cNvSpPr>
@@ -1961,19 +2175,13 @@
               <a:rPr lang="es-ES"/>
               <a:t>Haga clic para modificar el estilo de título del patrón</a:t>
             </a:r>
-            <a:endParaRPr lang="es-MX"/>
-          </a:p>
-        </p:txBody>
-      </p:sp>
-      <p:sp>
-        <p:nvSpPr>
-          <p:cNvPr id="3" name="Marcador de fecha 2">
-            <a:extLst>
-              <a:ext uri="{FF2B5EF4-FFF2-40B4-BE49-F238E27FC236}">
-                <a16:creationId xmlns:a16="http://schemas.microsoft.com/office/drawing/2014/main" id="{12E850BA-1AEF-455D-8499-816CE901CAAA}"/>
-              </a:ext>
-            </a:extLst>
-          </p:cNvPr>
+            <a:endParaRPr lang="en-US" dirty="0"/>
+          </a:p>
+        </p:txBody>
+      </p:sp>
+      <p:sp>
+        <p:nvSpPr>
+          <p:cNvPr id="3" name="Date Placeholder 2"/>
           <p:cNvSpPr>
             <a:spLocks noGrp="1"/>
           </p:cNvSpPr>
@@ -1996,13 +2204,7 @@
       </p:sp>
       <p:sp>
         <p:nvSpPr>
-          <p:cNvPr id="4" name="Marcador de pie de página 3">
-            <a:extLst>
-              <a:ext uri="{FF2B5EF4-FFF2-40B4-BE49-F238E27FC236}">
-                <a16:creationId xmlns:a16="http://schemas.microsoft.com/office/drawing/2014/main" id="{E8B27317-1671-49C4-A8B2-E6226CEB191D}"/>
-              </a:ext>
-            </a:extLst>
-          </p:cNvPr>
+          <p:cNvPr id="4" name="Footer Placeholder 3"/>
           <p:cNvSpPr>
             <a:spLocks noGrp="1"/>
           </p:cNvSpPr>
@@ -2021,13 +2223,7 @@
       </p:sp>
       <p:sp>
         <p:nvSpPr>
-          <p:cNvPr id="5" name="Marcador de número de diapositiva 4">
-            <a:extLst>
-              <a:ext uri="{FF2B5EF4-FFF2-40B4-BE49-F238E27FC236}">
-                <a16:creationId xmlns:a16="http://schemas.microsoft.com/office/drawing/2014/main" id="{63084616-8872-4A80-A3DF-ED2CDE045CB8}"/>
-              </a:ext>
-            </a:extLst>
-          </p:cNvPr>
+          <p:cNvPr id="5" name="Slide Number Placeholder 4"/>
           <p:cNvSpPr>
             <a:spLocks noGrp="1"/>
           </p:cNvSpPr>
@@ -2048,10 +2244,41 @@
           </a:p>
         </p:txBody>
       </p:sp>
+      <p:cxnSp>
+        <p:nvCxnSpPr>
+          <p:cNvPr id="25" name="Straight Connector 24"/>
+          <p:cNvCxnSpPr/>
+          <p:nvPr/>
+        </p:nvCxnSpPr>
+        <p:spPr>
+          <a:xfrm>
+            <a:off x="1453896" y="1847088"/>
+            <a:ext cx="9607522" cy="0"/>
+          </a:xfrm>
+          <a:prstGeom prst="line">
+            <a:avLst/>
+          </a:prstGeom>
+          <a:ln w="31750"/>
+        </p:spPr>
+        <p:style>
+          <a:lnRef idx="3">
+            <a:schemeClr val="accent1"/>
+          </a:lnRef>
+          <a:fillRef idx="0">
+            <a:schemeClr val="accent1"/>
+          </a:fillRef>
+          <a:effectRef idx="2">
+            <a:schemeClr val="accent1"/>
+          </a:effectRef>
+          <a:fontRef idx="minor">
+            <a:schemeClr val="tx1"/>
+          </a:fontRef>
+        </p:style>
+      </p:cxnSp>
     </p:spTree>
     <p:extLst>
       <p:ext uri="{BB962C8B-B14F-4D97-AF65-F5344CB8AC3E}">
-        <p14:creationId xmlns:p14="http://schemas.microsoft.com/office/powerpoint/2010/main" val="3336678409"/>
+        <p14:creationId xmlns:p14="http://schemas.microsoft.com/office/powerpoint/2010/main" val="2415383579"/>
       </p:ext>
     </p:extLst>
   </p:cSld>
@@ -2080,13 +2307,7 @@
       </p:grpSpPr>
       <p:sp>
         <p:nvSpPr>
-          <p:cNvPr id="2" name="Marcador de fecha 1">
-            <a:extLst>
-              <a:ext uri="{FF2B5EF4-FFF2-40B4-BE49-F238E27FC236}">
-                <a16:creationId xmlns:a16="http://schemas.microsoft.com/office/drawing/2014/main" id="{12CD0D19-E40C-4A17-AA27-20C18B9FBBB6}"/>
-              </a:ext>
-            </a:extLst>
-          </p:cNvPr>
+          <p:cNvPr id="2" name="Date Placeholder 1"/>
           <p:cNvSpPr>
             <a:spLocks noGrp="1"/>
           </p:cNvSpPr>
@@ -2109,13 +2330,7 @@
       </p:sp>
       <p:sp>
         <p:nvSpPr>
-          <p:cNvPr id="3" name="Marcador de pie de página 2">
-            <a:extLst>
-              <a:ext uri="{FF2B5EF4-FFF2-40B4-BE49-F238E27FC236}">
-                <a16:creationId xmlns:a16="http://schemas.microsoft.com/office/drawing/2014/main" id="{EB2CA6B6-A9ED-4422-9D8B-EA8029CE0597}"/>
-              </a:ext>
-            </a:extLst>
-          </p:cNvPr>
+          <p:cNvPr id="3" name="Footer Placeholder 2"/>
           <p:cNvSpPr>
             <a:spLocks noGrp="1"/>
           </p:cNvSpPr>
@@ -2134,13 +2349,7 @@
       </p:sp>
       <p:sp>
         <p:nvSpPr>
-          <p:cNvPr id="4" name="Marcador de número de diapositiva 3">
-            <a:extLst>
-              <a:ext uri="{FF2B5EF4-FFF2-40B4-BE49-F238E27FC236}">
-                <a16:creationId xmlns:a16="http://schemas.microsoft.com/office/drawing/2014/main" id="{46CF4BA3-7616-41E2-B5A5-489E6E2617F1}"/>
-              </a:ext>
-            </a:extLst>
-          </p:cNvPr>
+          <p:cNvPr id="4" name="Slide Number Placeholder 3"/>
           <p:cNvSpPr>
             <a:spLocks noGrp="1"/>
           </p:cNvSpPr>
@@ -2164,7 +2373,7 @@
     </p:spTree>
     <p:extLst>
       <p:ext uri="{BB962C8B-B14F-4D97-AF65-F5344CB8AC3E}">
-        <p14:creationId xmlns:p14="http://schemas.microsoft.com/office/powerpoint/2010/main" val="3305310492"/>
+        <p14:creationId xmlns:p14="http://schemas.microsoft.com/office/powerpoint/2010/main" val="674726089"/>
       </p:ext>
     </p:extLst>
   </p:cSld>
@@ -2193,13 +2402,7 @@
       </p:grpSpPr>
       <p:sp>
         <p:nvSpPr>
-          <p:cNvPr id="2" name="Título 1">
-            <a:extLst>
-              <a:ext uri="{FF2B5EF4-FFF2-40B4-BE49-F238E27FC236}">
-                <a16:creationId xmlns:a16="http://schemas.microsoft.com/office/drawing/2014/main" id="{0D888C90-EB5A-48CC-B090-99B939C86273}"/>
-              </a:ext>
-            </a:extLst>
-          </p:cNvPr>
+          <p:cNvPr id="2" name="Title 1"/>
           <p:cNvSpPr>
             <a:spLocks noGrp="1"/>
           </p:cNvSpPr>
@@ -2209,15 +2412,17 @@
         </p:nvSpPr>
         <p:spPr>
           <a:xfrm>
-            <a:off x="839788" y="457200"/>
-            <a:ext cx="3932237" cy="1600200"/>
+            <a:off x="1444671" y="798973"/>
+            <a:ext cx="3273099" cy="2247117"/>
           </a:xfrm>
         </p:spPr>
         <p:txBody>
-          <a:bodyPr anchor="b"/>
+          <a:bodyPr anchor="b">
+            <a:normAutofit/>
+          </a:bodyPr>
           <a:lstStyle>
-            <a:lvl1pPr>
-              <a:defRPr sz="3200"/>
+            <a:lvl1pPr algn="l">
+              <a:defRPr sz="2400"/>
             </a:lvl1pPr>
           </a:lstStyle>
           <a:p>
@@ -2225,19 +2430,13 @@
               <a:rPr lang="es-ES"/>
               <a:t>Haga clic para modificar el estilo de título del patrón</a:t>
             </a:r>
-            <a:endParaRPr lang="es-MX"/>
-          </a:p>
-        </p:txBody>
-      </p:sp>
-      <p:sp>
-        <p:nvSpPr>
-          <p:cNvPr id="3" name="Marcador de contenido 2">
-            <a:extLst>
-              <a:ext uri="{FF2B5EF4-FFF2-40B4-BE49-F238E27FC236}">
-                <a16:creationId xmlns:a16="http://schemas.microsoft.com/office/drawing/2014/main" id="{2E250076-95B6-4CF4-95E9-4217BBA5B796}"/>
-              </a:ext>
-            </a:extLst>
-          </p:cNvPr>
+            <a:endParaRPr lang="en-US" dirty="0"/>
+          </a:p>
+        </p:txBody>
+      </p:sp>
+      <p:sp>
+        <p:nvSpPr>
+          <p:cNvPr id="3" name="Content Placeholder 2"/>
           <p:cNvSpPr>
             <a:spLocks noGrp="1"/>
           </p:cNvSpPr>
@@ -2247,105 +2446,71 @@
         </p:nvSpPr>
         <p:spPr>
           <a:xfrm>
-            <a:off x="5183188" y="987425"/>
-            <a:ext cx="6172200" cy="4873625"/>
+            <a:off x="5043714" y="798974"/>
+            <a:ext cx="6012470" cy="4658826"/>
           </a:xfrm>
         </p:spPr>
         <p:txBody>
+          <a:bodyPr anchor="ctr"/>
+          <a:lstStyle/>
+          <a:p>
+            <a:pPr lvl="0"/>
+            <a:r>
+              <a:rPr lang="es-ES"/>
+              <a:t>Editar los estilos de texto del patrón</a:t>
+            </a:r>
+          </a:p>
+          <a:p>
+            <a:pPr lvl="1"/>
+            <a:r>
+              <a:rPr lang="es-ES"/>
+              <a:t>Segundo nivel</a:t>
+            </a:r>
+          </a:p>
+          <a:p>
+            <a:pPr lvl="2"/>
+            <a:r>
+              <a:rPr lang="es-ES"/>
+              <a:t>Tercer nivel</a:t>
+            </a:r>
+          </a:p>
+          <a:p>
+            <a:pPr lvl="3"/>
+            <a:r>
+              <a:rPr lang="es-ES"/>
+              <a:t>Cuarto nivel</a:t>
+            </a:r>
+          </a:p>
+          <a:p>
+            <a:pPr lvl="4"/>
+            <a:r>
+              <a:rPr lang="es-ES"/>
+              <a:t>Quinto nivel</a:t>
+            </a:r>
+            <a:endParaRPr lang="en-US" dirty="0"/>
+          </a:p>
+        </p:txBody>
+      </p:sp>
+      <p:sp>
+        <p:nvSpPr>
+          <p:cNvPr id="4" name="Text Placeholder 3"/>
+          <p:cNvSpPr>
+            <a:spLocks noGrp="1"/>
+          </p:cNvSpPr>
+          <p:nvPr>
+            <p:ph type="body" sz="half" idx="2"/>
+          </p:nvPr>
+        </p:nvSpPr>
+        <p:spPr>
+          <a:xfrm>
+            <a:off x="1444671" y="3205491"/>
+            <a:ext cx="3275013" cy="2248181"/>
+          </a:xfrm>
+        </p:spPr>
+        <p:txBody>
           <a:bodyPr/>
           <a:lstStyle>
-            <a:lvl1pPr>
-              <a:defRPr sz="3200"/>
-            </a:lvl1pPr>
-            <a:lvl2pPr>
-              <a:defRPr sz="2800"/>
-            </a:lvl2pPr>
-            <a:lvl3pPr>
-              <a:defRPr sz="2400"/>
-            </a:lvl3pPr>
-            <a:lvl4pPr>
-              <a:defRPr sz="2000"/>
-            </a:lvl4pPr>
-            <a:lvl5pPr>
-              <a:defRPr sz="2000"/>
-            </a:lvl5pPr>
-            <a:lvl6pPr>
-              <a:defRPr sz="2000"/>
-            </a:lvl6pPr>
-            <a:lvl7pPr>
-              <a:defRPr sz="2000"/>
-            </a:lvl7pPr>
-            <a:lvl8pPr>
-              <a:defRPr sz="2000"/>
-            </a:lvl8pPr>
-            <a:lvl9pPr>
-              <a:defRPr sz="2000"/>
-            </a:lvl9pPr>
-          </a:lstStyle>
-          <a:p>
-            <a:pPr lvl="0"/>
-            <a:r>
-              <a:rPr lang="es-ES"/>
-              <a:t>Editar los estilos de texto del patrón</a:t>
-            </a:r>
-          </a:p>
-          <a:p>
-            <a:pPr lvl="1"/>
-            <a:r>
-              <a:rPr lang="es-ES"/>
-              <a:t>Segundo nivel</a:t>
-            </a:r>
-          </a:p>
-          <a:p>
-            <a:pPr lvl="2"/>
-            <a:r>
-              <a:rPr lang="es-ES"/>
-              <a:t>Tercer nivel</a:t>
-            </a:r>
-          </a:p>
-          <a:p>
-            <a:pPr lvl="3"/>
-            <a:r>
-              <a:rPr lang="es-ES"/>
-              <a:t>Cuarto nivel</a:t>
-            </a:r>
-          </a:p>
-          <a:p>
-            <a:pPr lvl="4"/>
-            <a:r>
-              <a:rPr lang="es-ES"/>
-              <a:t>Quinto nivel</a:t>
-            </a:r>
-            <a:endParaRPr lang="es-MX"/>
-          </a:p>
-        </p:txBody>
-      </p:sp>
-      <p:sp>
-        <p:nvSpPr>
-          <p:cNvPr id="4" name="Marcador de texto 3">
-            <a:extLst>
-              <a:ext uri="{FF2B5EF4-FFF2-40B4-BE49-F238E27FC236}">
-                <a16:creationId xmlns:a16="http://schemas.microsoft.com/office/drawing/2014/main" id="{76F27346-0A5B-4CCA-BE04-37CC528A2F91}"/>
-              </a:ext>
-            </a:extLst>
-          </p:cNvPr>
-          <p:cNvSpPr>
-            <a:spLocks noGrp="1"/>
-          </p:cNvSpPr>
-          <p:nvPr>
-            <p:ph type="body" sz="half" idx="2"/>
-          </p:nvPr>
-        </p:nvSpPr>
-        <p:spPr>
-          <a:xfrm>
-            <a:off x="839788" y="2057400"/>
-            <a:ext cx="3932237" cy="3811588"/>
-          </a:xfrm>
-        </p:spPr>
-        <p:txBody>
-          <a:bodyPr/>
-          <a:lstStyle>
-            <a:lvl1pPr marL="0" indent="0">
+            <a:lvl1pPr marL="0" indent="0" algn="l">
               <a:buNone/>
               <a:defRPr sz="1600"/>
             </a:lvl1pPr>
@@ -2393,13 +2558,7 @@
       </p:sp>
       <p:sp>
         <p:nvSpPr>
-          <p:cNvPr id="5" name="Marcador de fecha 4">
-            <a:extLst>
-              <a:ext uri="{FF2B5EF4-FFF2-40B4-BE49-F238E27FC236}">
-                <a16:creationId xmlns:a16="http://schemas.microsoft.com/office/drawing/2014/main" id="{F51BA34E-2A5C-4B6C-942E-2B925E30769D}"/>
-              </a:ext>
-            </a:extLst>
-          </p:cNvPr>
+          <p:cNvPr id="5" name="Date Placeholder 4"/>
           <p:cNvSpPr>
             <a:spLocks noGrp="1"/>
           </p:cNvSpPr>
@@ -2422,13 +2581,7 @@
       </p:sp>
       <p:sp>
         <p:nvSpPr>
-          <p:cNvPr id="6" name="Marcador de pie de página 5">
-            <a:extLst>
-              <a:ext uri="{FF2B5EF4-FFF2-40B4-BE49-F238E27FC236}">
-                <a16:creationId xmlns:a16="http://schemas.microsoft.com/office/drawing/2014/main" id="{414605E7-1CE5-453F-9879-EA768E0DA475}"/>
-              </a:ext>
-            </a:extLst>
-          </p:cNvPr>
+          <p:cNvPr id="6" name="Footer Placeholder 5"/>
           <p:cNvSpPr>
             <a:spLocks noGrp="1"/>
           </p:cNvSpPr>
@@ -2447,13 +2600,7 @@
       </p:sp>
       <p:sp>
         <p:nvSpPr>
-          <p:cNvPr id="7" name="Marcador de número de diapositiva 6">
-            <a:extLst>
-              <a:ext uri="{FF2B5EF4-FFF2-40B4-BE49-F238E27FC236}">
-                <a16:creationId xmlns:a16="http://schemas.microsoft.com/office/drawing/2014/main" id="{6DA08C01-D6ED-4269-92A3-D1C950B4B442}"/>
-              </a:ext>
-            </a:extLst>
-          </p:cNvPr>
+          <p:cNvPr id="7" name="Slide Number Placeholder 6"/>
           <p:cNvSpPr>
             <a:spLocks noGrp="1"/>
           </p:cNvSpPr>
@@ -2474,10 +2621,41 @@
           </a:p>
         </p:txBody>
       </p:sp>
+      <p:cxnSp>
+        <p:nvCxnSpPr>
+          <p:cNvPr id="17" name="Straight Connector 16"/>
+          <p:cNvCxnSpPr/>
+          <p:nvPr/>
+        </p:nvCxnSpPr>
+        <p:spPr>
+          <a:xfrm>
+            <a:off x="1448280" y="3205491"/>
+            <a:ext cx="3269490" cy="0"/>
+          </a:xfrm>
+          <a:prstGeom prst="line">
+            <a:avLst/>
+          </a:prstGeom>
+          <a:ln w="31750"/>
+        </p:spPr>
+        <p:style>
+          <a:lnRef idx="3">
+            <a:schemeClr val="accent1"/>
+          </a:lnRef>
+          <a:fillRef idx="0">
+            <a:schemeClr val="accent1"/>
+          </a:fillRef>
+          <a:effectRef idx="2">
+            <a:schemeClr val="accent1"/>
+          </a:effectRef>
+          <a:fontRef idx="minor">
+            <a:schemeClr val="tx1"/>
+          </a:fontRef>
+        </p:style>
+      </p:cxnSp>
     </p:spTree>
     <p:extLst>
       <p:ext uri="{BB962C8B-B14F-4D97-AF65-F5344CB8AC3E}">
-        <p14:creationId xmlns:p14="http://schemas.microsoft.com/office/powerpoint/2010/main" val="1287770821"/>
+        <p14:creationId xmlns:p14="http://schemas.microsoft.com/office/powerpoint/2010/main" val="2626346820"/>
       </p:ext>
     </p:extLst>
   </p:cSld>
@@ -2504,15 +2682,143 @@
           <a:chExt cx="0" cy="0"/>
         </a:xfrm>
       </p:grpSpPr>
-      <p:sp>
-        <p:nvSpPr>
-          <p:cNvPr id="2" name="Título 1">
-            <a:extLst>
-              <a:ext uri="{FF2B5EF4-FFF2-40B4-BE49-F238E27FC236}">
-                <a16:creationId xmlns:a16="http://schemas.microsoft.com/office/drawing/2014/main" id="{94CD45DC-1A68-430B-A559-24C134BC532C}"/>
-              </a:ext>
-            </a:extLst>
-          </p:cNvPr>
+      <p:grpSp>
+        <p:nvGrpSpPr>
+          <p:cNvPr id="8" name="Group 7"/>
+          <p:cNvGrpSpPr/>
+          <p:nvPr/>
+        </p:nvGrpSpPr>
+        <p:grpSpPr>
+          <a:xfrm>
+            <a:off x="7477387" y="482170"/>
+            <a:ext cx="4074533" cy="5149101"/>
+            <a:chOff x="7477387" y="482170"/>
+            <a:chExt cx="4074533" cy="5149101"/>
+          </a:xfrm>
+        </p:grpSpPr>
+        <p:sp>
+          <p:nvSpPr>
+            <p:cNvPr id="18" name="Rectangle 17"/>
+            <p:cNvSpPr/>
+            <p:nvPr/>
+          </p:nvSpPr>
+          <p:spPr bwMode="black">
+            <a:xfrm>
+              <a:off x="7477387" y="482170"/>
+              <a:ext cx="4074533" cy="5149101"/>
+            </a:xfrm>
+            <a:prstGeom prst="rect">
+              <a:avLst/>
+            </a:prstGeom>
+            <a:gradFill>
+              <a:gsLst>
+                <a:gs pos="0">
+                  <a:srgbClr val="000001"/>
+                </a:gs>
+                <a:gs pos="100000">
+                  <a:srgbClr val="191919"/>
+                </a:gs>
+              </a:gsLst>
+            </a:gradFill>
+            <a:ln w="76200" cmpd="sng">
+              <a:noFill/>
+              <a:miter lim="800000"/>
+            </a:ln>
+            <a:effectLst>
+              <a:outerShdw blurRad="127000" dist="228600" dir="4740000" sx="98000" sy="98000" algn="tl" rotWithShape="0">
+                <a:srgbClr val="000000">
+                  <a:alpha val="34000"/>
+                </a:srgbClr>
+              </a:outerShdw>
+            </a:effectLst>
+            <a:scene3d>
+              <a:camera prst="orthographicFront"/>
+              <a:lightRig rig="threePt" dir="t"/>
+            </a:scene3d>
+            <a:sp3d>
+              <a:bevelT w="152400" h="50800" prst="softRound"/>
+            </a:sp3d>
+          </p:spPr>
+          <p:style>
+            <a:lnRef idx="1">
+              <a:schemeClr val="accent1"/>
+            </a:lnRef>
+            <a:fillRef idx="3">
+              <a:schemeClr val="accent1"/>
+            </a:fillRef>
+            <a:effectRef idx="2">
+              <a:schemeClr val="accent1"/>
+            </a:effectRef>
+            <a:fontRef idx="minor">
+              <a:schemeClr val="lt1"/>
+            </a:fontRef>
+          </p:style>
+        </p:sp>
+        <p:sp>
+          <p:nvSpPr>
+            <p:cNvPr id="19" name="Rectangle 18"/>
+            <p:cNvSpPr/>
+            <p:nvPr/>
+          </p:nvSpPr>
+          <p:spPr bwMode="blackWhite">
+            <a:xfrm>
+              <a:off x="7790446" y="812506"/>
+              <a:ext cx="3450289" cy="4466452"/>
+            </a:xfrm>
+            <a:prstGeom prst="rect">
+              <a:avLst/>
+            </a:prstGeom>
+            <a:gradFill>
+              <a:gsLst>
+                <a:gs pos="0">
+                  <a:srgbClr val="DADADA"/>
+                </a:gs>
+                <a:gs pos="100000">
+                  <a:srgbClr val="FFFFFE"/>
+                </a:gs>
+              </a:gsLst>
+              <a:lin ang="16200000" scaled="0"/>
+            </a:gradFill>
+            <a:ln w="50800" cmpd="sng">
+              <a:solidFill>
+                <a:srgbClr val="191919"/>
+              </a:solidFill>
+              <a:miter lim="800000"/>
+            </a:ln>
+            <a:effectLst>
+              <a:innerShdw blurRad="63500" dist="88900" dir="14100000">
+                <a:srgbClr val="000000">
+                  <a:alpha val="30000"/>
+                </a:srgbClr>
+              </a:innerShdw>
+            </a:effectLst>
+            <a:scene3d>
+              <a:camera prst="orthographicFront"/>
+              <a:lightRig rig="threePt" dir="t"/>
+            </a:scene3d>
+            <a:sp3d>
+              <a:bevelT prst="relaxedInset"/>
+            </a:sp3d>
+          </p:spPr>
+          <p:style>
+            <a:lnRef idx="1">
+              <a:schemeClr val="accent1"/>
+            </a:lnRef>
+            <a:fillRef idx="3">
+              <a:schemeClr val="accent1"/>
+            </a:fillRef>
+            <a:effectRef idx="2">
+              <a:schemeClr val="accent1"/>
+            </a:effectRef>
+            <a:fontRef idx="minor">
+              <a:schemeClr val="lt1"/>
+            </a:fontRef>
+          </p:style>
+        </p:sp>
+      </p:grpSp>
+      <p:sp>
+        <p:nvSpPr>
+          <p:cNvPr id="2" name="Title 1"/>
           <p:cNvSpPr>
             <a:spLocks noGrp="1"/>
           </p:cNvSpPr>
@@ -2522,12 +2828,14 @@
         </p:nvSpPr>
         <p:spPr>
           <a:xfrm>
-            <a:off x="839788" y="457200"/>
-            <a:ext cx="3932237" cy="1600200"/>
+            <a:off x="1451206" y="1129513"/>
+            <a:ext cx="5532328" cy="1830584"/>
           </a:xfrm>
         </p:spPr>
         <p:txBody>
-          <a:bodyPr anchor="b"/>
+          <a:bodyPr anchor="b">
+            <a:normAutofit/>
+          </a:bodyPr>
           <a:lstStyle>
             <a:lvl1pPr>
               <a:defRPr sz="3200"/>
@@ -2538,21 +2846,15 @@
               <a:rPr lang="es-ES"/>
               <a:t>Haga clic para modificar el estilo de título del patrón</a:t>
             </a:r>
-            <a:endParaRPr lang="es-MX"/>
-          </a:p>
-        </p:txBody>
-      </p:sp>
-      <p:sp>
-        <p:nvSpPr>
-          <p:cNvPr id="3" name="Marcador de posición de imagen 2">
-            <a:extLst>
-              <a:ext uri="{FF2B5EF4-FFF2-40B4-BE49-F238E27FC236}">
-                <a16:creationId xmlns:a16="http://schemas.microsoft.com/office/drawing/2014/main" id="{C7073AE2-E7A8-4DD0-BCD7-F276EB7E0DA6}"/>
-              </a:ext>
-            </a:extLst>
-          </p:cNvPr>
-          <p:cNvSpPr>
-            <a:spLocks noGrp="1"/>
+            <a:endParaRPr lang="en-US" dirty="0"/>
+          </a:p>
+        </p:txBody>
+      </p:sp>
+      <p:sp>
+        <p:nvSpPr>
+          <p:cNvPr id="3" name="Picture Placeholder 2"/>
+          <p:cNvSpPr>
+            <a:spLocks noGrp="1" noChangeAspect="1"/>
           </p:cNvSpPr>
           <p:nvPr>
             <p:ph type="pic" idx="1"/>
@@ -2560,14 +2862,24 @@
         </p:nvSpPr>
         <p:spPr>
           <a:xfrm>
-            <a:off x="5183188" y="987425"/>
-            <a:ext cx="6172200" cy="4873625"/>
+            <a:off x="8124389" y="1122542"/>
+            <a:ext cx="2791171" cy="3866327"/>
           </a:xfrm>
+          <a:solidFill>
+            <a:schemeClr val="bg1">
+              <a:lumMod val="85000"/>
+            </a:schemeClr>
+          </a:solidFill>
+          <a:ln w="9525" cap="sq">
+            <a:noFill/>
+            <a:miter lim="800000"/>
+          </a:ln>
+          <a:effectLst/>
         </p:spPr>
         <p:txBody>
-          <a:bodyPr/>
+          <a:bodyPr anchor="t"/>
           <a:lstStyle>
-            <a:lvl1pPr marL="0" indent="0">
+            <a:lvl1pPr marL="0" indent="0" algn="ctr">
               <a:buNone/>
               <a:defRPr sz="3200"/>
             </a:lvl1pPr>
@@ -2605,19 +2917,17 @@
             </a:lvl9pPr>
           </a:lstStyle>
           <a:p>
-            <a:endParaRPr lang="es-MX"/>
-          </a:p>
-        </p:txBody>
-      </p:sp>
-      <p:sp>
-        <p:nvSpPr>
-          <p:cNvPr id="4" name="Marcador de texto 3">
-            <a:extLst>
-              <a:ext uri="{FF2B5EF4-FFF2-40B4-BE49-F238E27FC236}">
-                <a16:creationId xmlns:a16="http://schemas.microsoft.com/office/drawing/2014/main" id="{BAFBF426-0B36-462D-897F-378E33AAD7B9}"/>
-              </a:ext>
-            </a:extLst>
-          </p:cNvPr>
+            <a:r>
+              <a:rPr lang="es-ES"/>
+              <a:t>Haga clic en el icono para agregar una imagen</a:t>
+            </a:r>
+            <a:endParaRPr lang="en-US" dirty="0"/>
+          </a:p>
+        </p:txBody>
+      </p:sp>
+      <p:sp>
+        <p:nvSpPr>
+          <p:cNvPr id="4" name="Text Placeholder 3"/>
           <p:cNvSpPr>
             <a:spLocks noGrp="1"/>
           </p:cNvSpPr>
@@ -2627,16 +2937,18 @@
         </p:nvSpPr>
         <p:spPr>
           <a:xfrm>
-            <a:off x="839788" y="2057400"/>
-            <a:ext cx="3932237" cy="3811588"/>
+            <a:off x="1450329" y="3145992"/>
+            <a:ext cx="5524404" cy="2003742"/>
           </a:xfrm>
         </p:spPr>
         <p:txBody>
-          <a:bodyPr/>
+          <a:bodyPr>
+            <a:normAutofit/>
+          </a:bodyPr>
           <a:lstStyle>
-            <a:lvl1pPr marL="0" indent="0">
-              <a:buNone/>
-              <a:defRPr sz="1600"/>
+            <a:lvl1pPr marL="0" indent="0" algn="l">
+              <a:buNone/>
+              <a:defRPr sz="1800"/>
             </a:lvl1pPr>
             <a:lvl2pPr marL="457200" indent="0">
               <a:buNone/>
@@ -2682,13 +2994,7 @@
       </p:sp>
       <p:sp>
         <p:nvSpPr>
-          <p:cNvPr id="5" name="Marcador de fecha 4">
-            <a:extLst>
-              <a:ext uri="{FF2B5EF4-FFF2-40B4-BE49-F238E27FC236}">
-                <a16:creationId xmlns:a16="http://schemas.microsoft.com/office/drawing/2014/main" id="{D6A8F982-9CE4-4A62-9AEC-DF16791FE04B}"/>
-              </a:ext>
-            </a:extLst>
-          </p:cNvPr>
+          <p:cNvPr id="5" name="Date Placeholder 4"/>
           <p:cNvSpPr>
             <a:spLocks noGrp="1"/>
           </p:cNvSpPr>
@@ -2696,10 +3002,19 @@
             <p:ph type="dt" sz="half" idx="10"/>
           </p:nvPr>
         </p:nvSpPr>
-        <p:spPr/>
+        <p:spPr>
+          <a:xfrm>
+            <a:off x="1447382" y="5469856"/>
+            <a:ext cx="5527351" cy="320123"/>
+          </a:xfrm>
+        </p:spPr>
         <p:txBody>
           <a:bodyPr/>
-          <a:lstStyle/>
+          <a:lstStyle>
+            <a:lvl1pPr algn="l">
+              <a:defRPr/>
+            </a:lvl1pPr>
+          </a:lstStyle>
           <a:p>
             <a:fld id="{3FFC972C-A864-4DD8-BBF1-6BDB292035BC}" type="datetimeFigureOut">
               <a:rPr lang="es-MX" smtClean="0"/>
@@ -2711,13 +3026,7 @@
       </p:sp>
       <p:sp>
         <p:nvSpPr>
-          <p:cNvPr id="6" name="Marcador de pie de página 5">
-            <a:extLst>
-              <a:ext uri="{FF2B5EF4-FFF2-40B4-BE49-F238E27FC236}">
-                <a16:creationId xmlns:a16="http://schemas.microsoft.com/office/drawing/2014/main" id="{2B4B5250-7300-4AF7-8EA9-C017D8BADAB8}"/>
-              </a:ext>
-            </a:extLst>
-          </p:cNvPr>
+          <p:cNvPr id="6" name="Footer Placeholder 5"/>
           <p:cNvSpPr>
             <a:spLocks noGrp="1"/>
           </p:cNvSpPr>
@@ -2725,7 +3034,12 @@
             <p:ph type="ftr" sz="quarter" idx="11"/>
           </p:nvPr>
         </p:nvSpPr>
-        <p:spPr/>
+        <p:spPr>
+          <a:xfrm>
+            <a:off x="1447382" y="318640"/>
+            <a:ext cx="5541004" cy="320931"/>
+          </a:xfrm>
+        </p:spPr>
         <p:txBody>
           <a:bodyPr/>
           <a:lstStyle/>
@@ -2736,13 +3050,7 @@
       </p:sp>
       <p:sp>
         <p:nvSpPr>
-          <p:cNvPr id="7" name="Marcador de número de diapositiva 6">
-            <a:extLst>
-              <a:ext uri="{FF2B5EF4-FFF2-40B4-BE49-F238E27FC236}">
-                <a16:creationId xmlns:a16="http://schemas.microsoft.com/office/drawing/2014/main" id="{7872B206-D80D-425E-9BAB-78F5132481B5}"/>
-              </a:ext>
-            </a:extLst>
-          </p:cNvPr>
+          <p:cNvPr id="7" name="Slide Number Placeholder 6"/>
           <p:cNvSpPr>
             <a:spLocks noGrp="1"/>
           </p:cNvSpPr>
@@ -2763,10 +3071,41 @@
           </a:p>
         </p:txBody>
       </p:sp>
+      <p:cxnSp>
+        <p:nvCxnSpPr>
+          <p:cNvPr id="31" name="Straight Connector 30"/>
+          <p:cNvCxnSpPr/>
+          <p:nvPr/>
+        </p:nvCxnSpPr>
+        <p:spPr>
+          <a:xfrm>
+            <a:off x="1447382" y="3143605"/>
+            <a:ext cx="5527351" cy="0"/>
+          </a:xfrm>
+          <a:prstGeom prst="line">
+            <a:avLst/>
+          </a:prstGeom>
+          <a:ln w="31750"/>
+        </p:spPr>
+        <p:style>
+          <a:lnRef idx="3">
+            <a:schemeClr val="accent1"/>
+          </a:lnRef>
+          <a:fillRef idx="0">
+            <a:schemeClr val="accent1"/>
+          </a:fillRef>
+          <a:effectRef idx="2">
+            <a:schemeClr val="accent1"/>
+          </a:effectRef>
+          <a:fontRef idx="minor">
+            <a:schemeClr val="tx1"/>
+          </a:fontRef>
+        </p:style>
+      </p:cxnSp>
     </p:spTree>
     <p:extLst>
       <p:ext uri="{BB962C8B-B14F-4D97-AF65-F5344CB8AC3E}">
-        <p14:creationId xmlns:p14="http://schemas.microsoft.com/office/powerpoint/2010/main" val="1118155657"/>
+        <p14:creationId xmlns:p14="http://schemas.microsoft.com/office/powerpoint/2010/main" val="1814117896"/>
       </p:ext>
     </p:extLst>
   </p:cSld>
@@ -2780,8 +3119,8 @@
 <p:sldMaster xmlns:a="http://schemas.openxmlformats.org/drawingml/2006/main" xmlns:r="http://schemas.openxmlformats.org/officeDocument/2006/relationships" xmlns:p="http://schemas.openxmlformats.org/presentationml/2006/main">
   <p:cSld>
     <p:bg>
-      <p:bgRef idx="1001">
-        <a:schemeClr val="bg1"/>
+      <p:bgRef idx="1003">
+        <a:schemeClr val="bg2"/>
       </p:bgRef>
     </p:bg>
     <p:spTree>
@@ -2800,141 +3139,200 @@
       </p:grpSpPr>
       <p:sp>
         <p:nvSpPr>
-          <p:cNvPr id="2" name="Marcador de título 1">
+          <p:cNvPr id="8" name="Rectangle 7"/>
+          <p:cNvSpPr/>
+          <p:nvPr/>
+        </p:nvSpPr>
+        <p:spPr>
+          <a:xfrm>
+            <a:off x="0" y="2019476"/>
+            <a:ext cx="12192000" cy="4105941"/>
+          </a:xfrm>
+          <a:prstGeom prst="rect">
+            <a:avLst/>
+          </a:prstGeom>
+          <a:gradFill flip="none" rotWithShape="1">
+            <a:gsLst>
+              <a:gs pos="0">
+                <a:schemeClr val="bg2">
+                  <a:alpha val="0"/>
+                </a:schemeClr>
+              </a:gs>
+              <a:gs pos="100000">
+                <a:schemeClr val="bg2"/>
+              </a:gs>
+            </a:gsLst>
+            <a:lin ang="5400000" scaled="0"/>
+            <a:tileRect/>
+          </a:gradFill>
+          <a:ln>
+            <a:noFill/>
+          </a:ln>
+        </p:spPr>
+        <p:style>
+          <a:lnRef idx="2">
+            <a:schemeClr val="accent1">
+              <a:shade val="50000"/>
+            </a:schemeClr>
+          </a:lnRef>
+          <a:fillRef idx="1">
+            <a:schemeClr val="accent1"/>
+          </a:fillRef>
+          <a:effectRef idx="0">
+            <a:schemeClr val="accent1"/>
+          </a:effectRef>
+          <a:fontRef idx="minor">
+            <a:schemeClr val="lt1"/>
+          </a:fontRef>
+        </p:style>
+      </p:sp>
+      <p:pic>
+        <p:nvPicPr>
+          <p:cNvPr id="7" name="Picture 6"/>
+          <p:cNvPicPr>
+            <a:picLocks noChangeAspect="1"/>
+          </p:cNvPicPr>
+          <p:nvPr/>
+        </p:nvPicPr>
+        <p:blipFill rotWithShape="1">
+          <a:blip r:embed="rId13">
             <a:extLst>
-              <a:ext uri="{FF2B5EF4-FFF2-40B4-BE49-F238E27FC236}">
-                <a16:creationId xmlns:a16="http://schemas.microsoft.com/office/drawing/2014/main" id="{26DF8994-9D3B-4DD8-8736-62E6ACC3168A}"/>
+              <a:ext uri="{28A0092B-C50C-407E-A947-70E740481C1C}">
+                <a14:useLocalDpi xmlns:a14="http://schemas.microsoft.com/office/drawing/2010/main" val="0"/>
               </a:ext>
             </a:extLst>
-          </p:cNvPr>
-          <p:cNvSpPr>
-            <a:spLocks noGrp="1"/>
-          </p:cNvSpPr>
-          <p:nvPr>
-            <p:ph type="title"/>
-          </p:nvPr>
-        </p:nvSpPr>
-        <p:spPr>
+          </a:blip>
+          <a:srcRect t="1538" b="-1538"/>
+          <a:stretch/>
+        </p:blipFill>
+        <p:spPr bwMode="black">
           <a:xfrm>
-            <a:off x="838200" y="365125"/>
-            <a:ext cx="10515600" cy="1325563"/>
+            <a:off x="0" y="6126480"/>
+            <a:ext cx="12192000" cy="742950"/>
           </a:xfrm>
           <a:prstGeom prst="rect">
             <a:avLst/>
           </a:prstGeom>
         </p:spPr>
-        <p:txBody>
-          <a:bodyPr vert="horz" lIns="91440" tIns="45720" rIns="91440" bIns="45720" rtlCol="0" anchor="ctr">
-            <a:normAutofit/>
-          </a:bodyPr>
-          <a:lstStyle/>
-          <a:p>
-            <a:r>
-              <a:rPr lang="es-ES"/>
-              <a:t>Haga clic para modificar el estilo de título del patrón</a:t>
-            </a:r>
-            <a:endParaRPr lang="es-MX"/>
-          </a:p>
-        </p:txBody>
-      </p:sp>
-      <p:sp>
-        <p:nvSpPr>
-          <p:cNvPr id="3" name="Marcador de texto 2">
-            <a:extLst>
-              <a:ext uri="{FF2B5EF4-FFF2-40B4-BE49-F238E27FC236}">
-                <a16:creationId xmlns:a16="http://schemas.microsoft.com/office/drawing/2014/main" id="{CEF71CCD-F4C6-4BB8-BE1B-3109D62076C9}"/>
-              </a:ext>
-            </a:extLst>
-          </p:cNvPr>
-          <p:cNvSpPr>
-            <a:spLocks noGrp="1"/>
-          </p:cNvSpPr>
-          <p:nvPr>
-            <p:ph type="body" idx="1"/>
+      </p:pic>
+      <p:sp>
+        <p:nvSpPr>
+          <p:cNvPr id="2" name="Title Placeholder 1"/>
+          <p:cNvSpPr>
+            <a:spLocks noGrp="1"/>
+          </p:cNvSpPr>
+          <p:nvPr>
+            <p:ph type="title"/>
           </p:nvPr>
         </p:nvSpPr>
         <p:spPr>
           <a:xfrm>
-            <a:off x="838200" y="1825625"/>
-            <a:ext cx="10515600" cy="4351338"/>
+            <a:off x="1451579" y="804519"/>
+            <a:ext cx="9603275" cy="1049235"/>
           </a:xfrm>
           <a:prstGeom prst="rect">
             <a:avLst/>
           </a:prstGeom>
         </p:spPr>
         <p:txBody>
-          <a:bodyPr vert="horz" lIns="91440" tIns="45720" rIns="91440" bIns="45720" rtlCol="0">
+          <a:bodyPr vert="horz" lIns="91440" tIns="45720" rIns="91440" bIns="45720" rtlCol="0" anchor="t">
             <a:normAutofit/>
           </a:bodyPr>
           <a:lstStyle/>
           <a:p>
-            <a:pPr lvl="0"/>
             <a:r>
               <a:rPr lang="es-ES"/>
-              <a:t>Editar los estilos de texto del patrón</a:t>
-            </a:r>
-          </a:p>
-          <a:p>
-            <a:pPr lvl="1"/>
-            <a:r>
-              <a:rPr lang="es-ES"/>
-              <a:t>Segundo nivel</a:t>
-            </a:r>
-          </a:p>
-          <a:p>
-            <a:pPr lvl="2"/>
-            <a:r>
-              <a:rPr lang="es-ES"/>
-              <a:t>Tercer nivel</a:t>
-            </a:r>
-          </a:p>
-          <a:p>
-            <a:pPr lvl="3"/>
-            <a:r>
-              <a:rPr lang="es-ES"/>
-              <a:t>Cuarto nivel</a:t>
-            </a:r>
-          </a:p>
-          <a:p>
-            <a:pPr lvl="4"/>
-            <a:r>
-              <a:rPr lang="es-ES"/>
-              <a:t>Quinto nivel</a:t>
-            </a:r>
-            <a:endParaRPr lang="es-MX"/>
-          </a:p>
-        </p:txBody>
-      </p:sp>
-      <p:sp>
-        <p:nvSpPr>
-          <p:cNvPr id="4" name="Marcador de fecha 3">
-            <a:extLst>
-              <a:ext uri="{FF2B5EF4-FFF2-40B4-BE49-F238E27FC236}">
-                <a16:creationId xmlns:a16="http://schemas.microsoft.com/office/drawing/2014/main" id="{F800BE60-443B-466E-A2AF-FED2EA46FA4A}"/>
-              </a:ext>
-            </a:extLst>
-          </p:cNvPr>
-          <p:cNvSpPr>
-            <a:spLocks noGrp="1"/>
-          </p:cNvSpPr>
-          <p:nvPr>
-            <p:ph type="dt" sz="half" idx="2"/>
+              <a:t>Haga clic para modificar el estilo de título del patrón</a:t>
+            </a:r>
+            <a:endParaRPr lang="en-US" dirty="0"/>
+          </a:p>
+        </p:txBody>
+      </p:sp>
+      <p:sp>
+        <p:nvSpPr>
+          <p:cNvPr id="3" name="Text Placeholder 2"/>
+          <p:cNvSpPr>
+            <a:spLocks noGrp="1"/>
+          </p:cNvSpPr>
+          <p:nvPr>
+            <p:ph type="body" idx="1"/>
           </p:nvPr>
         </p:nvSpPr>
         <p:spPr>
           <a:xfrm>
-            <a:off x="838200" y="6356350"/>
-            <a:ext cx="2743200" cy="365125"/>
+            <a:off x="1451579" y="2015732"/>
+            <a:ext cx="9603275" cy="3450613"/>
           </a:xfrm>
           <a:prstGeom prst="rect">
             <a:avLst/>
           </a:prstGeom>
         </p:spPr>
         <p:txBody>
+          <a:bodyPr vert="horz" lIns="91440" tIns="45720" rIns="91440" bIns="45720" rtlCol="0">
+            <a:normAutofit/>
+          </a:bodyPr>
+          <a:lstStyle/>
+          <a:p>
+            <a:pPr lvl="0"/>
+            <a:r>
+              <a:rPr lang="en-US" dirty="0"/>
+              <a:t>Edit Master text styles</a:t>
+            </a:r>
+          </a:p>
+          <a:p>
+            <a:pPr lvl="1"/>
+            <a:r>
+              <a:rPr lang="en-US" dirty="0"/>
+              <a:t>Second level</a:t>
+            </a:r>
+          </a:p>
+          <a:p>
+            <a:pPr lvl="2"/>
+            <a:r>
+              <a:rPr lang="en-US" dirty="0"/>
+              <a:t>Third level</a:t>
+            </a:r>
+          </a:p>
+          <a:p>
+            <a:pPr lvl="3"/>
+            <a:r>
+              <a:rPr lang="en-US" dirty="0"/>
+              <a:t>Fourth level</a:t>
+            </a:r>
+          </a:p>
+          <a:p>
+            <a:pPr lvl="4"/>
+            <a:r>
+              <a:rPr lang="en-US" dirty="0"/>
+              <a:t>Fifth level</a:t>
+            </a:r>
+          </a:p>
+        </p:txBody>
+      </p:sp>
+      <p:sp>
+        <p:nvSpPr>
+          <p:cNvPr id="4" name="Date Placeholder 3"/>
+          <p:cNvSpPr>
+            <a:spLocks noGrp="1"/>
+          </p:cNvSpPr>
+          <p:nvPr>
+            <p:ph type="dt" sz="half" idx="2"/>
+          </p:nvPr>
+        </p:nvSpPr>
+        <p:spPr>
+          <a:xfrm>
+            <a:off x="7554138" y="330370"/>
+            <a:ext cx="3500715" cy="309201"/>
+          </a:xfrm>
+          <a:prstGeom prst="rect">
+            <a:avLst/>
+          </a:prstGeom>
+        </p:spPr>
+        <p:txBody>
           <a:bodyPr vert="horz" lIns="91440" tIns="45720" rIns="91440" bIns="45720" rtlCol="0" anchor="ctr"/>
           <a:lstStyle>
-            <a:lvl1pPr algn="l">
-              <a:defRPr sz="1200">
+            <a:lvl1pPr algn="r">
+              <a:defRPr sz="1000">
                 <a:solidFill>
                   <a:schemeClr val="tx1">
                     <a:tint val="75000"/>
@@ -2954,13 +3352,7 @@
       </p:sp>
       <p:sp>
         <p:nvSpPr>
-          <p:cNvPr id="5" name="Marcador de pie de página 4">
-            <a:extLst>
-              <a:ext uri="{FF2B5EF4-FFF2-40B4-BE49-F238E27FC236}">
-                <a16:creationId xmlns:a16="http://schemas.microsoft.com/office/drawing/2014/main" id="{EBBE9BDC-FD96-4DEE-8230-F01470ADFE9D}"/>
-              </a:ext>
-            </a:extLst>
-          </p:cNvPr>
+          <p:cNvPr id="5" name="Footer Placeholder 4"/>
           <p:cNvSpPr>
             <a:spLocks noGrp="1"/>
           </p:cNvSpPr>
@@ -2970,8 +3362,8 @@
         </p:nvSpPr>
         <p:spPr>
           <a:xfrm>
-            <a:off x="4038600" y="6356350"/>
-            <a:ext cx="4114800" cy="365125"/>
+            <a:off x="1451579" y="329307"/>
+            <a:ext cx="5938836" cy="309201"/>
           </a:xfrm>
           <a:prstGeom prst="rect">
             <a:avLst/>
@@ -2980,8 +3372,8 @@
         <p:txBody>
           <a:bodyPr vert="horz" lIns="91440" tIns="45720" rIns="91440" bIns="45720" rtlCol="0" anchor="ctr"/>
           <a:lstStyle>
-            <a:lvl1pPr algn="ctr">
-              <a:defRPr sz="1200">
+            <a:lvl1pPr algn="l">
+              <a:defRPr sz="1000">
                 <a:solidFill>
                   <a:schemeClr val="tx1">
                     <a:tint val="75000"/>
@@ -2997,13 +3389,7 @@
       </p:sp>
       <p:sp>
         <p:nvSpPr>
-          <p:cNvPr id="6" name="Marcador de número de diapositiva 5">
-            <a:extLst>
-              <a:ext uri="{FF2B5EF4-FFF2-40B4-BE49-F238E27FC236}">
-                <a16:creationId xmlns:a16="http://schemas.microsoft.com/office/drawing/2014/main" id="{B31B94AF-A832-417C-BF92-B9A5A229F868}"/>
-              </a:ext>
-            </a:extLst>
-          </p:cNvPr>
+          <p:cNvPr id="6" name="Slide Number Placeholder 5"/>
           <p:cNvSpPr>
             <a:spLocks noGrp="1"/>
           </p:cNvSpPr>
@@ -3013,22 +3399,20 @@
         </p:nvSpPr>
         <p:spPr>
           <a:xfrm>
-            <a:off x="8610600" y="6356350"/>
-            <a:ext cx="2743200" cy="365125"/>
+            <a:off x="480060" y="798973"/>
+            <a:ext cx="811019" cy="503578"/>
           </a:xfrm>
           <a:prstGeom prst="rect">
             <a:avLst/>
           </a:prstGeom>
         </p:spPr>
         <p:txBody>
-          <a:bodyPr vert="horz" lIns="91440" tIns="45720" rIns="91440" bIns="45720" rtlCol="0" anchor="ctr"/>
+          <a:bodyPr vert="horz" lIns="91440" tIns="45720" rIns="91440" bIns="45720" rtlCol="0" anchor="t"/>
           <a:lstStyle>
             <a:lvl1pPr algn="r">
-              <a:defRPr sz="1200">
+              <a:defRPr sz="2800">
                 <a:solidFill>
-                  <a:schemeClr val="tx1">
-                    <a:tint val="75000"/>
-                  </a:schemeClr>
+                  <a:schemeClr val="accent1"/>
                 </a:solidFill>
               </a:defRPr>
             </a:lvl1pPr>
@@ -3042,26 +3426,63 @@
           </a:p>
         </p:txBody>
       </p:sp>
+      <p:cxnSp>
+        <p:nvCxnSpPr>
+          <p:cNvPr id="10" name="Straight Connector 9"/>
+          <p:cNvCxnSpPr/>
+          <p:nvPr/>
+        </p:nvCxnSpPr>
+        <p:spPr>
+          <a:xfrm>
+            <a:off x="0" y="6128413"/>
+            <a:ext cx="12192000" cy="0"/>
+          </a:xfrm>
+          <a:prstGeom prst="line">
+            <a:avLst/>
+          </a:prstGeom>
+          <a:ln w="12700">
+            <a:solidFill>
+              <a:srgbClr val="000001">
+                <a:alpha val="20000"/>
+              </a:srgbClr>
+            </a:solidFill>
+          </a:ln>
+        </p:spPr>
+        <p:style>
+          <a:lnRef idx="1">
+            <a:schemeClr val="accent1"/>
+          </a:lnRef>
+          <a:fillRef idx="0">
+            <a:schemeClr val="accent1"/>
+          </a:fillRef>
+          <a:effectRef idx="0">
+            <a:schemeClr val="accent1"/>
+          </a:effectRef>
+          <a:fontRef idx="minor">
+            <a:schemeClr val="tx1"/>
+          </a:fontRef>
+        </p:style>
+      </p:cxnSp>
     </p:spTree>
     <p:extLst>
       <p:ext uri="{BB962C8B-B14F-4D97-AF65-F5344CB8AC3E}">
-        <p14:creationId xmlns:p14="http://schemas.microsoft.com/office/powerpoint/2010/main" val="70221490"/>
+        <p14:creationId xmlns:p14="http://schemas.microsoft.com/office/powerpoint/2010/main" val="3979926285"/>
       </p:ext>
     </p:extLst>
   </p:cSld>
   <p:clrMap bg1="lt1" tx1="dk1" bg2="lt2" tx2="dk2" accent1="accent1" accent2="accent2" accent3="accent3" accent4="accent4" accent5="accent5" accent6="accent6" hlink="hlink" folHlink="folHlink"/>
   <p:sldLayoutIdLst>
-    <p:sldLayoutId id="2147483649" r:id="rId1"/>
-    <p:sldLayoutId id="2147483650" r:id="rId2"/>
-    <p:sldLayoutId id="2147483651" r:id="rId3"/>
-    <p:sldLayoutId id="2147483652" r:id="rId4"/>
-    <p:sldLayoutId id="2147483653" r:id="rId5"/>
-    <p:sldLayoutId id="2147483654" r:id="rId6"/>
-    <p:sldLayoutId id="2147483655" r:id="rId7"/>
-    <p:sldLayoutId id="2147483656" r:id="rId8"/>
-    <p:sldLayoutId id="2147483657" r:id="rId9"/>
-    <p:sldLayoutId id="2147483658" r:id="rId10"/>
-    <p:sldLayoutId id="2147483659" r:id="rId11"/>
+    <p:sldLayoutId id="2147483661" r:id="rId1"/>
+    <p:sldLayoutId id="2147483662" r:id="rId2"/>
+    <p:sldLayoutId id="2147483663" r:id="rId3"/>
+    <p:sldLayoutId id="2147483664" r:id="rId4"/>
+    <p:sldLayoutId id="2147483665" r:id="rId5"/>
+    <p:sldLayoutId id="2147483666" r:id="rId6"/>
+    <p:sldLayoutId id="2147483667" r:id="rId7"/>
+    <p:sldLayoutId id="2147483668" r:id="rId8"/>
+    <p:sldLayoutId id="2147483669" r:id="rId9"/>
+    <p:sldLayoutId id="2147483670" r:id="rId10"/>
+    <p:sldLayoutId id="2147483671" r:id="rId11"/>
   </p:sldLayoutIdLst>
   <p:txStyles>
     <p:titleStyle>
@@ -3073,10 +3494,11 @@
           <a:spcPct val="0"/>
         </a:spcBef>
         <a:buNone/>
-        <a:defRPr sz="4400" kern="1200">
+        <a:defRPr sz="3200" b="0" i="0" kern="1200" cap="all">
           <a:solidFill>
             <a:schemeClr val="tx1"/>
           </a:solidFill>
+          <a:effectLst/>
           <a:latin typeface="+mj-lt"/>
           <a:ea typeface="+mj-ea"/>
           <a:cs typeface="+mj-cs"/>
@@ -3086,17 +3508,22 @@
     <p:bodyStyle>
       <a:lvl1pPr marL="228600" indent="-228600" algn="l" defTabSz="914400" rtl="0" eaLnBrk="1" latinLnBrk="0" hangingPunct="1">
         <a:lnSpc>
-          <a:spcPct val="90000"/>
+          <a:spcPct val="120000"/>
         </a:lnSpc>
         <a:spcBef>
           <a:spcPts val="1000"/>
         </a:spcBef>
+        <a:buClr>
+          <a:schemeClr val="accent1"/>
+        </a:buClr>
+        <a:buSzPct val="100000"/>
         <a:buFont typeface="Arial" panose="020B0604020202020204" pitchFamily="34" charset="0"/>
         <a:buChar char="•"/>
-        <a:defRPr sz="2800" kern="1200">
+        <a:defRPr sz="2000" kern="1200">
           <a:solidFill>
             <a:schemeClr val="tx1"/>
           </a:solidFill>
+          <a:effectLst/>
           <a:latin typeface="+mn-lt"/>
           <a:ea typeface="+mn-ea"/>
           <a:cs typeface="+mn-cs"/>
@@ -3104,17 +3531,22 @@
       </a:lvl1pPr>
       <a:lvl2pPr marL="685800" indent="-228600" algn="l" defTabSz="914400" rtl="0" eaLnBrk="1" latinLnBrk="0" hangingPunct="1">
         <a:lnSpc>
-          <a:spcPct val="90000"/>
+          <a:spcPct val="120000"/>
         </a:lnSpc>
         <a:spcBef>
           <a:spcPts val="500"/>
         </a:spcBef>
+        <a:buClr>
+          <a:schemeClr val="accent1"/>
+        </a:buClr>
+        <a:buSzPct val="100000"/>
         <a:buFont typeface="Arial" panose="020B0604020202020204" pitchFamily="34" charset="0"/>
         <a:buChar char="•"/>
-        <a:defRPr sz="2400" kern="1200">
+        <a:defRPr sz="1800" kern="1200" cap="none" baseline="0">
           <a:solidFill>
             <a:schemeClr val="tx1"/>
           </a:solidFill>
+          <a:effectLst/>
           <a:latin typeface="+mn-lt"/>
           <a:ea typeface="+mn-ea"/>
           <a:cs typeface="+mn-cs"/>
@@ -3122,17 +3554,22 @@
       </a:lvl2pPr>
       <a:lvl3pPr marL="1143000" indent="-228600" algn="l" defTabSz="914400" rtl="0" eaLnBrk="1" latinLnBrk="0" hangingPunct="1">
         <a:lnSpc>
-          <a:spcPct val="90000"/>
+          <a:spcPct val="120000"/>
         </a:lnSpc>
         <a:spcBef>
           <a:spcPts val="500"/>
         </a:spcBef>
+        <a:buClr>
+          <a:schemeClr val="accent1"/>
+        </a:buClr>
+        <a:buSzPct val="100000"/>
         <a:buFont typeface="Arial" panose="020B0604020202020204" pitchFamily="34" charset="0"/>
         <a:buChar char="•"/>
-        <a:defRPr sz="2000" kern="1200">
+        <a:defRPr sz="1600" kern="1200">
           <a:solidFill>
             <a:schemeClr val="tx1"/>
           </a:solidFill>
+          <a:effectLst/>
           <a:latin typeface="+mn-lt"/>
           <a:ea typeface="+mn-ea"/>
           <a:cs typeface="+mn-cs"/>
@@ -3140,17 +3577,22 @@
       </a:lvl3pPr>
       <a:lvl4pPr marL="1600200" indent="-228600" algn="l" defTabSz="914400" rtl="0" eaLnBrk="1" latinLnBrk="0" hangingPunct="1">
         <a:lnSpc>
-          <a:spcPct val="90000"/>
+          <a:spcPct val="120000"/>
         </a:lnSpc>
         <a:spcBef>
           <a:spcPts val="500"/>
         </a:spcBef>
+        <a:buClr>
+          <a:schemeClr val="accent1"/>
+        </a:buClr>
+        <a:buSzPct val="100000"/>
         <a:buFont typeface="Arial" panose="020B0604020202020204" pitchFamily="34" charset="0"/>
         <a:buChar char="•"/>
-        <a:defRPr sz="1800" kern="1200">
+        <a:defRPr sz="1400" kern="1200" cap="none" baseline="0">
           <a:solidFill>
             <a:schemeClr val="tx1"/>
           </a:solidFill>
+          <a:effectLst/>
           <a:latin typeface="+mn-lt"/>
           <a:ea typeface="+mn-ea"/>
           <a:cs typeface="+mn-cs"/>
@@ -3158,17 +3600,22 @@
       </a:lvl4pPr>
       <a:lvl5pPr marL="2057400" indent="-228600" algn="l" defTabSz="914400" rtl="0" eaLnBrk="1" latinLnBrk="0" hangingPunct="1">
         <a:lnSpc>
-          <a:spcPct val="90000"/>
+          <a:spcPct val="120000"/>
         </a:lnSpc>
         <a:spcBef>
           <a:spcPts val="500"/>
         </a:spcBef>
+        <a:buClr>
+          <a:schemeClr val="accent1"/>
+        </a:buClr>
+        <a:buSzPct val="100000"/>
         <a:buFont typeface="Arial" panose="020B0604020202020204" pitchFamily="34" charset="0"/>
         <a:buChar char="•"/>
-        <a:defRPr sz="1800" kern="1200">
+        <a:defRPr sz="1200" kern="1200">
           <a:solidFill>
             <a:schemeClr val="tx1"/>
           </a:solidFill>
+          <a:effectLst/>
           <a:latin typeface="+mn-lt"/>
           <a:ea typeface="+mn-ea"/>
           <a:cs typeface="+mn-cs"/>
@@ -3176,17 +3623,22 @@
       </a:lvl5pPr>
       <a:lvl6pPr marL="2514600" indent="-228600" algn="l" defTabSz="914400" rtl="0" eaLnBrk="1" latinLnBrk="0" hangingPunct="1">
         <a:lnSpc>
-          <a:spcPct val="90000"/>
+          <a:spcPct val="120000"/>
         </a:lnSpc>
         <a:spcBef>
           <a:spcPts val="500"/>
         </a:spcBef>
+        <a:buClr>
+          <a:schemeClr val="accent1"/>
+        </a:buClr>
+        <a:buSzPct val="100000"/>
         <a:buFont typeface="Arial" panose="020B0604020202020204" pitchFamily="34" charset="0"/>
         <a:buChar char="•"/>
-        <a:defRPr sz="1800" kern="1200">
+        <a:defRPr sz="1200" kern="1200">
           <a:solidFill>
             <a:schemeClr val="tx1"/>
           </a:solidFill>
+          <a:effectLst/>
           <a:latin typeface="+mn-lt"/>
           <a:ea typeface="+mn-ea"/>
           <a:cs typeface="+mn-cs"/>
@@ -3194,17 +3646,22 @@
       </a:lvl6pPr>
       <a:lvl7pPr marL="2971800" indent="-228600" algn="l" defTabSz="914400" rtl="0" eaLnBrk="1" latinLnBrk="0" hangingPunct="1">
         <a:lnSpc>
-          <a:spcPct val="90000"/>
+          <a:spcPct val="120000"/>
         </a:lnSpc>
         <a:spcBef>
           <a:spcPts val="500"/>
         </a:spcBef>
+        <a:buClr>
+          <a:schemeClr val="accent1"/>
+        </a:buClr>
+        <a:buSzPct val="100000"/>
         <a:buFont typeface="Arial" panose="020B0604020202020204" pitchFamily="34" charset="0"/>
         <a:buChar char="•"/>
-        <a:defRPr sz="1800" kern="1200">
+        <a:defRPr sz="1200" kern="1200">
           <a:solidFill>
             <a:schemeClr val="tx1"/>
           </a:solidFill>
+          <a:effectLst/>
           <a:latin typeface="+mn-lt"/>
           <a:ea typeface="+mn-ea"/>
           <a:cs typeface="+mn-cs"/>
@@ -3212,17 +3669,22 @@
       </a:lvl7pPr>
       <a:lvl8pPr marL="3429000" indent="-228600" algn="l" defTabSz="914400" rtl="0" eaLnBrk="1" latinLnBrk="0" hangingPunct="1">
         <a:lnSpc>
-          <a:spcPct val="90000"/>
+          <a:spcPct val="120000"/>
         </a:lnSpc>
         <a:spcBef>
           <a:spcPts val="500"/>
         </a:spcBef>
+        <a:buClr>
+          <a:schemeClr val="accent1"/>
+        </a:buClr>
+        <a:buSzPct val="100000"/>
         <a:buFont typeface="Arial" panose="020B0604020202020204" pitchFamily="34" charset="0"/>
         <a:buChar char="•"/>
-        <a:defRPr sz="1800" kern="1200">
+        <a:defRPr sz="1200" kern="1200" baseline="0">
           <a:solidFill>
             <a:schemeClr val="tx1"/>
           </a:solidFill>
+          <a:effectLst/>
           <a:latin typeface="+mn-lt"/>
           <a:ea typeface="+mn-ea"/>
           <a:cs typeface="+mn-cs"/>
@@ -3230,17 +3692,22 @@
       </a:lvl8pPr>
       <a:lvl9pPr marL="3886200" indent="-228600" algn="l" defTabSz="914400" rtl="0" eaLnBrk="1" latinLnBrk="0" hangingPunct="1">
         <a:lnSpc>
-          <a:spcPct val="90000"/>
+          <a:spcPct val="120000"/>
         </a:lnSpc>
         <a:spcBef>
           <a:spcPts val="500"/>
         </a:spcBef>
+        <a:buClr>
+          <a:schemeClr val="accent1"/>
+        </a:buClr>
+        <a:buSzPct val="100000"/>
         <a:buFont typeface="Arial" panose="020B0604020202020204" pitchFamily="34" charset="0"/>
         <a:buChar char="•"/>
-        <a:defRPr sz="1800" kern="1200">
+        <a:defRPr sz="1200" kern="1200" baseline="0">
           <a:solidFill>
             <a:schemeClr val="tx1"/>
           </a:solidFill>
+          <a:effectLst/>
           <a:latin typeface="+mn-lt"/>
           <a:ea typeface="+mn-ea"/>
           <a:cs typeface="+mn-cs"/>
@@ -3249,7 +3716,7 @@
     </p:bodyStyle>
     <p:otherStyle>
       <a:defPPr>
-        <a:defRPr lang="es-MX"/>
+        <a:defRPr lang="en-US"/>
       </a:defPPr>
       <a:lvl1pPr marL="0" algn="l" defTabSz="914400" rtl="0" eaLnBrk="1" latinLnBrk="0" hangingPunct="1">
         <a:defRPr sz="1800" kern="1200">
@@ -3381,10 +3848,16 @@
         </p:nvSpPr>
         <p:spPr/>
         <p:txBody>
-          <a:bodyPr/>
-          <a:lstStyle/>
-          <a:p>
-            <a:endParaRPr lang="es-MX"/>
+          <a:bodyPr>
+            <a:normAutofit/>
+          </a:bodyPr>
+          <a:lstStyle/>
+          <a:p>
+            <a:pPr algn="just"/>
+            <a:r>
+              <a:rPr lang="es-MX" sz="5400" dirty="0"/>
+              <a:t>Proyecto de modulo 1: Fabricación de comida</a:t>
+            </a:r>
           </a:p>
         </p:txBody>
       </p:sp>
@@ -3406,10 +3879,27 @@
         </p:nvSpPr>
         <p:spPr/>
         <p:txBody>
-          <a:bodyPr/>
-          <a:lstStyle/>
-          <a:p>
-            <a:endParaRPr lang="es-MX"/>
+          <a:bodyPr>
+            <a:normAutofit fontScale="62500" lnSpcReduction="20000"/>
+          </a:bodyPr>
+          <a:lstStyle/>
+          <a:p>
+            <a:r>
+              <a:rPr lang="es-MX" dirty="0"/>
+              <a:t>Integrantes:</a:t>
+            </a:r>
+          </a:p>
+          <a:p>
+            <a:r>
+              <a:rPr lang="es-MX" dirty="0"/>
+              <a:t>Javier Preciado</a:t>
+            </a:r>
+          </a:p>
+          <a:p>
+            <a:r>
+              <a:rPr lang="es-MX" dirty="0"/>
+              <a:t>Erick Mendoza</a:t>
+            </a:r>
           </a:p>
         </p:txBody>
       </p:sp>
@@ -3426,10 +3916,1554 @@
 </p:sld>
 </file>
 
+<file path=ppt/slides/slide2.xml><?xml version="1.0" encoding="utf-8"?>
+<p:sld xmlns:a="http://schemas.openxmlformats.org/drawingml/2006/main" xmlns:r="http://schemas.openxmlformats.org/officeDocument/2006/relationships" xmlns:p="http://schemas.openxmlformats.org/presentationml/2006/main">
+  <p:cSld>
+    <p:spTree>
+      <p:nvGrpSpPr>
+        <p:cNvPr id="1" name=""/>
+        <p:cNvGrpSpPr/>
+        <p:nvPr/>
+      </p:nvGrpSpPr>
+      <p:grpSpPr>
+        <a:xfrm>
+          <a:off x="0" y="0"/>
+          <a:ext cx="0" cy="0"/>
+          <a:chOff x="0" y="0"/>
+          <a:chExt cx="0" cy="0"/>
+        </a:xfrm>
+      </p:grpSpPr>
+      <p:sp>
+        <p:nvSpPr>
+          <p:cNvPr id="3" name="Marcador de contenido 2">
+            <a:extLst>
+              <a:ext uri="{FF2B5EF4-FFF2-40B4-BE49-F238E27FC236}">
+                <a16:creationId xmlns:a16="http://schemas.microsoft.com/office/drawing/2014/main" id="{85BDEE52-F376-4558-B8EF-7C749FF465E4}"/>
+              </a:ext>
+            </a:extLst>
+          </p:cNvPr>
+          <p:cNvSpPr>
+            <a:spLocks noGrp="1"/>
+          </p:cNvSpPr>
+          <p:nvPr>
+            <p:ph idx="1"/>
+          </p:nvPr>
+        </p:nvSpPr>
+        <p:spPr/>
+        <p:txBody>
+          <a:bodyPr>
+            <a:normAutofit fontScale="55000" lnSpcReduction="20000"/>
+          </a:bodyPr>
+          <a:lstStyle/>
+          <a:p>
+            <a:r>
+              <a:rPr lang="es-MX" dirty="0"/>
+              <a:t>En este proyecto analizaremos la fabricación de alimentos vegetales y no vegetales, en los primeros 6 meses del año, en donde utilizaremos las herramientas GitHub, </a:t>
+            </a:r>
+            <a:r>
+              <a:rPr lang="es-MX" dirty="0" err="1"/>
+              <a:t>Jupyter</a:t>
+            </a:r>
+            <a:r>
+              <a:rPr lang="es-MX" dirty="0"/>
+              <a:t>, </a:t>
+            </a:r>
+            <a:r>
+              <a:rPr lang="es-MX" dirty="0" err="1"/>
+              <a:t>GitKraken</a:t>
+            </a:r>
+            <a:r>
+              <a:rPr lang="es-MX" dirty="0"/>
+              <a:t>, y PowerPoint, para la realización del mismo.</a:t>
+            </a:r>
+          </a:p>
+          <a:p>
+            <a:pPr>
+              <a:buFont typeface="Courier New" panose="02070309020205020404" pitchFamily="49" charset="0"/>
+              <a:buChar char="o"/>
+            </a:pPr>
+            <a:r>
+              <a:rPr lang="es-MX" b="1" dirty="0"/>
+              <a:t>Objetivos</a:t>
+            </a:r>
+          </a:p>
+          <a:p>
+            <a:pPr>
+              <a:buFont typeface="Wingdings" panose="05000000000000000000" pitchFamily="2" charset="2"/>
+              <a:buChar char="Ø"/>
+            </a:pPr>
+            <a:r>
+              <a:rPr lang="es-MX" dirty="0"/>
+              <a:t>Generales: </a:t>
+            </a:r>
+          </a:p>
+          <a:p>
+            <a:r>
+              <a:rPr lang="es-MX" dirty="0"/>
+              <a:t>Analizar los datos de fabricación de alimentos</a:t>
+            </a:r>
+          </a:p>
+          <a:p>
+            <a:r>
+              <a:rPr lang="es-MX" dirty="0"/>
+              <a:t>Realizar estadísticos sobre los datos generados</a:t>
+            </a:r>
+          </a:p>
+          <a:p>
+            <a:pPr>
+              <a:buFont typeface="Wingdings" panose="05000000000000000000" pitchFamily="2" charset="2"/>
+              <a:buChar char="Ø"/>
+            </a:pPr>
+            <a:r>
+              <a:rPr lang="es-MX" dirty="0"/>
+              <a:t>Específicos: </a:t>
+            </a:r>
+          </a:p>
+          <a:p>
+            <a:r>
+              <a:rPr lang="es-MX" dirty="0"/>
+              <a:t>Definir variables</a:t>
+            </a:r>
+          </a:p>
+          <a:p>
+            <a:r>
+              <a:rPr lang="es-MX" dirty="0"/>
+              <a:t>Definir función objetivo</a:t>
+            </a:r>
+          </a:p>
+          <a:p>
+            <a:r>
+              <a:rPr lang="es-MX" dirty="0"/>
+              <a:t>Definir variables</a:t>
+            </a:r>
+          </a:p>
+          <a:p>
+            <a:r>
+              <a:rPr lang="es-MX" dirty="0"/>
+              <a:t>Maximizar la producción de las dos variables (alimentos vegetales, y no vegetales)</a:t>
+            </a:r>
+          </a:p>
+          <a:p>
+            <a:r>
+              <a:rPr lang="es-MX" dirty="0"/>
+              <a:t>Realizar una gráfica comparando las dos variables</a:t>
+            </a:r>
+          </a:p>
+        </p:txBody>
+      </p:sp>
+    </p:spTree>
+    <p:extLst>
+      <p:ext uri="{BB962C8B-B14F-4D97-AF65-F5344CB8AC3E}">
+        <p14:creationId xmlns:p14="http://schemas.microsoft.com/office/powerpoint/2010/main" val="3525617992"/>
+      </p:ext>
+    </p:extLst>
+  </p:cSld>
+  <p:clrMapOvr>
+    <a:masterClrMapping/>
+  </p:clrMapOvr>
+</p:sld>
+</file>
+
+<file path=ppt/slides/slide3.xml><?xml version="1.0" encoding="utf-8"?>
+<p:sld xmlns:a="http://schemas.openxmlformats.org/drawingml/2006/main" xmlns:r="http://schemas.openxmlformats.org/officeDocument/2006/relationships" xmlns:p="http://schemas.openxmlformats.org/presentationml/2006/main">
+  <p:cSld>
+    <p:spTree>
+      <p:nvGrpSpPr>
+        <p:cNvPr id="1" name=""/>
+        <p:cNvGrpSpPr/>
+        <p:nvPr/>
+      </p:nvGrpSpPr>
+      <p:grpSpPr>
+        <a:xfrm>
+          <a:off x="0" y="0"/>
+          <a:ext cx="0" cy="0"/>
+          <a:chOff x="0" y="0"/>
+          <a:chExt cx="0" cy="0"/>
+        </a:xfrm>
+      </p:grpSpPr>
+      <p:sp>
+        <p:nvSpPr>
+          <p:cNvPr id="2" name="Título 1">
+            <a:extLst>
+              <a:ext uri="{FF2B5EF4-FFF2-40B4-BE49-F238E27FC236}">
+                <a16:creationId xmlns:a16="http://schemas.microsoft.com/office/drawing/2014/main" id="{828ACD8F-5820-4381-8DAB-9059DD0433E5}"/>
+              </a:ext>
+            </a:extLst>
+          </p:cNvPr>
+          <p:cNvSpPr>
+            <a:spLocks noGrp="1"/>
+          </p:cNvSpPr>
+          <p:nvPr>
+            <p:ph type="title"/>
+          </p:nvPr>
+        </p:nvSpPr>
+        <p:spPr/>
+        <p:txBody>
+          <a:bodyPr/>
+          <a:lstStyle/>
+          <a:p>
+            <a:r>
+              <a:rPr lang="es-MX" dirty="0"/>
+              <a:t>Modelo</a:t>
+            </a:r>
+          </a:p>
+        </p:txBody>
+      </p:sp>
+      <p:sp>
+        <p:nvSpPr>
+          <p:cNvPr id="3" name="Marcador de contenido 2">
+            <a:extLst>
+              <a:ext uri="{FF2B5EF4-FFF2-40B4-BE49-F238E27FC236}">
+                <a16:creationId xmlns:a16="http://schemas.microsoft.com/office/drawing/2014/main" id="{65BDE1F9-B61E-416E-AE85-6A66532944D9}"/>
+              </a:ext>
+            </a:extLst>
+          </p:cNvPr>
+          <p:cNvSpPr>
+            <a:spLocks noGrp="1"/>
+          </p:cNvSpPr>
+          <p:nvPr>
+            <p:ph idx="1"/>
+          </p:nvPr>
+        </p:nvSpPr>
+        <p:spPr>
+          <a:xfrm>
+            <a:off x="1451579" y="2015732"/>
+            <a:ext cx="9603275" cy="4037749"/>
+          </a:xfrm>
+        </p:spPr>
+        <p:txBody>
+          <a:bodyPr>
+            <a:normAutofit/>
+          </a:bodyPr>
+          <a:lstStyle/>
+          <a:p>
+            <a:r>
+              <a:rPr lang="es-MX" dirty="0"/>
+              <a:t>Cada aceite (Vegetal y no vegetal) se debe de comprar al inicio del mes de Enero para su entrega inmediata.</a:t>
+            </a:r>
+          </a:p>
+          <a:p>
+            <a:r>
+              <a:rPr lang="es-MX" dirty="0"/>
+              <a:t>Lista de precio por tonelada en el mes de Enero:</a:t>
+            </a:r>
+          </a:p>
+          <a:p>
+            <a:endParaRPr lang="es-MX" dirty="0"/>
+          </a:p>
+          <a:p>
+            <a:endParaRPr lang="es-MX" dirty="0"/>
+          </a:p>
+          <a:p>
+            <a:endParaRPr lang="es-MX" dirty="0"/>
+          </a:p>
+          <a:p>
+            <a:r>
+              <a:rPr lang="es-MX" dirty="0"/>
+              <a:t>Por lo tanto, la función a maximizar es: </a:t>
+            </a:r>
+          </a:p>
+          <a:p>
+            <a:pPr marL="0" indent="0">
+              <a:buNone/>
+            </a:pPr>
+            <a:r>
+              <a:rPr lang="es-MX" dirty="0"/>
+              <a:t>MAX: </a:t>
+            </a:r>
+            <a:r>
+              <a:rPr lang="fr-FR" dirty="0"/>
+              <a:t>110x1 + 120x2 + 130x3 + 110x4 + 115x5</a:t>
+            </a:r>
+            <a:endParaRPr lang="es-MX" dirty="0"/>
+          </a:p>
+        </p:txBody>
+      </p:sp>
+      <p:graphicFrame>
+        <p:nvGraphicFramePr>
+          <p:cNvPr id="4" name="Tabla 3">
+            <a:extLst>
+              <a:ext uri="{FF2B5EF4-FFF2-40B4-BE49-F238E27FC236}">
+                <a16:creationId xmlns:a16="http://schemas.microsoft.com/office/drawing/2014/main" id="{4BC9A48E-8063-4319-B22C-05F2DB1FDE9A}"/>
+              </a:ext>
+            </a:extLst>
+          </p:cNvPr>
+          <p:cNvGraphicFramePr>
+            <a:graphicFrameLocks noGrp="1"/>
+          </p:cNvGraphicFramePr>
+          <p:nvPr>
+            <p:extLst>
+              <p:ext uri="{D42A27DB-BD31-4B8C-83A1-F6EECF244321}">
+                <p14:modId xmlns:p14="http://schemas.microsoft.com/office/powerpoint/2010/main" val="883587189"/>
+              </p:ext>
+            </p:extLst>
+          </p:nvPr>
+        </p:nvGraphicFramePr>
+        <p:xfrm>
+          <a:off x="1783425" y="3638037"/>
+          <a:ext cx="8128002" cy="741680"/>
+        </p:xfrm>
+        <a:graphic>
+          <a:graphicData uri="http://schemas.openxmlformats.org/drawingml/2006/table">
+            <a:tbl>
+              <a:tblPr firstRow="1" bandRow="1">
+                <a:tableStyleId>{5940675A-B579-460E-94D1-54222C63F5DA}</a:tableStyleId>
+              </a:tblPr>
+              <a:tblGrid>
+                <a:gridCol w="1354667">
+                  <a:extLst>
+                    <a:ext uri="{9D8B030D-6E8A-4147-A177-3AD203B41FA5}">
+                      <a16:colId xmlns:a16="http://schemas.microsoft.com/office/drawing/2014/main" val="4217052938"/>
+                    </a:ext>
+                  </a:extLst>
+                </a:gridCol>
+                <a:gridCol w="1354667">
+                  <a:extLst>
+                    <a:ext uri="{9D8B030D-6E8A-4147-A177-3AD203B41FA5}">
+                      <a16:colId xmlns:a16="http://schemas.microsoft.com/office/drawing/2014/main" val="175225019"/>
+                    </a:ext>
+                  </a:extLst>
+                </a:gridCol>
+                <a:gridCol w="1354667">
+                  <a:extLst>
+                    <a:ext uri="{9D8B030D-6E8A-4147-A177-3AD203B41FA5}">
+                      <a16:colId xmlns:a16="http://schemas.microsoft.com/office/drawing/2014/main" val="2213764486"/>
+                    </a:ext>
+                  </a:extLst>
+                </a:gridCol>
+                <a:gridCol w="1354667">
+                  <a:extLst>
+                    <a:ext uri="{9D8B030D-6E8A-4147-A177-3AD203B41FA5}">
+                      <a16:colId xmlns:a16="http://schemas.microsoft.com/office/drawing/2014/main" val="1454622118"/>
+                    </a:ext>
+                  </a:extLst>
+                </a:gridCol>
+                <a:gridCol w="1354667">
+                  <a:extLst>
+                    <a:ext uri="{9D8B030D-6E8A-4147-A177-3AD203B41FA5}">
+                      <a16:colId xmlns:a16="http://schemas.microsoft.com/office/drawing/2014/main" val="447659357"/>
+                    </a:ext>
+                  </a:extLst>
+                </a:gridCol>
+                <a:gridCol w="1354667">
+                  <a:extLst>
+                    <a:ext uri="{9D8B030D-6E8A-4147-A177-3AD203B41FA5}">
+                      <a16:colId xmlns:a16="http://schemas.microsoft.com/office/drawing/2014/main" val="2317918998"/>
+                    </a:ext>
+                  </a:extLst>
+                </a:gridCol>
+              </a:tblGrid>
+              <a:tr h="370840">
+                <a:tc>
+                  <a:txBody>
+                    <a:bodyPr/>
+                    <a:lstStyle/>
+                    <a:p>
+                      <a:r>
+                        <a:rPr lang="es-MX" dirty="0"/>
+                        <a:t>X</a:t>
+                      </a:r>
+                    </a:p>
+                  </a:txBody>
+                  <a:tcPr/>
+                </a:tc>
+                <a:tc>
+                  <a:txBody>
+                    <a:bodyPr/>
+                    <a:lstStyle/>
+                    <a:p>
+                      <a:r>
+                        <a:rPr lang="es-MX" dirty="0"/>
+                        <a:t>VEG1</a:t>
+                      </a:r>
+                    </a:p>
+                  </a:txBody>
+                  <a:tcPr/>
+                </a:tc>
+                <a:tc>
+                  <a:txBody>
+                    <a:bodyPr/>
+                    <a:lstStyle/>
+                    <a:p>
+                      <a:r>
+                        <a:rPr lang="es-MX" dirty="0"/>
+                        <a:t>VEG2</a:t>
+                      </a:r>
+                    </a:p>
+                  </a:txBody>
+                  <a:tcPr/>
+                </a:tc>
+                <a:tc>
+                  <a:txBody>
+                    <a:bodyPr/>
+                    <a:lstStyle/>
+                    <a:p>
+                      <a:r>
+                        <a:rPr lang="es-MX" dirty="0"/>
+                        <a:t>OIL2</a:t>
+                      </a:r>
+                    </a:p>
+                  </a:txBody>
+                  <a:tcPr/>
+                </a:tc>
+                <a:tc>
+                  <a:txBody>
+                    <a:bodyPr/>
+                    <a:lstStyle/>
+                    <a:p>
+                      <a:r>
+                        <a:rPr lang="es-MX" dirty="0"/>
+                        <a:t>OIL2</a:t>
+                      </a:r>
+                    </a:p>
+                  </a:txBody>
+                  <a:tcPr/>
+                </a:tc>
+                <a:tc>
+                  <a:txBody>
+                    <a:bodyPr/>
+                    <a:lstStyle/>
+                    <a:p>
+                      <a:r>
+                        <a:rPr lang="es-MX" dirty="0"/>
+                        <a:t>OIL3</a:t>
+                      </a:r>
+                    </a:p>
+                  </a:txBody>
+                  <a:tcPr/>
+                </a:tc>
+                <a:extLst>
+                  <a:ext uri="{0D108BD9-81ED-4DB2-BD59-A6C34878D82A}">
+                    <a16:rowId xmlns:a16="http://schemas.microsoft.com/office/drawing/2014/main" val="3011389190"/>
+                  </a:ext>
+                </a:extLst>
+              </a:tr>
+              <a:tr h="370840">
+                <a:tc>
+                  <a:txBody>
+                    <a:bodyPr/>
+                    <a:lstStyle/>
+                    <a:p>
+                      <a:r>
+                        <a:rPr lang="es-MX" dirty="0"/>
+                        <a:t>Enero</a:t>
+                      </a:r>
+                    </a:p>
+                  </a:txBody>
+                  <a:tcPr/>
+                </a:tc>
+                <a:tc>
+                  <a:txBody>
+                    <a:bodyPr/>
+                    <a:lstStyle/>
+                    <a:p>
+                      <a:r>
+                        <a:rPr lang="es-MX" dirty="0"/>
+                        <a:t>110</a:t>
+                      </a:r>
+                    </a:p>
+                  </a:txBody>
+                  <a:tcPr/>
+                </a:tc>
+                <a:tc>
+                  <a:txBody>
+                    <a:bodyPr/>
+                    <a:lstStyle/>
+                    <a:p>
+                      <a:r>
+                        <a:rPr lang="es-MX" dirty="0"/>
+                        <a:t>120</a:t>
+                      </a:r>
+                    </a:p>
+                  </a:txBody>
+                  <a:tcPr/>
+                </a:tc>
+                <a:tc>
+                  <a:txBody>
+                    <a:bodyPr/>
+                    <a:lstStyle/>
+                    <a:p>
+                      <a:r>
+                        <a:rPr lang="es-MX" dirty="0"/>
+                        <a:t>130</a:t>
+                      </a:r>
+                    </a:p>
+                  </a:txBody>
+                  <a:tcPr/>
+                </a:tc>
+                <a:tc>
+                  <a:txBody>
+                    <a:bodyPr/>
+                    <a:lstStyle/>
+                    <a:p>
+                      <a:r>
+                        <a:rPr lang="es-MX" dirty="0"/>
+                        <a:t>110</a:t>
+                      </a:r>
+                    </a:p>
+                  </a:txBody>
+                  <a:tcPr/>
+                </a:tc>
+                <a:tc>
+                  <a:txBody>
+                    <a:bodyPr/>
+                    <a:lstStyle/>
+                    <a:p>
+                      <a:r>
+                        <a:rPr lang="es-MX" dirty="0"/>
+                        <a:t>115</a:t>
+                      </a:r>
+                    </a:p>
+                  </a:txBody>
+                  <a:tcPr/>
+                </a:tc>
+                <a:extLst>
+                  <a:ext uri="{0D108BD9-81ED-4DB2-BD59-A6C34878D82A}">
+                    <a16:rowId xmlns:a16="http://schemas.microsoft.com/office/drawing/2014/main" val="2676421615"/>
+                  </a:ext>
+                </a:extLst>
+              </a:tr>
+            </a:tbl>
+          </a:graphicData>
+        </a:graphic>
+      </p:graphicFrame>
+    </p:spTree>
+    <p:extLst>
+      <p:ext uri="{BB962C8B-B14F-4D97-AF65-F5344CB8AC3E}">
+        <p14:creationId xmlns:p14="http://schemas.microsoft.com/office/powerpoint/2010/main" val="38734962"/>
+      </p:ext>
+    </p:extLst>
+  </p:cSld>
+  <p:clrMapOvr>
+    <a:masterClrMapping/>
+  </p:clrMapOvr>
+</p:sld>
+</file>
+
+<file path=ppt/slides/slide4.xml><?xml version="1.0" encoding="utf-8"?>
+<p:sld xmlns:a="http://schemas.openxmlformats.org/drawingml/2006/main" xmlns:r="http://schemas.openxmlformats.org/officeDocument/2006/relationships" xmlns:p="http://schemas.openxmlformats.org/presentationml/2006/main">
+  <p:cSld>
+    <p:spTree>
+      <p:nvGrpSpPr>
+        <p:cNvPr id="1" name=""/>
+        <p:cNvGrpSpPr/>
+        <p:nvPr/>
+      </p:nvGrpSpPr>
+      <p:grpSpPr>
+        <a:xfrm>
+          <a:off x="0" y="0"/>
+          <a:ext cx="0" cy="0"/>
+          <a:chOff x="0" y="0"/>
+          <a:chExt cx="0" cy="0"/>
+        </a:xfrm>
+      </p:grpSpPr>
+      <p:sp>
+        <p:nvSpPr>
+          <p:cNvPr id="2" name="Título 1">
+            <a:extLst>
+              <a:ext uri="{FF2B5EF4-FFF2-40B4-BE49-F238E27FC236}">
+                <a16:creationId xmlns:a16="http://schemas.microsoft.com/office/drawing/2014/main" id="{367629FC-5BF2-4D20-985D-2BDE7C28DC88}"/>
+              </a:ext>
+            </a:extLst>
+          </p:cNvPr>
+          <p:cNvSpPr>
+            <a:spLocks noGrp="1"/>
+          </p:cNvSpPr>
+          <p:nvPr>
+            <p:ph type="title"/>
+          </p:nvPr>
+        </p:nvSpPr>
+        <p:spPr/>
+        <p:txBody>
+          <a:bodyPr/>
+          <a:lstStyle/>
+          <a:p>
+            <a:r>
+              <a:rPr lang="es-MX" dirty="0"/>
+              <a:t>Continuación…</a:t>
+            </a:r>
+          </a:p>
+        </p:txBody>
+      </p:sp>
+      <p:sp>
+        <p:nvSpPr>
+          <p:cNvPr id="3" name="Marcador de contenido 2">
+            <a:extLst>
+              <a:ext uri="{FF2B5EF4-FFF2-40B4-BE49-F238E27FC236}">
+                <a16:creationId xmlns:a16="http://schemas.microsoft.com/office/drawing/2014/main" id="{2A489509-C635-408E-951C-B476A2A2CD9C}"/>
+              </a:ext>
+            </a:extLst>
+          </p:cNvPr>
+          <p:cNvSpPr>
+            <a:spLocks noGrp="1"/>
+          </p:cNvSpPr>
+          <p:nvPr>
+            <p:ph idx="1"/>
+          </p:nvPr>
+        </p:nvSpPr>
+        <p:spPr/>
+        <p:txBody>
+          <a:bodyPr>
+            <a:normAutofit/>
+          </a:bodyPr>
+          <a:lstStyle/>
+          <a:p>
+            <a:r>
+              <a:rPr lang="es-MX" sz="1600" dirty="0"/>
+              <a:t>Los alimentos fabricados con Aceites Vegetales y Aceites No Vegetales requieren diferentes líneas de producción para refinarse. En cualquier mes no es posible refinar más de 200 toneladas de Aceites Vegetales y más de 250 toneladas de Aceites No Vegetales. Hay una restricción de su dureza, su valor deberá encontrarse entre 3 y 6. Al final debemos asegurarnos que el peso del producto final sea igual </a:t>
+            </a:r>
+            <a:r>
+              <a:rPr lang="es-MX" sz="1600"/>
+              <a:t>al peso de </a:t>
+            </a:r>
+            <a:r>
+              <a:rPr lang="es-MX" sz="1600" dirty="0"/>
+              <a:t>los ingredientes del producto.</a:t>
+            </a:r>
+          </a:p>
+          <a:p>
+            <a:r>
+              <a:rPr lang="es-MX" sz="1600" dirty="0"/>
+              <a:t>Datos de dureza dados por el problema:</a:t>
+            </a:r>
+          </a:p>
+          <a:p>
+            <a:r>
+              <a:rPr lang="es-MX" sz="1600" dirty="0"/>
+              <a:t>Debido al texto anterior,  sugerimos las siguientes restricciones:</a:t>
+            </a:r>
+          </a:p>
+          <a:p>
+            <a:pPr marL="0" indent="0">
+              <a:buNone/>
+            </a:pPr>
+            <a:endParaRPr lang="es-MX" dirty="0"/>
+          </a:p>
+          <a:p>
+            <a:endParaRPr lang="es-MX" dirty="0"/>
+          </a:p>
+          <a:p>
+            <a:endParaRPr lang="es-MX" dirty="0"/>
+          </a:p>
+        </p:txBody>
+      </p:sp>
+      <p:pic>
+        <p:nvPicPr>
+          <p:cNvPr id="6" name="Imagen 5">
+            <a:extLst>
+              <a:ext uri="{FF2B5EF4-FFF2-40B4-BE49-F238E27FC236}">
+                <a16:creationId xmlns:a16="http://schemas.microsoft.com/office/drawing/2014/main" id="{A7CD3364-1949-4093-B134-DDE1AFC05416}"/>
+              </a:ext>
+            </a:extLst>
+          </p:cNvPr>
+          <p:cNvPicPr>
+            <a:picLocks noChangeAspect="1"/>
+          </p:cNvPicPr>
+          <p:nvPr/>
+        </p:nvPicPr>
+        <p:blipFill>
+          <a:blip r:embed="rId2"/>
+          <a:stretch>
+            <a:fillRect/>
+          </a:stretch>
+        </p:blipFill>
+        <p:spPr>
+          <a:xfrm>
+            <a:off x="1756021" y="4403244"/>
+            <a:ext cx="2838450" cy="1143000"/>
+          </a:xfrm>
+          <a:prstGeom prst="rect">
+            <a:avLst/>
+          </a:prstGeom>
+        </p:spPr>
+      </p:pic>
+      <p:graphicFrame>
+        <p:nvGraphicFramePr>
+          <p:cNvPr id="8" name="Tabla 7">
+            <a:extLst>
+              <a:ext uri="{FF2B5EF4-FFF2-40B4-BE49-F238E27FC236}">
+                <a16:creationId xmlns:a16="http://schemas.microsoft.com/office/drawing/2014/main" id="{FCFDF168-9DF2-411A-A1F2-21DCC01C0CF6}"/>
+              </a:ext>
+            </a:extLst>
+          </p:cNvPr>
+          <p:cNvGraphicFramePr>
+            <a:graphicFrameLocks noGrp="1"/>
+          </p:cNvGraphicFramePr>
+          <p:nvPr>
+            <p:extLst>
+              <p:ext uri="{D42A27DB-BD31-4B8C-83A1-F6EECF244321}">
+                <p14:modId xmlns:p14="http://schemas.microsoft.com/office/powerpoint/2010/main" val="853793305"/>
+              </p:ext>
+            </p:extLst>
+          </p:nvPr>
+        </p:nvGraphicFramePr>
+        <p:xfrm>
+          <a:off x="9526908" y="3556583"/>
+          <a:ext cx="1527946" cy="1869225"/>
+        </p:xfrm>
+        <a:graphic>
+          <a:graphicData uri="http://schemas.openxmlformats.org/drawingml/2006/table">
+            <a:tbl>
+              <a:tblPr firstRow="1" bandRow="1">
+                <a:tableStyleId>{5940675A-B579-460E-94D1-54222C63F5DA}</a:tableStyleId>
+              </a:tblPr>
+              <a:tblGrid>
+                <a:gridCol w="763973">
+                  <a:extLst>
+                    <a:ext uri="{9D8B030D-6E8A-4147-A177-3AD203B41FA5}">
+                      <a16:colId xmlns:a16="http://schemas.microsoft.com/office/drawing/2014/main" val="3717519052"/>
+                    </a:ext>
+                  </a:extLst>
+                </a:gridCol>
+                <a:gridCol w="763973">
+                  <a:extLst>
+                    <a:ext uri="{9D8B030D-6E8A-4147-A177-3AD203B41FA5}">
+                      <a16:colId xmlns:a16="http://schemas.microsoft.com/office/drawing/2014/main" val="3447429820"/>
+                    </a:ext>
+                  </a:extLst>
+                </a:gridCol>
+              </a:tblGrid>
+              <a:tr h="406185">
+                <a:tc>
+                  <a:txBody>
+                    <a:bodyPr/>
+                    <a:lstStyle/>
+                    <a:p>
+                      <a:r>
+                        <a:rPr lang="es-MX" dirty="0"/>
+                        <a:t>VEG1</a:t>
+                      </a:r>
+                    </a:p>
+                  </a:txBody>
+                  <a:tcPr/>
+                </a:tc>
+                <a:tc>
+                  <a:txBody>
+                    <a:bodyPr/>
+                    <a:lstStyle/>
+                    <a:p>
+                      <a:r>
+                        <a:rPr lang="es-MX" dirty="0"/>
+                        <a:t>8.8</a:t>
+                      </a:r>
+                    </a:p>
+                  </a:txBody>
+                  <a:tcPr/>
+                </a:tc>
+                <a:extLst>
+                  <a:ext uri="{0D108BD9-81ED-4DB2-BD59-A6C34878D82A}">
+                    <a16:rowId xmlns:a16="http://schemas.microsoft.com/office/drawing/2014/main" val="2851463014"/>
+                  </a:ext>
+                </a:extLst>
+              </a:tr>
+              <a:tr h="294351">
+                <a:tc>
+                  <a:txBody>
+                    <a:bodyPr/>
+                    <a:lstStyle/>
+                    <a:p>
+                      <a:r>
+                        <a:rPr lang="es-MX" dirty="0"/>
+                        <a:t>VEG2</a:t>
+                      </a:r>
+                    </a:p>
+                  </a:txBody>
+                  <a:tcPr/>
+                </a:tc>
+                <a:tc>
+                  <a:txBody>
+                    <a:bodyPr/>
+                    <a:lstStyle/>
+                    <a:p>
+                      <a:r>
+                        <a:rPr lang="es-MX" dirty="0"/>
+                        <a:t>6.1</a:t>
+                      </a:r>
+                    </a:p>
+                  </a:txBody>
+                  <a:tcPr/>
+                </a:tc>
+                <a:extLst>
+                  <a:ext uri="{0D108BD9-81ED-4DB2-BD59-A6C34878D82A}">
+                    <a16:rowId xmlns:a16="http://schemas.microsoft.com/office/drawing/2014/main" val="2646091331"/>
+                  </a:ext>
+                </a:extLst>
+              </a:tr>
+              <a:tr h="294351">
+                <a:tc>
+                  <a:txBody>
+                    <a:bodyPr/>
+                    <a:lstStyle/>
+                    <a:p>
+                      <a:r>
+                        <a:rPr lang="es-MX" dirty="0"/>
+                        <a:t>OIL1</a:t>
+                      </a:r>
+                    </a:p>
+                  </a:txBody>
+                  <a:tcPr/>
+                </a:tc>
+                <a:tc>
+                  <a:txBody>
+                    <a:bodyPr/>
+                    <a:lstStyle/>
+                    <a:p>
+                      <a:r>
+                        <a:rPr lang="es-MX" dirty="0"/>
+                        <a:t>2</a:t>
+                      </a:r>
+                    </a:p>
+                  </a:txBody>
+                  <a:tcPr/>
+                </a:tc>
+                <a:extLst>
+                  <a:ext uri="{0D108BD9-81ED-4DB2-BD59-A6C34878D82A}">
+                    <a16:rowId xmlns:a16="http://schemas.microsoft.com/office/drawing/2014/main" val="4292597463"/>
+                  </a:ext>
+                </a:extLst>
+              </a:tr>
+              <a:tr h="294351">
+                <a:tc>
+                  <a:txBody>
+                    <a:bodyPr/>
+                    <a:lstStyle/>
+                    <a:p>
+                      <a:r>
+                        <a:rPr lang="es-MX" dirty="0"/>
+                        <a:t>OIL2</a:t>
+                      </a:r>
+                    </a:p>
+                  </a:txBody>
+                  <a:tcPr/>
+                </a:tc>
+                <a:tc>
+                  <a:txBody>
+                    <a:bodyPr/>
+                    <a:lstStyle/>
+                    <a:p>
+                      <a:r>
+                        <a:rPr lang="es-MX" dirty="0"/>
+                        <a:t>4.2</a:t>
+                      </a:r>
+                    </a:p>
+                  </a:txBody>
+                  <a:tcPr/>
+                </a:tc>
+                <a:extLst>
+                  <a:ext uri="{0D108BD9-81ED-4DB2-BD59-A6C34878D82A}">
+                    <a16:rowId xmlns:a16="http://schemas.microsoft.com/office/drawing/2014/main" val="3232330338"/>
+                  </a:ext>
+                </a:extLst>
+              </a:tr>
+              <a:tr h="294351">
+                <a:tc>
+                  <a:txBody>
+                    <a:bodyPr/>
+                    <a:lstStyle/>
+                    <a:p>
+                      <a:r>
+                        <a:rPr lang="es-MX" dirty="0"/>
+                        <a:t>OIL3</a:t>
+                      </a:r>
+                    </a:p>
+                  </a:txBody>
+                  <a:tcPr/>
+                </a:tc>
+                <a:tc>
+                  <a:txBody>
+                    <a:bodyPr/>
+                    <a:lstStyle/>
+                    <a:p>
+                      <a:r>
+                        <a:rPr lang="es-MX" dirty="0"/>
+                        <a:t>5</a:t>
+                      </a:r>
+                    </a:p>
+                  </a:txBody>
+                  <a:tcPr/>
+                </a:tc>
+                <a:extLst>
+                  <a:ext uri="{0D108BD9-81ED-4DB2-BD59-A6C34878D82A}">
+                    <a16:rowId xmlns:a16="http://schemas.microsoft.com/office/drawing/2014/main" val="309827510"/>
+                  </a:ext>
+                </a:extLst>
+              </a:tr>
+            </a:tbl>
+          </a:graphicData>
+        </a:graphic>
+      </p:graphicFrame>
+      <p:cxnSp>
+        <p:nvCxnSpPr>
+          <p:cNvPr id="10" name="Conector recto de flecha 9">
+            <a:extLst>
+              <a:ext uri="{FF2B5EF4-FFF2-40B4-BE49-F238E27FC236}">
+                <a16:creationId xmlns:a16="http://schemas.microsoft.com/office/drawing/2014/main" id="{1385F9E0-605D-40D8-B3F5-DFAF996DF9B4}"/>
+              </a:ext>
+            </a:extLst>
+          </p:cNvPr>
+          <p:cNvCxnSpPr>
+            <a:cxnSpLocks/>
+          </p:cNvCxnSpPr>
+          <p:nvPr/>
+        </p:nvCxnSpPr>
+        <p:spPr>
+          <a:xfrm>
+            <a:off x="5246703" y="3799643"/>
+            <a:ext cx="4119239" cy="0"/>
+          </a:xfrm>
+          <a:prstGeom prst="straightConnector1">
+            <a:avLst/>
+          </a:prstGeom>
+          <a:ln>
+            <a:tailEnd type="triangle"/>
+          </a:ln>
+        </p:spPr>
+        <p:style>
+          <a:lnRef idx="1">
+            <a:schemeClr val="accent1"/>
+          </a:lnRef>
+          <a:fillRef idx="0">
+            <a:schemeClr val="accent1"/>
+          </a:fillRef>
+          <a:effectRef idx="0">
+            <a:schemeClr val="accent1"/>
+          </a:effectRef>
+          <a:fontRef idx="minor">
+            <a:schemeClr val="tx1"/>
+          </a:fontRef>
+        </p:style>
+      </p:cxnSp>
+    </p:spTree>
+    <p:extLst>
+      <p:ext uri="{BB962C8B-B14F-4D97-AF65-F5344CB8AC3E}">
+        <p14:creationId xmlns:p14="http://schemas.microsoft.com/office/powerpoint/2010/main" val="748067722"/>
+      </p:ext>
+    </p:extLst>
+  </p:cSld>
+  <p:clrMapOvr>
+    <a:masterClrMapping/>
+  </p:clrMapOvr>
+</p:sld>
+</file>
+
+<file path=ppt/slides/slide5.xml><?xml version="1.0" encoding="utf-8"?>
+<p:sld xmlns:a="http://schemas.openxmlformats.org/drawingml/2006/main" xmlns:r="http://schemas.openxmlformats.org/officeDocument/2006/relationships" xmlns:p="http://schemas.openxmlformats.org/presentationml/2006/main">
+  <p:cSld>
+    <p:spTree>
+      <p:nvGrpSpPr>
+        <p:cNvPr id="1" name=""/>
+        <p:cNvGrpSpPr/>
+        <p:nvPr/>
+      </p:nvGrpSpPr>
+      <p:grpSpPr>
+        <a:xfrm>
+          <a:off x="0" y="0"/>
+          <a:ext cx="0" cy="0"/>
+          <a:chOff x="0" y="0"/>
+          <a:chExt cx="0" cy="0"/>
+        </a:xfrm>
+      </p:grpSpPr>
+      <p:sp>
+        <p:nvSpPr>
+          <p:cNvPr id="2" name="Título 1">
+            <a:extLst>
+              <a:ext uri="{FF2B5EF4-FFF2-40B4-BE49-F238E27FC236}">
+                <a16:creationId xmlns:a16="http://schemas.microsoft.com/office/drawing/2014/main" id="{E401F9AB-810F-48D1-A89D-67D7EC22DFAB}"/>
+              </a:ext>
+            </a:extLst>
+          </p:cNvPr>
+          <p:cNvSpPr>
+            <a:spLocks noGrp="1"/>
+          </p:cNvSpPr>
+          <p:nvPr>
+            <p:ph type="title"/>
+          </p:nvPr>
+        </p:nvSpPr>
+        <p:spPr/>
+        <p:txBody>
+          <a:bodyPr/>
+          <a:lstStyle/>
+          <a:p>
+            <a:r>
+              <a:rPr lang="es-MX" dirty="0"/>
+              <a:t>código</a:t>
+            </a:r>
+          </a:p>
+        </p:txBody>
+      </p:sp>
+      <p:sp>
+        <p:nvSpPr>
+          <p:cNvPr id="3" name="Marcador de contenido 2">
+            <a:extLst>
+              <a:ext uri="{FF2B5EF4-FFF2-40B4-BE49-F238E27FC236}">
+                <a16:creationId xmlns:a16="http://schemas.microsoft.com/office/drawing/2014/main" id="{18EA4234-EAA0-4C10-8F87-9EFC409E6C6C}"/>
+              </a:ext>
+            </a:extLst>
+          </p:cNvPr>
+          <p:cNvSpPr>
+            <a:spLocks noGrp="1"/>
+          </p:cNvSpPr>
+          <p:nvPr>
+            <p:ph idx="1"/>
+          </p:nvPr>
+        </p:nvSpPr>
+        <p:spPr/>
+        <p:txBody>
+          <a:bodyPr/>
+          <a:lstStyle/>
+          <a:p>
+            <a:pPr>
+              <a:buFont typeface="Wingdings" panose="05000000000000000000" pitchFamily="2" charset="2"/>
+              <a:buChar char="Ø"/>
+            </a:pPr>
+            <a:endParaRPr lang="es-MX" dirty="0"/>
+          </a:p>
+          <a:p>
+            <a:pPr>
+              <a:buFont typeface="Wingdings" panose="05000000000000000000" pitchFamily="2" charset="2"/>
+              <a:buChar char="Ø"/>
+            </a:pPr>
+            <a:r>
+              <a:rPr lang="es-MX" dirty="0"/>
+              <a:t>Importamos </a:t>
+            </a:r>
+            <a:r>
+              <a:rPr lang="es-MX" dirty="0" err="1"/>
+              <a:t>numpy</a:t>
+            </a:r>
+            <a:r>
+              <a:rPr lang="es-MX" dirty="0"/>
+              <a:t>, </a:t>
+            </a:r>
+            <a:r>
+              <a:rPr lang="es-MX" dirty="0" err="1"/>
+              <a:t>scipy</a:t>
+            </a:r>
+            <a:r>
+              <a:rPr lang="es-MX" dirty="0"/>
+              <a:t>, y </a:t>
+            </a:r>
+            <a:r>
+              <a:rPr lang="es-MX" dirty="0" err="1"/>
+              <a:t>matplotlib</a:t>
+            </a:r>
+            <a:r>
+              <a:rPr lang="es-MX" dirty="0"/>
+              <a:t> para poder resolver el </a:t>
+            </a:r>
+            <a:r>
+              <a:rPr lang="es-MX" dirty="0" err="1"/>
+              <a:t>probelam</a:t>
+            </a:r>
+            <a:r>
+              <a:rPr lang="es-MX" dirty="0"/>
+              <a:t> con Python.</a:t>
+            </a:r>
+          </a:p>
+          <a:p>
+            <a:r>
+              <a:rPr lang="es-MX" sz="1400" i="1" dirty="0" err="1"/>
+              <a:t>import</a:t>
+            </a:r>
+            <a:r>
+              <a:rPr lang="es-MX" sz="1400" i="1" dirty="0"/>
+              <a:t> </a:t>
+            </a:r>
+            <a:r>
+              <a:rPr lang="es-MX" sz="1400" i="1" dirty="0" err="1"/>
+              <a:t>numpy</a:t>
+            </a:r>
+            <a:r>
+              <a:rPr lang="es-MX" sz="1400" i="1" dirty="0"/>
+              <a:t> as </a:t>
+            </a:r>
+            <a:r>
+              <a:rPr lang="es-MX" sz="1400" i="1" dirty="0" err="1"/>
+              <a:t>np</a:t>
+            </a:r>
+            <a:endParaRPr lang="es-MX" sz="1400" i="1" dirty="0"/>
+          </a:p>
+          <a:p>
+            <a:r>
+              <a:rPr lang="es-MX" sz="1400" i="1" dirty="0" err="1"/>
+              <a:t>import</a:t>
+            </a:r>
+            <a:r>
+              <a:rPr lang="es-MX" sz="1400" i="1" dirty="0"/>
+              <a:t> </a:t>
+            </a:r>
+            <a:r>
+              <a:rPr lang="es-MX" sz="1400" i="1" dirty="0" err="1"/>
+              <a:t>scipy.optimize</a:t>
+            </a:r>
+            <a:r>
+              <a:rPr lang="es-MX" sz="1400" i="1" dirty="0"/>
+              <a:t> as </a:t>
+            </a:r>
+            <a:r>
+              <a:rPr lang="es-MX" sz="1400" i="1" dirty="0" err="1"/>
+              <a:t>opt</a:t>
+            </a:r>
+            <a:endParaRPr lang="es-MX" sz="1400" i="1" dirty="0"/>
+          </a:p>
+          <a:p>
+            <a:r>
+              <a:rPr lang="es-MX" sz="1400" i="1" dirty="0" err="1"/>
+              <a:t>import</a:t>
+            </a:r>
+            <a:r>
+              <a:rPr lang="es-MX" sz="1400" i="1" dirty="0"/>
+              <a:t> </a:t>
+            </a:r>
+            <a:r>
+              <a:rPr lang="es-MX" sz="1400" i="1" dirty="0" err="1"/>
+              <a:t>matplotlib.pyplot</a:t>
+            </a:r>
+            <a:r>
+              <a:rPr lang="es-MX" sz="1400" i="1" dirty="0"/>
+              <a:t> as </a:t>
+            </a:r>
+            <a:r>
+              <a:rPr lang="es-MX" sz="1400" i="1" dirty="0" err="1"/>
+              <a:t>plt</a:t>
+            </a:r>
+            <a:endParaRPr lang="es-MX" sz="1400" i="1" dirty="0"/>
+          </a:p>
+          <a:p>
+            <a:r>
+              <a:rPr lang="es-MX" sz="1400" i="1" dirty="0"/>
+              <a:t>%</a:t>
+            </a:r>
+            <a:r>
+              <a:rPr lang="es-MX" sz="1400" i="1" dirty="0" err="1"/>
+              <a:t>matplotlib</a:t>
+            </a:r>
+            <a:r>
+              <a:rPr lang="es-MX" sz="1400" i="1" dirty="0"/>
+              <a:t> </a:t>
+            </a:r>
+            <a:r>
+              <a:rPr lang="es-MX" sz="1400" i="1" dirty="0" err="1"/>
+              <a:t>inline</a:t>
+            </a:r>
+            <a:endParaRPr lang="es-MX" sz="1400" i="1" dirty="0"/>
+          </a:p>
+        </p:txBody>
+      </p:sp>
+    </p:spTree>
+    <p:extLst>
+      <p:ext uri="{BB962C8B-B14F-4D97-AF65-F5344CB8AC3E}">
+        <p14:creationId xmlns:p14="http://schemas.microsoft.com/office/powerpoint/2010/main" val="2566445455"/>
+      </p:ext>
+    </p:extLst>
+  </p:cSld>
+  <p:clrMapOvr>
+    <a:masterClrMapping/>
+  </p:clrMapOvr>
+</p:sld>
+</file>
+
+<file path=ppt/slides/slide6.xml><?xml version="1.0" encoding="utf-8"?>
+<p:sld xmlns:a="http://schemas.openxmlformats.org/drawingml/2006/main" xmlns:r="http://schemas.openxmlformats.org/officeDocument/2006/relationships" xmlns:p="http://schemas.openxmlformats.org/presentationml/2006/main">
+  <p:cSld>
+    <p:spTree>
+      <p:nvGrpSpPr>
+        <p:cNvPr id="1" name=""/>
+        <p:cNvGrpSpPr/>
+        <p:nvPr/>
+      </p:nvGrpSpPr>
+      <p:grpSpPr>
+        <a:xfrm>
+          <a:off x="0" y="0"/>
+          <a:ext cx="0" cy="0"/>
+          <a:chOff x="0" y="0"/>
+          <a:chExt cx="0" cy="0"/>
+        </a:xfrm>
+      </p:grpSpPr>
+      <p:sp>
+        <p:nvSpPr>
+          <p:cNvPr id="2" name="Título 1">
+            <a:extLst>
+              <a:ext uri="{FF2B5EF4-FFF2-40B4-BE49-F238E27FC236}">
+                <a16:creationId xmlns:a16="http://schemas.microsoft.com/office/drawing/2014/main" id="{284A726C-C990-4F15-BA43-51BF64B12CB6}"/>
+              </a:ext>
+            </a:extLst>
+          </p:cNvPr>
+          <p:cNvSpPr>
+            <a:spLocks noGrp="1"/>
+          </p:cNvSpPr>
+          <p:nvPr>
+            <p:ph type="title"/>
+          </p:nvPr>
+        </p:nvSpPr>
+        <p:spPr/>
+        <p:txBody>
+          <a:bodyPr/>
+          <a:lstStyle/>
+          <a:p>
+            <a:r>
+              <a:rPr lang="es-MX" dirty="0"/>
+              <a:t>Continuación código</a:t>
+            </a:r>
+          </a:p>
+        </p:txBody>
+      </p:sp>
+      <p:sp>
+        <p:nvSpPr>
+          <p:cNvPr id="3" name="Marcador de contenido 2">
+            <a:extLst>
+              <a:ext uri="{FF2B5EF4-FFF2-40B4-BE49-F238E27FC236}">
+                <a16:creationId xmlns:a16="http://schemas.microsoft.com/office/drawing/2014/main" id="{1D999922-A1CD-41A1-B9A4-98875778D1CF}"/>
+              </a:ext>
+            </a:extLst>
+          </p:cNvPr>
+          <p:cNvSpPr>
+            <a:spLocks noGrp="1"/>
+          </p:cNvSpPr>
+          <p:nvPr>
+            <p:ph idx="1"/>
+          </p:nvPr>
+        </p:nvSpPr>
+        <p:spPr/>
+        <p:txBody>
+          <a:bodyPr>
+            <a:normAutofit/>
+          </a:bodyPr>
+          <a:lstStyle/>
+          <a:p>
+            <a:pPr>
+              <a:buFont typeface="Wingdings" panose="05000000000000000000" pitchFamily="2" charset="2"/>
+              <a:buChar char="Ø"/>
+            </a:pPr>
+            <a:r>
+              <a:rPr lang="es-MX" sz="1800" dirty="0"/>
+              <a:t>Se planteo la función de costo o objetivo, así como las matrices tanto de desigualdades como de igualdad.</a:t>
+            </a:r>
+          </a:p>
+          <a:p>
+            <a:r>
+              <a:rPr lang="es-MX" sz="1400" i="1" dirty="0"/>
+              <a:t>c = -</a:t>
+            </a:r>
+            <a:r>
+              <a:rPr lang="es-MX" sz="1400" i="1" dirty="0" err="1"/>
+              <a:t>np.array</a:t>
+            </a:r>
+            <a:r>
+              <a:rPr lang="es-MX" sz="1400" i="1" dirty="0"/>
+              <a:t>([100,120,130,110,115])</a:t>
+            </a:r>
+          </a:p>
+          <a:p>
+            <a:r>
+              <a:rPr lang="es-MX" sz="1400" i="1" dirty="0" err="1"/>
+              <a:t>A_ub</a:t>
+            </a:r>
+            <a:r>
+              <a:rPr lang="es-MX" sz="1400" i="1" dirty="0"/>
+              <a:t> = </a:t>
+            </a:r>
+            <a:r>
+              <a:rPr lang="es-MX" sz="1400" i="1" dirty="0" err="1"/>
+              <a:t>np.array</a:t>
+            </a:r>
+            <a:r>
+              <a:rPr lang="es-MX" sz="1400" i="1" dirty="0"/>
+              <a:t>([[1,1,0,0,0],[0,0,1,1,1],[8.8,6.1,2,4.2,5],[-8.8,-6.1,-2,-4.2,-5]])</a:t>
+            </a:r>
+          </a:p>
+          <a:p>
+            <a:r>
+              <a:rPr lang="es-MX" sz="1400" i="1" dirty="0" err="1"/>
+              <a:t>b_ub</a:t>
+            </a:r>
+            <a:r>
+              <a:rPr lang="es-MX" sz="1400" i="1" dirty="0"/>
+              <a:t> = </a:t>
+            </a:r>
+            <a:r>
+              <a:rPr lang="es-MX" sz="1400" i="1" dirty="0" err="1"/>
+              <a:t>np.array</a:t>
+            </a:r>
+            <a:r>
+              <a:rPr lang="es-MX" sz="1400" i="1" dirty="0"/>
+              <a:t>([200,250,6,-3,])</a:t>
+            </a:r>
+          </a:p>
+          <a:p>
+            <a:r>
+              <a:rPr lang="es-MX" sz="1400" i="1" dirty="0" err="1"/>
+              <a:t>A_eq</a:t>
+            </a:r>
+            <a:r>
+              <a:rPr lang="es-MX" sz="1400" i="1" dirty="0"/>
+              <a:t> = </a:t>
+            </a:r>
+            <a:r>
+              <a:rPr lang="es-MX" sz="1400" i="1" dirty="0" err="1"/>
+              <a:t>np.array</a:t>
+            </a:r>
+            <a:r>
+              <a:rPr lang="es-MX" sz="1400" i="1" dirty="0"/>
+              <a:t>([[1,1,1,1,1]])</a:t>
+            </a:r>
+          </a:p>
+          <a:p>
+            <a:r>
+              <a:rPr lang="es-MX" sz="1400" i="1" dirty="0" err="1"/>
+              <a:t>b_eq</a:t>
+            </a:r>
+            <a:r>
+              <a:rPr lang="es-MX" sz="1400" i="1" dirty="0"/>
+              <a:t> = </a:t>
+            </a:r>
+            <a:r>
+              <a:rPr lang="es-MX" sz="1400" i="1" dirty="0" err="1"/>
+              <a:t>np.array</a:t>
+            </a:r>
+            <a:r>
+              <a:rPr lang="es-MX" sz="1400" i="1" dirty="0"/>
+              <a:t>([1])</a:t>
+            </a:r>
+          </a:p>
+        </p:txBody>
+      </p:sp>
+    </p:spTree>
+    <p:extLst>
+      <p:ext uri="{BB962C8B-B14F-4D97-AF65-F5344CB8AC3E}">
+        <p14:creationId xmlns:p14="http://schemas.microsoft.com/office/powerpoint/2010/main" val="3667737633"/>
+      </p:ext>
+    </p:extLst>
+  </p:cSld>
+  <p:clrMapOvr>
+    <a:masterClrMapping/>
+  </p:clrMapOvr>
+</p:sld>
+</file>
+
+<file path=ppt/slides/slide7.xml><?xml version="1.0" encoding="utf-8"?>
+<p:sld xmlns:a="http://schemas.openxmlformats.org/drawingml/2006/main" xmlns:r="http://schemas.openxmlformats.org/officeDocument/2006/relationships" xmlns:p="http://schemas.openxmlformats.org/presentationml/2006/main">
+  <p:cSld>
+    <p:spTree>
+      <p:nvGrpSpPr>
+        <p:cNvPr id="1" name=""/>
+        <p:cNvGrpSpPr/>
+        <p:nvPr/>
+      </p:nvGrpSpPr>
+      <p:grpSpPr>
+        <a:xfrm>
+          <a:off x="0" y="0"/>
+          <a:ext cx="0" cy="0"/>
+          <a:chOff x="0" y="0"/>
+          <a:chExt cx="0" cy="0"/>
+        </a:xfrm>
+      </p:grpSpPr>
+      <p:sp>
+        <p:nvSpPr>
+          <p:cNvPr id="2" name="Título 1">
+            <a:extLst>
+              <a:ext uri="{FF2B5EF4-FFF2-40B4-BE49-F238E27FC236}">
+                <a16:creationId xmlns:a16="http://schemas.microsoft.com/office/drawing/2014/main" id="{C24CFFAD-A1B1-4420-BA20-08410BB89ED0}"/>
+              </a:ext>
+            </a:extLst>
+          </p:cNvPr>
+          <p:cNvSpPr>
+            <a:spLocks noGrp="1"/>
+          </p:cNvSpPr>
+          <p:nvPr>
+            <p:ph type="title"/>
+          </p:nvPr>
+        </p:nvSpPr>
+        <p:spPr/>
+        <p:txBody>
+          <a:bodyPr/>
+          <a:lstStyle/>
+          <a:p>
+            <a:r>
+              <a:rPr lang="es-MX" dirty="0"/>
+              <a:t>Continuación código</a:t>
+            </a:r>
+          </a:p>
+        </p:txBody>
+      </p:sp>
+      <p:sp>
+        <p:nvSpPr>
+          <p:cNvPr id="3" name="Marcador de contenido 2">
+            <a:extLst>
+              <a:ext uri="{FF2B5EF4-FFF2-40B4-BE49-F238E27FC236}">
+                <a16:creationId xmlns:a16="http://schemas.microsoft.com/office/drawing/2014/main" id="{FDDE6E6A-6063-4263-A0E6-5E1F69FD3991}"/>
+              </a:ext>
+            </a:extLst>
+          </p:cNvPr>
+          <p:cNvSpPr>
+            <a:spLocks noGrp="1"/>
+          </p:cNvSpPr>
+          <p:nvPr>
+            <p:ph idx="1"/>
+          </p:nvPr>
+        </p:nvSpPr>
+        <p:spPr/>
+        <p:txBody>
+          <a:bodyPr/>
+          <a:lstStyle/>
+          <a:p>
+            <a:r>
+              <a:rPr lang="es-MX" dirty="0"/>
+              <a:t>Utilizamos la herramienta </a:t>
+            </a:r>
+            <a:r>
+              <a:rPr lang="es-MX" dirty="0" err="1"/>
+              <a:t>linprog</a:t>
+            </a:r>
+            <a:r>
+              <a:rPr lang="es-MX" dirty="0"/>
+              <a:t> para obtener los siguientes resultados:</a:t>
+            </a:r>
+          </a:p>
+        </p:txBody>
+      </p:sp>
+      <p:pic>
+        <p:nvPicPr>
+          <p:cNvPr id="4" name="Imagen 3">
+            <a:extLst>
+              <a:ext uri="{FF2B5EF4-FFF2-40B4-BE49-F238E27FC236}">
+                <a16:creationId xmlns:a16="http://schemas.microsoft.com/office/drawing/2014/main" id="{FB227480-A001-4335-B836-A9B1B7CF401C}"/>
+              </a:ext>
+            </a:extLst>
+          </p:cNvPr>
+          <p:cNvPicPr>
+            <a:picLocks noChangeAspect="1"/>
+          </p:cNvPicPr>
+          <p:nvPr/>
+        </p:nvPicPr>
+        <p:blipFill>
+          <a:blip r:embed="rId2"/>
+          <a:stretch>
+            <a:fillRect/>
+          </a:stretch>
+        </p:blipFill>
+        <p:spPr>
+          <a:xfrm>
+            <a:off x="1719124" y="2805112"/>
+            <a:ext cx="5753100" cy="1247775"/>
+          </a:xfrm>
+          <a:prstGeom prst="rect">
+            <a:avLst/>
+          </a:prstGeom>
+        </p:spPr>
+      </p:pic>
+    </p:spTree>
+    <p:extLst>
+      <p:ext uri="{BB962C8B-B14F-4D97-AF65-F5344CB8AC3E}">
+        <p14:creationId xmlns:p14="http://schemas.microsoft.com/office/powerpoint/2010/main" val="3920018135"/>
+      </p:ext>
+    </p:extLst>
+  </p:cSld>
+  <p:clrMapOvr>
+    <a:masterClrMapping/>
+  </p:clrMapOvr>
+</p:sld>
+</file>
+
+<file path=ppt/slides/slide8.xml><?xml version="1.0" encoding="utf-8"?>
+<p:sld xmlns:a="http://schemas.openxmlformats.org/drawingml/2006/main" xmlns:r="http://schemas.openxmlformats.org/officeDocument/2006/relationships" xmlns:p="http://schemas.openxmlformats.org/presentationml/2006/main">
+  <p:cSld>
+    <p:spTree>
+      <p:nvGrpSpPr>
+        <p:cNvPr id="1" name=""/>
+        <p:cNvGrpSpPr/>
+        <p:nvPr/>
+      </p:nvGrpSpPr>
+      <p:grpSpPr>
+        <a:xfrm>
+          <a:off x="0" y="0"/>
+          <a:ext cx="0" cy="0"/>
+          <a:chOff x="0" y="0"/>
+          <a:chExt cx="0" cy="0"/>
+        </a:xfrm>
+      </p:grpSpPr>
+      <p:sp>
+        <p:nvSpPr>
+          <p:cNvPr id="2" name="Título 1">
+            <a:extLst>
+              <a:ext uri="{FF2B5EF4-FFF2-40B4-BE49-F238E27FC236}">
+                <a16:creationId xmlns:a16="http://schemas.microsoft.com/office/drawing/2014/main" id="{F37F27A0-16B7-4E37-A9C8-C02CC0543E83}"/>
+              </a:ext>
+            </a:extLst>
+          </p:cNvPr>
+          <p:cNvSpPr>
+            <a:spLocks noGrp="1"/>
+          </p:cNvSpPr>
+          <p:nvPr>
+            <p:ph type="title"/>
+          </p:nvPr>
+        </p:nvSpPr>
+        <p:spPr/>
+        <p:txBody>
+          <a:bodyPr/>
+          <a:lstStyle/>
+          <a:p>
+            <a:r>
+              <a:rPr lang="es-MX" dirty="0"/>
+              <a:t>Conclusiones resultados</a:t>
+            </a:r>
+          </a:p>
+        </p:txBody>
+      </p:sp>
+      <p:sp>
+        <p:nvSpPr>
+          <p:cNvPr id="3" name="Marcador de contenido 2">
+            <a:extLst>
+              <a:ext uri="{FF2B5EF4-FFF2-40B4-BE49-F238E27FC236}">
+                <a16:creationId xmlns:a16="http://schemas.microsoft.com/office/drawing/2014/main" id="{F48C1912-3E9C-473C-AED3-FED3E4248979}"/>
+              </a:ext>
+            </a:extLst>
+          </p:cNvPr>
+          <p:cNvSpPr>
+            <a:spLocks noGrp="1"/>
+          </p:cNvSpPr>
+          <p:nvPr>
+            <p:ph idx="1"/>
+          </p:nvPr>
+        </p:nvSpPr>
+        <p:spPr/>
+        <p:txBody>
+          <a:bodyPr/>
+          <a:lstStyle/>
+          <a:p>
+            <a:r>
+              <a:rPr lang="es-MX" dirty="0"/>
+              <a:t>Pensamos que el algoritmo no es una respuesta optima ya que nos indica el resultado que solo se tendrían que fabricar .243 de VEG2 y .756 de OIL1, mientras que dejaríamos de utilizar los otros componentes que también son necesarios para la fabricación de los alimentos.</a:t>
+            </a:r>
+          </a:p>
+          <a:p>
+            <a:endParaRPr lang="es-MX" dirty="0"/>
+          </a:p>
+          <a:p>
+            <a:r>
+              <a:rPr lang="es-MX" dirty="0"/>
+              <a:t>Fabricando alimentos con los siguientes componentes.243 de VEG2 y .756 de OIL1, tendríamos una ganancia de 127.56($/ton)</a:t>
+            </a:r>
+          </a:p>
+        </p:txBody>
+      </p:sp>
+    </p:spTree>
+    <p:extLst>
+      <p:ext uri="{BB962C8B-B14F-4D97-AF65-F5344CB8AC3E}">
+        <p14:creationId xmlns:p14="http://schemas.microsoft.com/office/powerpoint/2010/main" val="3826928259"/>
+      </p:ext>
+    </p:extLst>
+  </p:cSld>
+  <p:clrMapOvr>
+    <a:masterClrMapping/>
+  </p:clrMapOvr>
+</p:sld>
+</file>
+
 <file path=ppt/theme/theme1.xml><?xml version="1.0" encoding="utf-8"?>
-<a:theme xmlns:a="http://schemas.openxmlformats.org/drawingml/2006/main" name="Tema de Office">
+<a:theme xmlns:a="http://schemas.openxmlformats.org/drawingml/2006/main" name="Galería">
   <a:themeElements>
-    <a:clrScheme name="Office">
+    <a:clrScheme name="Galería">
       <a:dk1>
         <a:sysClr val="windowText" lastClr="000000"/>
       </a:dk1>
@@ -3437,39 +5471,39 @@
         <a:sysClr val="window" lastClr="FFFFFF"/>
       </a:lt1>
       <a:dk2>
-        <a:srgbClr val="44546A"/>
+        <a:srgbClr val="454545"/>
       </a:dk2>
       <a:lt2>
-        <a:srgbClr val="E7E6E6"/>
+        <a:srgbClr val="DFDBD5"/>
       </a:lt2>
       <a:accent1>
-        <a:srgbClr val="4472C4"/>
+        <a:srgbClr val="B71E42"/>
       </a:accent1>
       <a:accent2>
-        <a:srgbClr val="ED7D31"/>
+        <a:srgbClr val="DE478E"/>
       </a:accent2>
       <a:accent3>
-        <a:srgbClr val="A5A5A5"/>
+        <a:srgbClr val="BC72F0"/>
       </a:accent3>
       <a:accent4>
-        <a:srgbClr val="FFC000"/>
+        <a:srgbClr val="795FAF"/>
       </a:accent4>
       <a:accent5>
-        <a:srgbClr val="5B9BD5"/>
+        <a:srgbClr val="586EA6"/>
       </a:accent5>
       <a:accent6>
-        <a:srgbClr val="70AD47"/>
+        <a:srgbClr val="6892A0"/>
       </a:accent6>
       <a:hlink>
-        <a:srgbClr val="0563C1"/>
+        <a:srgbClr val="FA2B5C"/>
       </a:hlink>
       <a:folHlink>
-        <a:srgbClr val="954F72"/>
+        <a:srgbClr val="BC658E"/>
       </a:folHlink>
     </a:clrScheme>
-    <a:fontScheme name="Office">
+    <a:fontScheme name="Galería">
       <a:majorFont>
-        <a:latin typeface="Calibri Light" panose="020F0302020204030204"/>
+        <a:latin typeface="Gill Sans MT" panose="020B0502020104020203"/>
         <a:ea typeface=""/>
         <a:cs typeface=""/>
         <a:font script="Jpan" typeface="游ゴシック Light"/>
@@ -3502,26 +5536,9 @@
         <a:font script="Viet" typeface="Times New Roman"/>
         <a:font script="Uigh" typeface="Microsoft Uighur"/>
         <a:font script="Geor" typeface="Sylfaen"/>
-        <a:font script="Armn" typeface="Arial"/>
-        <a:font script="Bugi" typeface="Leelawadee UI"/>
-        <a:font script="Bopo" typeface="Microsoft JhengHei"/>
-        <a:font script="Java" typeface="Javanese Text"/>
-        <a:font script="Lisu" typeface="Segoe UI"/>
-        <a:font script="Mymr" typeface="Myanmar Text"/>
-        <a:font script="Nkoo" typeface="Ebrima"/>
-        <a:font script="Olck" typeface="Nirmala UI"/>
-        <a:font script="Osma" typeface="Ebrima"/>
-        <a:font script="Phag" typeface="Phagspa"/>
-        <a:font script="Syrn" typeface="Estrangelo Edessa"/>
-        <a:font script="Syrj" typeface="Estrangelo Edessa"/>
-        <a:font script="Syre" typeface="Estrangelo Edessa"/>
-        <a:font script="Sora" typeface="Nirmala UI"/>
-        <a:font script="Tale" typeface="Microsoft Tai Le"/>
-        <a:font script="Talu" typeface="Microsoft New Tai Lue"/>
-        <a:font script="Tfng" typeface="Ebrima"/>
       </a:majorFont>
       <a:minorFont>
-        <a:latin typeface="Calibri" panose="020F0502020204030204"/>
+        <a:latin typeface="Gill Sans MT" panose="020B0502020104020203"/>
         <a:ea typeface=""/>
         <a:cs typeface=""/>
         <a:font script="Jpan" typeface="游ゴシック"/>
@@ -3554,26 +5571,9 @@
         <a:font script="Viet" typeface="Arial"/>
         <a:font script="Uigh" typeface="Microsoft Uighur"/>
         <a:font script="Geor" typeface="Sylfaen"/>
-        <a:font script="Armn" typeface="Arial"/>
-        <a:font script="Bugi" typeface="Leelawadee UI"/>
-        <a:font script="Bopo" typeface="Microsoft JhengHei"/>
-        <a:font script="Java" typeface="Javanese Text"/>
-        <a:font script="Lisu" typeface="Segoe UI"/>
-        <a:font script="Mymr" typeface="Myanmar Text"/>
-        <a:font script="Nkoo" typeface="Ebrima"/>
-        <a:font script="Olck" typeface="Nirmala UI"/>
-        <a:font script="Osma" typeface="Ebrima"/>
-        <a:font script="Phag" typeface="Phagspa"/>
-        <a:font script="Syrn" typeface="Estrangelo Edessa"/>
-        <a:font script="Syrj" typeface="Estrangelo Edessa"/>
-        <a:font script="Syre" typeface="Estrangelo Edessa"/>
-        <a:font script="Sora" typeface="Nirmala UI"/>
-        <a:font script="Tale" typeface="Microsoft Tai Le"/>
-        <a:font script="Talu" typeface="Microsoft New Tai Lue"/>
-        <a:font script="Tfng" typeface="Ebrima"/>
       </a:minorFont>
     </a:fontScheme>
-    <a:fmtScheme name="Office">
+    <a:fmtScheme name="Galería">
       <a:fillStyleLst>
         <a:solidFill>
           <a:schemeClr val="phClr"/>
@@ -3582,23 +5582,18 @@
           <a:gsLst>
             <a:gs pos="0">
               <a:schemeClr val="phClr">
+                <a:tint val="54000"/>
+                <a:alpha val="100000"/>
+                <a:satMod val="105000"/>
                 <a:lumMod val="110000"/>
-                <a:satMod val="105000"/>
-                <a:tint val="67000"/>
-              </a:schemeClr>
-            </a:gs>
-            <a:gs pos="50000">
-              <a:schemeClr val="phClr">
-                <a:lumMod val="105000"/>
-                <a:satMod val="103000"/>
-                <a:tint val="73000"/>
               </a:schemeClr>
             </a:gs>
             <a:gs pos="100000">
               <a:schemeClr val="phClr">
-                <a:lumMod val="105000"/>
+                <a:tint val="78000"/>
+                <a:alpha val="92000"/>
                 <a:satMod val="109000"/>
-                <a:tint val="81000"/>
+                <a:lumMod val="100000"/>
               </a:schemeClr>
             </a:gs>
           </a:gsLst>
@@ -3608,23 +5603,23 @@
           <a:gsLst>
             <a:gs pos="0">
               <a:schemeClr val="phClr">
-                <a:satMod val="103000"/>
-                <a:lumMod val="102000"/>
-                <a:tint val="94000"/>
+                <a:tint val="98000"/>
+                <a:satMod val="110000"/>
+                <a:lumMod val="104000"/>
               </a:schemeClr>
             </a:gs>
-            <a:gs pos="50000">
+            <a:gs pos="69000">
               <a:schemeClr val="phClr">
-                <a:satMod val="110000"/>
-                <a:lumMod val="100000"/>
-                <a:shade val="100000"/>
+                <a:shade val="88000"/>
+                <a:satMod val="130000"/>
+                <a:lumMod val="92000"/>
               </a:schemeClr>
             </a:gs>
             <a:gs pos="100000">
               <a:schemeClr val="phClr">
-                <a:lumMod val="99000"/>
-                <a:satMod val="120000"/>
                 <a:shade val="78000"/>
+                <a:satMod val="130000"/>
+                <a:lumMod val="92000"/>
               </a:schemeClr>
             </a:gs>
           </a:gsLst>
@@ -3632,26 +5627,23 @@
         </a:gradFill>
       </a:fillStyleLst>
       <a:lnStyleLst>
-        <a:ln w="6350" cap="flat" cmpd="sng" algn="ctr">
+        <a:ln w="9525" cap="flat" cmpd="sng" algn="ctr">
           <a:solidFill>
             <a:schemeClr val="phClr"/>
           </a:solidFill>
           <a:prstDash val="solid"/>
-          <a:miter lim="800000"/>
         </a:ln>
-        <a:ln w="12700" cap="flat" cmpd="sng" algn="ctr">
+        <a:ln w="15875" cap="flat" cmpd="sng" algn="ctr">
           <a:solidFill>
             <a:schemeClr val="phClr"/>
           </a:solidFill>
           <a:prstDash val="solid"/>
-          <a:miter lim="800000"/>
         </a:ln>
-        <a:ln w="19050" cap="flat" cmpd="sng" algn="ctr">
+        <a:ln w="22225" cap="flat" cmpd="sng" algn="ctr">
           <a:solidFill>
             <a:schemeClr val="phClr"/>
           </a:solidFill>
           <a:prstDash val="solid"/>
-          <a:miter lim="800000"/>
         </a:ln>
       </a:lnStyleLst>
       <a:effectStyleLst>
@@ -3663,12 +5655,23 @@
         </a:effectStyle>
         <a:effectStyle>
           <a:effectLst>
-            <a:outerShdw blurRad="57150" dist="19050" dir="5400000" algn="ctr" rotWithShape="0">
+            <a:outerShdw blurRad="50800" dist="50800" dir="5400000" sx="96000" sy="96000" rotWithShape="0">
               <a:srgbClr val="000000">
-                <a:alpha val="63000"/>
+                <a:alpha val="48000"/>
               </a:srgbClr>
             </a:outerShdw>
           </a:effectLst>
+          <a:scene3d>
+            <a:camera prst="orthographicFront">
+              <a:rot lat="0" lon="0" rev="0"/>
+            </a:camera>
+            <a:lightRig rig="balanced" dir="t">
+              <a:rot lat="0" lon="0" rev="1080000"/>
+            </a:lightRig>
+          </a:scene3d>
+          <a:sp3d>
+            <a:bevelT w="38100" h="12700" prst="softRound"/>
+          </a:sp3d>
         </a:effectStyle>
       </a:effectStyleLst>
       <a:bgFillStyleLst>
@@ -3676,37 +5679,26 @@
           <a:schemeClr val="phClr"/>
         </a:solidFill>
         <a:solidFill>
-          <a:schemeClr val="phClr">
-            <a:tint val="95000"/>
-            <a:satMod val="170000"/>
-          </a:schemeClr>
+          <a:schemeClr val="phClr"/>
         </a:solidFill>
         <a:gradFill rotWithShape="1">
           <a:gsLst>
             <a:gs pos="0">
               <a:schemeClr val="phClr">
-                <a:tint val="93000"/>
-                <a:satMod val="150000"/>
-                <a:shade val="98000"/>
-                <a:lumMod val="102000"/>
-              </a:schemeClr>
-            </a:gs>
-            <a:gs pos="50000">
-              <a:schemeClr val="phClr">
-                <a:tint val="98000"/>
-                <a:satMod val="130000"/>
-                <a:shade val="90000"/>
-                <a:lumMod val="103000"/>
+                <a:tint val="94000"/>
+                <a:satMod val="80000"/>
+                <a:lumMod val="106000"/>
               </a:schemeClr>
             </a:gs>
             <a:gs pos="100000">
               <a:schemeClr val="phClr">
-                <a:shade val="63000"/>
-                <a:satMod val="120000"/>
+                <a:shade val="80000"/>
               </a:schemeClr>
             </a:gs>
           </a:gsLst>
-          <a:lin ang="5400000" scaled="0"/>
+          <a:path path="circle">
+            <a:fillToRect l="43000" r="43000" b="100000"/>
+          </a:path>
         </a:gradFill>
       </a:bgFillStyleLst>
     </a:fmtScheme>
@@ -3715,7 +5707,7 @@
   <a:extraClrSchemeLst/>
   <a:extLst>
     <a:ext uri="{05A4C25C-085E-4340-85A3-A5531E510DB2}">
-      <thm15:themeFamily xmlns:thm15="http://schemas.microsoft.com/office/thememl/2012/main" name="Office Theme" id="{62F939B6-93AF-4DB8-9C6B-D6C7DFDC589F}" vid="{4A3C46E8-61CC-4603-A589-7422A47A8E4A}"/>
+      <thm15:themeFamily xmlns:thm15="http://schemas.microsoft.com/office/thememl/2012/main" name="Gallery" id="{BBFCD31E-59A1-489D-B089-A3EAD7CAE12E}" vid="{F5E91637-A7B6-4E27-B710-77DA7014EE1E}"/>
     </a:ext>
   </a:extLst>
 </a:theme>

--- a/PM1.pptx
+++ b/PM1.pptx
@@ -13,6 +13,7 @@
     <p:sldId id="261" r:id="rId7"/>
     <p:sldId id="262" r:id="rId8"/>
     <p:sldId id="263" r:id="rId9"/>
+    <p:sldId id="264" r:id="rId10"/>
   </p:sldIdLst>
   <p:sldSz cx="12192000" cy="6858000"/>
   <p:notesSz cx="6858000" cy="9144000"/>
@@ -312,6 +313,53 @@
           <pc:docMk/>
           <pc:sldMk cId="1277014554" sldId="256"/>
         </pc:sldMkLst>
+      </pc:sldChg>
+    </pc:docChg>
+  </pc:docChgLst>
+  <pc:docChgLst>
+    <pc:chgData userId="c0f6b87b69e675a4" providerId="LiveId" clId="{ED7E7AD0-DC7A-4346-AA1C-AC09144653EA}"/>
+    <pc:docChg chg="addSld modSld">
+      <pc:chgData name="" userId="c0f6b87b69e675a4" providerId="LiveId" clId="{ED7E7AD0-DC7A-4346-AA1C-AC09144653EA}" dt="2019-10-01T02:08:19.136" v="3"/>
+      <pc:docMkLst>
+        <pc:docMk/>
+      </pc:docMkLst>
+      <pc:sldChg chg="addSp">
+        <pc:chgData name="" userId="c0f6b87b69e675a4" providerId="LiveId" clId="{ED7E7AD0-DC7A-4346-AA1C-AC09144653EA}" dt="2019-10-01T02:08:19.136" v="3"/>
+        <pc:sldMkLst>
+          <pc:docMk/>
+          <pc:sldMk cId="3525617992" sldId="257"/>
+        </pc:sldMkLst>
+        <pc:spChg chg="add">
+          <ac:chgData name="" userId="c0f6b87b69e675a4" providerId="LiveId" clId="{ED7E7AD0-DC7A-4346-AA1C-AC09144653EA}" dt="2019-10-01T02:08:19.136" v="3"/>
+          <ac:spMkLst>
+            <pc:docMk/>
+            <pc:sldMk cId="3525617992" sldId="257"/>
+            <ac:spMk id="4" creationId="{A717D533-FEC7-4908-8A08-57CF9FBDEB2A}"/>
+          </ac:spMkLst>
+        </pc:spChg>
+      </pc:sldChg>
+      <pc:sldChg chg="modSp add">
+        <pc:chgData name="" userId="c0f6b87b69e675a4" providerId="LiveId" clId="{ED7E7AD0-DC7A-4346-AA1C-AC09144653EA}" dt="2019-10-01T02:07:38.779" v="2"/>
+        <pc:sldMkLst>
+          <pc:docMk/>
+          <pc:sldMk cId="3358498806" sldId="264"/>
+        </pc:sldMkLst>
+        <pc:spChg chg="mod">
+          <ac:chgData name="" userId="c0f6b87b69e675a4" providerId="LiveId" clId="{ED7E7AD0-DC7A-4346-AA1C-AC09144653EA}" dt="2019-10-01T02:07:38.779" v="2"/>
+          <ac:spMkLst>
+            <pc:docMk/>
+            <pc:sldMk cId="3358498806" sldId="264"/>
+            <ac:spMk id="2" creationId="{6AF984F7-EE68-4E25-B2F9-8EB1DB473869}"/>
+          </ac:spMkLst>
+        </pc:spChg>
+        <pc:spChg chg="mod">
+          <ac:chgData name="" userId="c0f6b87b69e675a4" providerId="LiveId" clId="{ED7E7AD0-DC7A-4346-AA1C-AC09144653EA}" dt="2019-10-01T02:07:30.475" v="1"/>
+          <ac:spMkLst>
+            <pc:docMk/>
+            <pc:sldMk cId="3358498806" sldId="264"/>
+            <ac:spMk id="3" creationId="{0D190EFA-FC89-459B-88E0-625A4DE7D69E}"/>
+          </ac:spMkLst>
+        </pc:spChg>
       </pc:sldChg>
     </pc:docChg>
   </pc:docChgLst>
@@ -4051,6 +4099,40 @@
           </a:p>
         </p:txBody>
       </p:sp>
+      <p:sp>
+        <p:nvSpPr>
+          <p:cNvPr id="4" name="Título 1">
+            <a:extLst>
+              <a:ext uri="{FF2B5EF4-FFF2-40B4-BE49-F238E27FC236}">
+                <a16:creationId xmlns:a16="http://schemas.microsoft.com/office/drawing/2014/main" id="{A717D533-FEC7-4908-8A08-57CF9FBDEB2A}"/>
+              </a:ext>
+            </a:extLst>
+          </p:cNvPr>
+          <p:cNvSpPr>
+            <a:spLocks noGrp="1"/>
+          </p:cNvSpPr>
+          <p:nvPr>
+            <p:ph type="title"/>
+          </p:nvPr>
+        </p:nvSpPr>
+        <p:spPr>
+          <a:xfrm>
+            <a:off x="1451579" y="804519"/>
+            <a:ext cx="9603275" cy="1049235"/>
+          </a:xfrm>
+        </p:spPr>
+        <p:txBody>
+          <a:bodyPr/>
+          <a:lstStyle/>
+          <a:p>
+            <a:r>
+              <a:rPr lang="es-MX" dirty="0" err="1"/>
+              <a:t>Descripcion</a:t>
+            </a:r>
+            <a:endParaRPr lang="es-MX" dirty="0"/>
+          </a:p>
+        </p:txBody>
+      </p:sp>
     </p:spTree>
     <p:extLst>
       <p:ext uri="{BB962C8B-B14F-4D97-AF65-F5344CB8AC3E}">
@@ -5442,7 +5524,7 @@
           <a:p>
             <a:r>
               <a:rPr lang="es-MX" dirty="0"/>
-              <a:t>Fabricando alimentos con los siguientes componentes.243 de VEG2 y .756 de OIL1, tendríamos una ganancia de 127.56($/ton)</a:t>
+              <a:t>Fabricando alimentos con los siguientes componentes.243 de VEG2 y .756 de OIL1, tendríamos una ganancia de 127.56($/ton).</a:t>
             </a:r>
           </a:p>
         </p:txBody>
@@ -5451,6 +5533,109 @@
     <p:extLst>
       <p:ext uri="{BB962C8B-B14F-4D97-AF65-F5344CB8AC3E}">
         <p14:creationId xmlns:p14="http://schemas.microsoft.com/office/powerpoint/2010/main" val="3826928259"/>
+      </p:ext>
+    </p:extLst>
+  </p:cSld>
+  <p:clrMapOvr>
+    <a:masterClrMapping/>
+  </p:clrMapOvr>
+</p:sld>
+</file>
+
+<file path=ppt/slides/slide9.xml><?xml version="1.0" encoding="utf-8"?>
+<p:sld xmlns:a="http://schemas.openxmlformats.org/drawingml/2006/main" xmlns:r="http://schemas.openxmlformats.org/officeDocument/2006/relationships" xmlns:p="http://schemas.openxmlformats.org/presentationml/2006/main">
+  <p:cSld>
+    <p:spTree>
+      <p:nvGrpSpPr>
+        <p:cNvPr id="1" name=""/>
+        <p:cNvGrpSpPr/>
+        <p:nvPr/>
+      </p:nvGrpSpPr>
+      <p:grpSpPr>
+        <a:xfrm>
+          <a:off x="0" y="0"/>
+          <a:ext cx="0" cy="0"/>
+          <a:chOff x="0" y="0"/>
+          <a:chExt cx="0" cy="0"/>
+        </a:xfrm>
+      </p:grpSpPr>
+      <p:sp>
+        <p:nvSpPr>
+          <p:cNvPr id="2" name="Título 1">
+            <a:extLst>
+              <a:ext uri="{FF2B5EF4-FFF2-40B4-BE49-F238E27FC236}">
+                <a16:creationId xmlns:a16="http://schemas.microsoft.com/office/drawing/2014/main" id="{6AF984F7-EE68-4E25-B2F9-8EB1DB473869}"/>
+              </a:ext>
+            </a:extLst>
+          </p:cNvPr>
+          <p:cNvSpPr>
+            <a:spLocks noGrp="1"/>
+          </p:cNvSpPr>
+          <p:nvPr>
+            <p:ph type="title"/>
+          </p:nvPr>
+        </p:nvSpPr>
+        <p:spPr/>
+        <p:txBody>
+          <a:bodyPr/>
+          <a:lstStyle/>
+          <a:p>
+            <a:r>
+              <a:rPr lang="es-MX" dirty="0"/>
+              <a:t>Conclusiones resultados</a:t>
+            </a:r>
+          </a:p>
+        </p:txBody>
+      </p:sp>
+      <p:sp>
+        <p:nvSpPr>
+          <p:cNvPr id="3" name="Marcador de contenido 2">
+            <a:extLst>
+              <a:ext uri="{FF2B5EF4-FFF2-40B4-BE49-F238E27FC236}">
+                <a16:creationId xmlns:a16="http://schemas.microsoft.com/office/drawing/2014/main" id="{0D190EFA-FC89-459B-88E0-625A4DE7D69E}"/>
+              </a:ext>
+            </a:extLst>
+          </p:cNvPr>
+          <p:cNvSpPr>
+            <a:spLocks noGrp="1"/>
+          </p:cNvSpPr>
+          <p:nvPr>
+            <p:ph idx="1"/>
+          </p:nvPr>
+        </p:nvSpPr>
+        <p:spPr/>
+        <p:txBody>
+          <a:bodyPr/>
+          <a:lstStyle/>
+          <a:p>
+            <a:r>
+              <a:rPr lang="es-MX" dirty="0"/>
+              <a:t>- La Fabricación de alimentos con aceites No Vegetales es más del doble que los Vegetales, esto nos dice que la mayor ganancias proviene del OIL por la función objetivo; lo que concluimos con esto es que la demanda del OIL debe de irse </a:t>
+            </a:r>
+            <a:r>
+              <a:rPr lang="es-MX" dirty="0" err="1"/>
+              <a:t>igualanado</a:t>
+            </a:r>
+            <a:r>
+              <a:rPr lang="es-MX" dirty="0"/>
+              <a:t> a la del aceite Vegetal para tener un consumo de alimentos más sano.</a:t>
+            </a:r>
+          </a:p>
+          <a:p>
+            <a:endParaRPr lang="es-MX" dirty="0"/>
+          </a:p>
+          <a:p>
+            <a:r>
+              <a:rPr lang="es-MX" dirty="0"/>
+              <a:t>- Las ganancias máximas durante los primeros 6 meses del año no son tan buenas.</a:t>
+            </a:r>
+          </a:p>
+        </p:txBody>
+      </p:sp>
+    </p:spTree>
+    <p:extLst>
+      <p:ext uri="{BB962C8B-B14F-4D97-AF65-F5344CB8AC3E}">
+        <p14:creationId xmlns:p14="http://schemas.microsoft.com/office/powerpoint/2010/main" val="3358498806"/>
       </p:ext>
     </p:extLst>
   </p:cSld>

--- a/PM1.pptx
+++ b/PM1.pptx
@@ -118,6 +118,14 @@
     </p:ext>
   </p:extLst>
 </p:presentation>
+</file>
+
+<file path=ppt/revisionInfo.xml><?xml version="1.0" encoding="utf-8"?>
+<p1510:revInfo xmlns:a="http://schemas.openxmlformats.org/drawingml/2006/main" xmlns:r="http://schemas.openxmlformats.org/officeDocument/2006/relationships" xmlns:p1510="http://schemas.microsoft.com/office/powerpoint/2015/10/main">
+  <p1510:revLst>
+    <p1510:client id="{8578E937-974E-4E87-A457-ED6538B6D45A}" v="1" dt="2019-10-01T02:26:54.078"/>
+  </p1510:revLst>
+</p1510:revInfo>
 </file>
 
 <file path=ppt/changesInfos/changesInfo1.xml><?xml version="1.0" encoding="utf-8"?>
@@ -295,6 +303,30 @@
             <pc:docMk/>
             <pc:sldMk cId="3826928259" sldId="263"/>
             <ac:spMk id="3" creationId="{F48C1912-3E9C-473C-AED3-FED3E4248979}"/>
+          </ac:spMkLst>
+        </pc:spChg>
+      </pc:sldChg>
+    </pc:docChg>
+  </pc:docChgLst>
+  <pc:docChgLst>
+    <pc:chgData name="PRECIADO RODRIGUEZ, JAVIER ALEJANDRO" userId="99c69099-2671-48a8-960c-05a040ef0d22" providerId="ADAL" clId="{8578E937-974E-4E87-A457-ED6538B6D45A}"/>
+    <pc:docChg chg="modSld">
+      <pc:chgData name="PRECIADO RODRIGUEZ, JAVIER ALEJANDRO" userId="99c69099-2671-48a8-960c-05a040ef0d22" providerId="ADAL" clId="{8578E937-974E-4E87-A457-ED6538B6D45A}" dt="2019-10-01T02:26:57.091" v="1" actId="20577"/>
+      <pc:docMkLst>
+        <pc:docMk/>
+      </pc:docMkLst>
+      <pc:sldChg chg="modSp">
+        <pc:chgData name="PRECIADO RODRIGUEZ, JAVIER ALEJANDRO" userId="99c69099-2671-48a8-960c-05a040ef0d22" providerId="ADAL" clId="{8578E937-974E-4E87-A457-ED6538B6D45A}" dt="2019-10-01T02:26:57.091" v="1" actId="20577"/>
+        <pc:sldMkLst>
+          <pc:docMk/>
+          <pc:sldMk cId="3358498806" sldId="264"/>
+        </pc:sldMkLst>
+        <pc:spChg chg="mod">
+          <ac:chgData name="PRECIADO RODRIGUEZ, JAVIER ALEJANDRO" userId="99c69099-2671-48a8-960c-05a040ef0d22" providerId="ADAL" clId="{8578E937-974E-4E87-A457-ED6538B6D45A}" dt="2019-10-01T02:26:57.091" v="1" actId="20577"/>
+          <ac:spMkLst>
+            <pc:docMk/>
+            <pc:sldMk cId="3358498806" sldId="264"/>
+            <ac:spMk id="3" creationId="{0D190EFA-FC89-459B-88E0-625A4DE7D69E}"/>
           </ac:spMkLst>
         </pc:spChg>
       </pc:sldChg>
@@ -5610,15 +5642,15 @@
           <a:p>
             <a:r>
               <a:rPr lang="es-MX" dirty="0"/>
-              <a:t>- La Fabricación de alimentos con aceites No Vegetales es más del doble que los Vegetales, esto nos dice que la mayor ganancias proviene del OIL por la función objetivo; lo que concluimos con esto es que la demanda del OIL debe de irse </a:t>
-            </a:r>
-            <a:r>
-              <a:rPr lang="es-MX" dirty="0" err="1"/>
-              <a:t>igualanado</a:t>
+              <a:t>- La Fabricación de alimentos con aceites No Vegetales es más del doble que los Vegetales, esto nos dice que la mayor ganancias proviene del OIL por la función objetivo; lo que concluimos con esto es que la demanda del OIL debe de </a:t>
+            </a:r>
+            <a:r>
+              <a:rPr lang="es-MX"/>
+              <a:t>irse igualado </a:t>
             </a:r>
             <a:r>
               <a:rPr lang="es-MX" dirty="0"/>
-              <a:t> a la del aceite Vegetal para tener un consumo de alimentos más sano.</a:t>
+              <a:t>a la del aceite Vegetal para tener un consumo de alimentos más sano.</a:t>
             </a:r>
           </a:p>
           <a:p>

--- a/PM1.pptx
+++ b/PM1.pptx
@@ -537,7 +537,7 @@
           <a:p>
             <a:fld id="{3FFC972C-A864-4DD8-BBF1-6BDB292035BC}" type="datetimeFigureOut">
               <a:rPr lang="es-MX" smtClean="0"/>
-              <a:t>30/09/2019</a:t>
+              <a:t>01/10/2019</a:t>
             </a:fld>
             <a:endParaRPr lang="es-MX"/>
           </a:p>
@@ -748,7 +748,7 @@
           <a:p>
             <a:fld id="{3FFC972C-A864-4DD8-BBF1-6BDB292035BC}" type="datetimeFigureOut">
               <a:rPr lang="es-MX" smtClean="0"/>
-              <a:t>30/09/2019</a:t>
+              <a:t>01/10/2019</a:t>
             </a:fld>
             <a:endParaRPr lang="es-MX"/>
           </a:p>
@@ -963,7 +963,7 @@
           <a:p>
             <a:fld id="{3FFC972C-A864-4DD8-BBF1-6BDB292035BC}" type="datetimeFigureOut">
               <a:rPr lang="es-MX" smtClean="0"/>
-              <a:t>30/09/2019</a:t>
+              <a:t>01/10/2019</a:t>
             </a:fld>
             <a:endParaRPr lang="es-MX"/>
           </a:p>
@@ -1164,7 +1164,7 @@
           <a:p>
             <a:fld id="{3FFC972C-A864-4DD8-BBF1-6BDB292035BC}" type="datetimeFigureOut">
               <a:rPr lang="es-MX" smtClean="0"/>
-              <a:t>30/09/2019</a:t>
+              <a:t>01/10/2019</a:t>
             </a:fld>
             <a:endParaRPr lang="es-MX"/>
           </a:p>
@@ -1443,7 +1443,7 @@
           <a:p>
             <a:fld id="{3FFC972C-A864-4DD8-BBF1-6BDB292035BC}" type="datetimeFigureOut">
               <a:rPr lang="es-MX" smtClean="0"/>
-              <a:t>30/09/2019</a:t>
+              <a:t>01/10/2019</a:t>
             </a:fld>
             <a:endParaRPr lang="es-MX"/>
           </a:p>
@@ -1711,7 +1711,7 @@
           <a:p>
             <a:fld id="{3FFC972C-A864-4DD8-BBF1-6BDB292035BC}" type="datetimeFigureOut">
               <a:rPr lang="es-MX" smtClean="0"/>
-              <a:t>30/09/2019</a:t>
+              <a:t>01/10/2019</a:t>
             </a:fld>
             <a:endParaRPr lang="es-MX"/>
           </a:p>
@@ -2127,7 +2127,7 @@
           <a:p>
             <a:fld id="{3FFC972C-A864-4DD8-BBF1-6BDB292035BC}" type="datetimeFigureOut">
               <a:rPr lang="es-MX" smtClean="0"/>
-              <a:t>30/09/2019</a:t>
+              <a:t>01/10/2019</a:t>
             </a:fld>
             <a:endParaRPr lang="es-MX"/>
           </a:p>
@@ -2276,7 +2276,7 @@
           <a:p>
             <a:fld id="{3FFC972C-A864-4DD8-BBF1-6BDB292035BC}" type="datetimeFigureOut">
               <a:rPr lang="es-MX" smtClean="0"/>
-              <a:t>30/09/2019</a:t>
+              <a:t>01/10/2019</a:t>
             </a:fld>
             <a:endParaRPr lang="es-MX"/>
           </a:p>
@@ -2402,7 +2402,7 @@
           <a:p>
             <a:fld id="{3FFC972C-A864-4DD8-BBF1-6BDB292035BC}" type="datetimeFigureOut">
               <a:rPr lang="es-MX" smtClean="0"/>
-              <a:t>30/09/2019</a:t>
+              <a:t>01/10/2019</a:t>
             </a:fld>
             <a:endParaRPr lang="es-MX"/>
           </a:p>
@@ -2653,7 +2653,7 @@
           <a:p>
             <a:fld id="{3FFC972C-A864-4DD8-BBF1-6BDB292035BC}" type="datetimeFigureOut">
               <a:rPr lang="es-MX" smtClean="0"/>
-              <a:t>30/09/2019</a:t>
+              <a:t>01/10/2019</a:t>
             </a:fld>
             <a:endParaRPr lang="es-MX"/>
           </a:p>
@@ -3098,7 +3098,7 @@
           <a:p>
             <a:fld id="{3FFC972C-A864-4DD8-BBF1-6BDB292035BC}" type="datetimeFigureOut">
               <a:rPr lang="es-MX" smtClean="0"/>
-              <a:t>30/09/2019</a:t>
+              <a:t>01/10/2019</a:t>
             </a:fld>
             <a:endParaRPr lang="es-MX"/>
           </a:p>
@@ -3424,7 +3424,7 @@
           <a:p>
             <a:fld id="{3FFC972C-A864-4DD8-BBF1-6BDB292035BC}" type="datetimeFigureOut">
               <a:rPr lang="es-MX" smtClean="0"/>
-              <a:t>30/09/2019</a:t>
+              <a:t>01/10/2019</a:t>
             </a:fld>
             <a:endParaRPr lang="es-MX"/>
           </a:p>
@@ -5642,24 +5642,20 @@
           <a:p>
             <a:r>
               <a:rPr lang="es-MX" dirty="0"/>
-              <a:t>- La Fabricación de alimentos con aceites No Vegetales es más del doble que los Vegetales, esto nos dice que la mayor ganancias proviene del OIL por la función objetivo; lo que concluimos con esto es que la demanda del OIL debe de </a:t>
-            </a:r>
+              <a:t>La Fabricación de alimentos con aceites No Vegetales es más del doble que los Vegetales, esto nos dice que la mayor ganancias proviene del OIL por la función objetivo; lo que concluimos con esto es que la demanda del OIL debe de irse igualado a la del aceite Vegetal para tener un consumo de alimentos más sano.</a:t>
+            </a:r>
+          </a:p>
+          <a:p>
+            <a:endParaRPr lang="es-MX" dirty="0"/>
+          </a:p>
+          <a:p>
             <a:r>
               <a:rPr lang="es-MX"/>
-              <a:t>irse igualado </a:t>
+              <a:t>Las </a:t>
             </a:r>
             <a:r>
               <a:rPr lang="es-MX" dirty="0"/>
-              <a:t>a la del aceite Vegetal para tener un consumo de alimentos más sano.</a:t>
-            </a:r>
-          </a:p>
-          <a:p>
-            <a:endParaRPr lang="es-MX" dirty="0"/>
-          </a:p>
-          <a:p>
-            <a:r>
-              <a:rPr lang="es-MX" dirty="0"/>
-              <a:t>- Las ganancias máximas durante los primeros 6 meses del año no son tan buenas.</a:t>
+              <a:t>ganancias máximas durante los primeros 6 meses del año no son tan buenas.</a:t>
             </a:r>
           </a:p>
         </p:txBody>

--- a/PM1.pptx
+++ b/PM1.pptx
@@ -311,10 +311,25 @@
   <pc:docChgLst>
     <pc:chgData name="PRECIADO RODRIGUEZ, JAVIER ALEJANDRO" userId="99c69099-2671-48a8-960c-05a040ef0d22" providerId="ADAL" clId="{8578E937-974E-4E87-A457-ED6538B6D45A}"/>
     <pc:docChg chg="modSld">
-      <pc:chgData name="PRECIADO RODRIGUEZ, JAVIER ALEJANDRO" userId="99c69099-2671-48a8-960c-05a040ef0d22" providerId="ADAL" clId="{8578E937-974E-4E87-A457-ED6538B6D45A}" dt="2019-10-01T02:26:57.091" v="1" actId="20577"/>
+      <pc:chgData name="PRECIADO RODRIGUEZ, JAVIER ALEJANDRO" userId="99c69099-2671-48a8-960c-05a040ef0d22" providerId="ADAL" clId="{8578E937-974E-4E87-A457-ED6538B6D45A}" dt="2019-10-02T12:11:37.842" v="8" actId="20577"/>
       <pc:docMkLst>
         <pc:docMk/>
       </pc:docMkLst>
+      <pc:sldChg chg="modSp">
+        <pc:chgData name="PRECIADO RODRIGUEZ, JAVIER ALEJANDRO" userId="99c69099-2671-48a8-960c-05a040ef0d22" providerId="ADAL" clId="{8578E937-974E-4E87-A457-ED6538B6D45A}" dt="2019-10-02T12:11:37.842" v="8" actId="20577"/>
+        <pc:sldMkLst>
+          <pc:docMk/>
+          <pc:sldMk cId="3826928259" sldId="263"/>
+        </pc:sldMkLst>
+        <pc:spChg chg="mod">
+          <ac:chgData name="PRECIADO RODRIGUEZ, JAVIER ALEJANDRO" userId="99c69099-2671-48a8-960c-05a040ef0d22" providerId="ADAL" clId="{8578E937-974E-4E87-A457-ED6538B6D45A}" dt="2019-10-02T12:11:37.842" v="8" actId="20577"/>
+          <ac:spMkLst>
+            <pc:docMk/>
+            <pc:sldMk cId="3826928259" sldId="263"/>
+            <ac:spMk id="3" creationId="{F48C1912-3E9C-473C-AED3-FED3E4248979}"/>
+          </ac:spMkLst>
+        </pc:spChg>
+      </pc:sldChg>
       <pc:sldChg chg="modSp">
         <pc:chgData name="PRECIADO RODRIGUEZ, JAVIER ALEJANDRO" userId="99c69099-2671-48a8-960c-05a040ef0d22" providerId="ADAL" clId="{8578E937-974E-4E87-A457-ED6538B6D45A}" dt="2019-10-01T02:26:57.091" v="1" actId="20577"/>
         <pc:sldMkLst>
@@ -537,7 +552,7 @@
           <a:p>
             <a:fld id="{3FFC972C-A864-4DD8-BBF1-6BDB292035BC}" type="datetimeFigureOut">
               <a:rPr lang="es-MX" smtClean="0"/>
-              <a:t>01/10/2019</a:t>
+              <a:t>02/10/2019</a:t>
             </a:fld>
             <a:endParaRPr lang="es-MX"/>
           </a:p>
@@ -748,7 +763,7 @@
           <a:p>
             <a:fld id="{3FFC972C-A864-4DD8-BBF1-6BDB292035BC}" type="datetimeFigureOut">
               <a:rPr lang="es-MX" smtClean="0"/>
-              <a:t>01/10/2019</a:t>
+              <a:t>02/10/2019</a:t>
             </a:fld>
             <a:endParaRPr lang="es-MX"/>
           </a:p>
@@ -963,7 +978,7 @@
           <a:p>
             <a:fld id="{3FFC972C-A864-4DD8-BBF1-6BDB292035BC}" type="datetimeFigureOut">
               <a:rPr lang="es-MX" smtClean="0"/>
-              <a:t>01/10/2019</a:t>
+              <a:t>02/10/2019</a:t>
             </a:fld>
             <a:endParaRPr lang="es-MX"/>
           </a:p>
@@ -1164,7 +1179,7 @@
           <a:p>
             <a:fld id="{3FFC972C-A864-4DD8-BBF1-6BDB292035BC}" type="datetimeFigureOut">
               <a:rPr lang="es-MX" smtClean="0"/>
-              <a:t>01/10/2019</a:t>
+              <a:t>02/10/2019</a:t>
             </a:fld>
             <a:endParaRPr lang="es-MX"/>
           </a:p>
@@ -1443,7 +1458,7 @@
           <a:p>
             <a:fld id="{3FFC972C-A864-4DD8-BBF1-6BDB292035BC}" type="datetimeFigureOut">
               <a:rPr lang="es-MX" smtClean="0"/>
-              <a:t>01/10/2019</a:t>
+              <a:t>02/10/2019</a:t>
             </a:fld>
             <a:endParaRPr lang="es-MX"/>
           </a:p>
@@ -1711,7 +1726,7 @@
           <a:p>
             <a:fld id="{3FFC972C-A864-4DD8-BBF1-6BDB292035BC}" type="datetimeFigureOut">
               <a:rPr lang="es-MX" smtClean="0"/>
-              <a:t>01/10/2019</a:t>
+              <a:t>02/10/2019</a:t>
             </a:fld>
             <a:endParaRPr lang="es-MX"/>
           </a:p>
@@ -2127,7 +2142,7 @@
           <a:p>
             <a:fld id="{3FFC972C-A864-4DD8-BBF1-6BDB292035BC}" type="datetimeFigureOut">
               <a:rPr lang="es-MX" smtClean="0"/>
-              <a:t>01/10/2019</a:t>
+              <a:t>02/10/2019</a:t>
             </a:fld>
             <a:endParaRPr lang="es-MX"/>
           </a:p>
@@ -2276,7 +2291,7 @@
           <a:p>
             <a:fld id="{3FFC972C-A864-4DD8-BBF1-6BDB292035BC}" type="datetimeFigureOut">
               <a:rPr lang="es-MX" smtClean="0"/>
-              <a:t>01/10/2019</a:t>
+              <a:t>02/10/2019</a:t>
             </a:fld>
             <a:endParaRPr lang="es-MX"/>
           </a:p>
@@ -2402,7 +2417,7 @@
           <a:p>
             <a:fld id="{3FFC972C-A864-4DD8-BBF1-6BDB292035BC}" type="datetimeFigureOut">
               <a:rPr lang="es-MX" smtClean="0"/>
-              <a:t>01/10/2019</a:t>
+              <a:t>02/10/2019</a:t>
             </a:fld>
             <a:endParaRPr lang="es-MX"/>
           </a:p>
@@ -2653,7 +2668,7 @@
           <a:p>
             <a:fld id="{3FFC972C-A864-4DD8-BBF1-6BDB292035BC}" type="datetimeFigureOut">
               <a:rPr lang="es-MX" smtClean="0"/>
-              <a:t>01/10/2019</a:t>
+              <a:t>02/10/2019</a:t>
             </a:fld>
             <a:endParaRPr lang="es-MX"/>
           </a:p>
@@ -3098,7 +3113,7 @@
           <a:p>
             <a:fld id="{3FFC972C-A864-4DD8-BBF1-6BDB292035BC}" type="datetimeFigureOut">
               <a:rPr lang="es-MX" smtClean="0"/>
-              <a:t>01/10/2019</a:t>
+              <a:t>02/10/2019</a:t>
             </a:fld>
             <a:endParaRPr lang="es-MX"/>
           </a:p>
@@ -3424,7 +3439,7 @@
           <a:p>
             <a:fld id="{3FFC972C-A864-4DD8-BBF1-6BDB292035BC}" type="datetimeFigureOut">
               <a:rPr lang="es-MX" smtClean="0"/>
-              <a:t>01/10/2019</a:t>
+              <a:t>02/10/2019</a:t>
             </a:fld>
             <a:endParaRPr lang="es-MX"/>
           </a:p>
@@ -5556,7 +5571,7 @@
           <a:p>
             <a:r>
               <a:rPr lang="es-MX" dirty="0"/>
-              <a:t>Fabricando alimentos con los siguientes componentes.243 de VEG2 y .756 de OIL1, tendríamos una ganancia de 127.56($/ton).</a:t>
+              <a:t>Fabricando alimentos con los siguientes componentes.243 de VEG2 y .756 de OIL1, tendríamos una ganancia de 127.56.</a:t>
             </a:r>
           </a:p>
         </p:txBody>
@@ -5650,12 +5665,8 @@
           </a:p>
           <a:p>
             <a:r>
-              <a:rPr lang="es-MX"/>
-              <a:t>Las </a:t>
-            </a:r>
-            <a:r>
               <a:rPr lang="es-MX" dirty="0"/>
-              <a:t>ganancias máximas durante los primeros 6 meses del año no son tan buenas.</a:t>
+              <a:t>Las ganancias máximas durante los primeros 6 meses del año no son tan buenas.</a:t>
             </a:r>
           </a:p>
         </p:txBody>
